--- a/Email_Harassment/0_Investigate_Harassment_Email_Wireshark.pptx
+++ b/Email_Harassment/0_Investigate_Harassment_Email_Wireshark.pptx
@@ -5,43 +5,46 @@
     <p:sldMasterId id="2147483648" r:id="rId1"/>
   </p:sldMasterIdLst>
   <p:notesMasterIdLst>
-    <p:notesMasterId r:id="rId36"/>
+    <p:notesMasterId r:id="rId39"/>
   </p:notesMasterIdLst>
   <p:sldIdLst>
     <p:sldId id="256" r:id="rId2"/>
     <p:sldId id="270" r:id="rId3"/>
     <p:sldId id="262" r:id="rId4"/>
-    <p:sldId id="289" r:id="rId5"/>
-    <p:sldId id="291" r:id="rId6"/>
-    <p:sldId id="290" r:id="rId7"/>
-    <p:sldId id="264" r:id="rId8"/>
-    <p:sldId id="292" r:id="rId9"/>
-    <p:sldId id="293" r:id="rId10"/>
-    <p:sldId id="257" r:id="rId11"/>
-    <p:sldId id="269" r:id="rId12"/>
-    <p:sldId id="271" r:id="rId13"/>
-    <p:sldId id="266" r:id="rId14"/>
-    <p:sldId id="294" r:id="rId15"/>
-    <p:sldId id="295" r:id="rId16"/>
-    <p:sldId id="272" r:id="rId17"/>
-    <p:sldId id="267" r:id="rId18"/>
-    <p:sldId id="265" r:id="rId19"/>
-    <p:sldId id="288" r:id="rId20"/>
-    <p:sldId id="279" r:id="rId21"/>
-    <p:sldId id="260" r:id="rId22"/>
-    <p:sldId id="277" r:id="rId23"/>
-    <p:sldId id="263" r:id="rId24"/>
-    <p:sldId id="280" r:id="rId25"/>
-    <p:sldId id="273" r:id="rId26"/>
-    <p:sldId id="283" r:id="rId27"/>
-    <p:sldId id="296" r:id="rId28"/>
-    <p:sldId id="274" r:id="rId29"/>
-    <p:sldId id="282" r:id="rId30"/>
-    <p:sldId id="281" r:id="rId31"/>
-    <p:sldId id="284" r:id="rId32"/>
-    <p:sldId id="285" r:id="rId33"/>
-    <p:sldId id="286" r:id="rId34"/>
-    <p:sldId id="275" r:id="rId35"/>
+    <p:sldId id="297" r:id="rId5"/>
+    <p:sldId id="298" r:id="rId6"/>
+    <p:sldId id="299" r:id="rId7"/>
+    <p:sldId id="289" r:id="rId8"/>
+    <p:sldId id="291" r:id="rId9"/>
+    <p:sldId id="290" r:id="rId10"/>
+    <p:sldId id="264" r:id="rId11"/>
+    <p:sldId id="292" r:id="rId12"/>
+    <p:sldId id="293" r:id="rId13"/>
+    <p:sldId id="257" r:id="rId14"/>
+    <p:sldId id="269" r:id="rId15"/>
+    <p:sldId id="271" r:id="rId16"/>
+    <p:sldId id="266" r:id="rId17"/>
+    <p:sldId id="294" r:id="rId18"/>
+    <p:sldId id="295" r:id="rId19"/>
+    <p:sldId id="272" r:id="rId20"/>
+    <p:sldId id="267" r:id="rId21"/>
+    <p:sldId id="265" r:id="rId22"/>
+    <p:sldId id="288" r:id="rId23"/>
+    <p:sldId id="279" r:id="rId24"/>
+    <p:sldId id="260" r:id="rId25"/>
+    <p:sldId id="277" r:id="rId26"/>
+    <p:sldId id="263" r:id="rId27"/>
+    <p:sldId id="280" r:id="rId28"/>
+    <p:sldId id="273" r:id="rId29"/>
+    <p:sldId id="283" r:id="rId30"/>
+    <p:sldId id="296" r:id="rId31"/>
+    <p:sldId id="274" r:id="rId32"/>
+    <p:sldId id="282" r:id="rId33"/>
+    <p:sldId id="281" r:id="rId34"/>
+    <p:sldId id="284" r:id="rId35"/>
+    <p:sldId id="285" r:id="rId36"/>
+    <p:sldId id="286" r:id="rId37"/>
+    <p:sldId id="275" r:id="rId38"/>
   </p:sldIdLst>
   <p:sldSz cx="12192000" cy="6858000"/>
   <p:notesSz cx="6858000" cy="9144000"/>
@@ -151,7 +154,7 @@
 <file path=ppt/revisionInfo.xml><?xml version="1.0" encoding="utf-8"?>
 <p1510:revInfo xmlns:a="http://schemas.openxmlformats.org/drawingml/2006/main" xmlns:r="http://schemas.openxmlformats.org/officeDocument/2006/relationships" xmlns:p1510="http://schemas.microsoft.com/office/powerpoint/2015/10/main">
   <p1510:revLst>
-    <p1510:client id="{7536F04E-799A-472D-BBFC-4765FC31352B}" v="127" dt="2023-02-05T17:04:01.181"/>
+    <p1510:client id="{7536F04E-799A-472D-BBFC-4765FC31352B}" v="129" dt="2023-02-06T03:07:46.222"/>
   </p1510:revLst>
 </p1510:revInfo>
 </file>
@@ -477,7 +480,7 @@
   <pc:docChgLst>
     <pc:chgData name="Weifeng Xu" userId="e7aed605-a3dd-4d5a-a692-a87037af107b" providerId="ADAL" clId="{7536F04E-799A-472D-BBFC-4765FC31352B}"/>
     <pc:docChg chg="undo custSel addSld delSld modSld sldOrd">
-      <pc:chgData name="Weifeng Xu" userId="e7aed605-a3dd-4d5a-a692-a87037af107b" providerId="ADAL" clId="{7536F04E-799A-472D-BBFC-4765FC31352B}" dt="2023-02-05T23:50:04.931" v="1358" actId="20577"/>
+      <pc:chgData name="Weifeng Xu" userId="e7aed605-a3dd-4d5a-a692-a87037af107b" providerId="ADAL" clId="{7536F04E-799A-472D-BBFC-4765FC31352B}" dt="2023-02-06T03:10:02.297" v="1660" actId="20577"/>
       <pc:docMkLst>
         <pc:docMk/>
       </pc:docMkLst>
@@ -590,8 +593,8 @@
           </ac:picMkLst>
         </pc:picChg>
       </pc:sldChg>
-      <pc:sldChg chg="addSp delSp modSp mod">
-        <pc:chgData name="Weifeng Xu" userId="e7aed605-a3dd-4d5a-a692-a87037af107b" providerId="ADAL" clId="{7536F04E-799A-472D-BBFC-4765FC31352B}" dt="2023-02-05T14:39:01.246" v="513" actId="1076"/>
+      <pc:sldChg chg="addSp delSp modSp mod ord">
+        <pc:chgData name="Weifeng Xu" userId="e7aed605-a3dd-4d5a-a692-a87037af107b" providerId="ADAL" clId="{7536F04E-799A-472D-BBFC-4765FC31352B}" dt="2023-02-06T02:48:39.594" v="1421"/>
         <pc:sldMkLst>
           <pc:docMk/>
           <pc:sldMk cId="4211414764" sldId="262"/>
@@ -733,12 +736,20 @@
           </ac:picMkLst>
         </pc:picChg>
       </pc:sldChg>
-      <pc:sldChg chg="modSp mod ord">
-        <pc:chgData name="Weifeng Xu" userId="e7aed605-a3dd-4d5a-a692-a87037af107b" providerId="ADAL" clId="{7536F04E-799A-472D-BBFC-4765FC31352B}" dt="2023-02-05T14:37:33.692" v="503" actId="20577"/>
+      <pc:sldChg chg="addSp modSp mod ord">
+        <pc:chgData name="Weifeng Xu" userId="e7aed605-a3dd-4d5a-a692-a87037af107b" providerId="ADAL" clId="{7536F04E-799A-472D-BBFC-4765FC31352B}" dt="2023-02-06T03:08:47.896" v="1646" actId="1076"/>
         <pc:sldMkLst>
           <pc:docMk/>
           <pc:sldMk cId="4163150353" sldId="264"/>
         </pc:sldMkLst>
+        <pc:spChg chg="add mod">
+          <ac:chgData name="Weifeng Xu" userId="e7aed605-a3dd-4d5a-a692-a87037af107b" providerId="ADAL" clId="{7536F04E-799A-472D-BBFC-4765FC31352B}" dt="2023-02-06T03:08:47.896" v="1646" actId="1076"/>
+          <ac:spMkLst>
+            <pc:docMk/>
+            <pc:sldMk cId="4163150353" sldId="264"/>
+            <ac:spMk id="2" creationId="{93A5E591-DE58-E3D3-278F-49EC6EB3D4F8}"/>
+          </ac:spMkLst>
+        </pc:spChg>
         <pc:spChg chg="mod">
           <ac:chgData name="Weifeng Xu" userId="e7aed605-a3dd-4d5a-a692-a87037af107b" providerId="ADAL" clId="{7536F04E-799A-472D-BBFC-4765FC31352B}" dt="2023-02-05T14:37:15.961" v="496" actId="20577"/>
           <ac:spMkLst>
@@ -963,7 +974,7 @@
         </pc:cxnChg>
       </pc:sldChg>
       <pc:sldChg chg="addSp delSp modSp add mod modClrScheme chgLayout">
-        <pc:chgData name="Weifeng Xu" userId="e7aed605-a3dd-4d5a-a692-a87037af107b" providerId="ADAL" clId="{7536F04E-799A-472D-BBFC-4765FC31352B}" dt="2023-02-05T14:36:58.635" v="491" actId="6549"/>
+        <pc:chgData name="Weifeng Xu" userId="e7aed605-a3dd-4d5a-a692-a87037af107b" providerId="ADAL" clId="{7536F04E-799A-472D-BBFC-4765FC31352B}" dt="2023-02-06T02:53:28.860" v="1549" actId="20577"/>
         <pc:sldMkLst>
           <pc:docMk/>
           <pc:sldMk cId="633046560" sldId="289"/>
@@ -1009,7 +1020,7 @@
           </ac:spMkLst>
         </pc:spChg>
         <pc:spChg chg="add mod ord">
-          <ac:chgData name="Weifeng Xu" userId="e7aed605-a3dd-4d5a-a692-a87037af107b" providerId="ADAL" clId="{7536F04E-799A-472D-BBFC-4765FC31352B}" dt="2023-02-05T14:36:58.635" v="491" actId="6549"/>
+          <ac:chgData name="Weifeng Xu" userId="e7aed605-a3dd-4d5a-a692-a87037af107b" providerId="ADAL" clId="{7536F04E-799A-472D-BBFC-4765FC31352B}" dt="2023-02-06T02:53:28.860" v="1549" actId="20577"/>
           <ac:spMkLst>
             <pc:docMk/>
             <pc:sldMk cId="633046560" sldId="289"/>
@@ -1026,13 +1037,13 @@
         </pc:picChg>
       </pc:sldChg>
       <pc:sldChg chg="delSp modSp add mod">
-        <pc:chgData name="Weifeng Xu" userId="e7aed605-a3dd-4d5a-a692-a87037af107b" providerId="ADAL" clId="{7536F04E-799A-472D-BBFC-4765FC31352B}" dt="2023-02-05T14:36:41.290" v="487" actId="20577"/>
+        <pc:chgData name="Weifeng Xu" userId="e7aed605-a3dd-4d5a-a692-a87037af107b" providerId="ADAL" clId="{7536F04E-799A-472D-BBFC-4765FC31352B}" dt="2023-02-06T03:07:15.614" v="1589" actId="108"/>
         <pc:sldMkLst>
           <pc:docMk/>
           <pc:sldMk cId="2740615822" sldId="290"/>
         </pc:sldMkLst>
         <pc:spChg chg="mod">
-          <ac:chgData name="Weifeng Xu" userId="e7aed605-a3dd-4d5a-a692-a87037af107b" providerId="ADAL" clId="{7536F04E-799A-472D-BBFC-4765FC31352B}" dt="2023-02-05T14:36:41.290" v="487" actId="20577"/>
+          <ac:chgData name="Weifeng Xu" userId="e7aed605-a3dd-4d5a-a692-a87037af107b" providerId="ADAL" clId="{7536F04E-799A-472D-BBFC-4765FC31352B}" dt="2023-02-06T03:06:33.197" v="1588" actId="20577"/>
           <ac:spMkLst>
             <pc:docMk/>
             <pc:sldMk cId="2740615822" sldId="290"/>
@@ -1048,7 +1059,7 @@
           </ac:spMkLst>
         </pc:spChg>
         <pc:spChg chg="mod">
-          <ac:chgData name="Weifeng Xu" userId="e7aed605-a3dd-4d5a-a692-a87037af107b" providerId="ADAL" clId="{7536F04E-799A-472D-BBFC-4765FC31352B}" dt="2023-02-05T14:35:46.329" v="477" actId="14100"/>
+          <ac:chgData name="Weifeng Xu" userId="e7aed605-a3dd-4d5a-a692-a87037af107b" providerId="ADAL" clId="{7536F04E-799A-472D-BBFC-4765FC31352B}" dt="2023-02-06T03:07:15.614" v="1589" actId="108"/>
           <ac:spMkLst>
             <pc:docMk/>
             <pc:sldMk cId="2740615822" sldId="290"/>
@@ -1561,6 +1572,114 @@
             <ac:spMk id="11" creationId="{2F984274-3EDA-EF9A-E5B1-58E28A270FE5}"/>
           </ac:spMkLst>
         </pc:spChg>
+      </pc:sldChg>
+      <pc:sldChg chg="addSp delSp modSp new mod modClrScheme chgLayout">
+        <pc:chgData name="Weifeng Xu" userId="e7aed605-a3dd-4d5a-a692-a87037af107b" providerId="ADAL" clId="{7536F04E-799A-472D-BBFC-4765FC31352B}" dt="2023-02-06T02:56:39.685" v="1554" actId="207"/>
+        <pc:sldMkLst>
+          <pc:docMk/>
+          <pc:sldMk cId="3321250455" sldId="297"/>
+        </pc:sldMkLst>
+        <pc:spChg chg="del mod ord">
+          <ac:chgData name="Weifeng Xu" userId="e7aed605-a3dd-4d5a-a692-a87037af107b" providerId="ADAL" clId="{7536F04E-799A-472D-BBFC-4765FC31352B}" dt="2023-02-06T02:45:20.149" v="1360" actId="700"/>
+          <ac:spMkLst>
+            <pc:docMk/>
+            <pc:sldMk cId="3321250455" sldId="297"/>
+            <ac:spMk id="2" creationId="{0A6AC3B4-6608-900E-6B13-B2EB3220343C}"/>
+          </ac:spMkLst>
+        </pc:spChg>
+        <pc:spChg chg="del mod ord">
+          <ac:chgData name="Weifeng Xu" userId="e7aed605-a3dd-4d5a-a692-a87037af107b" providerId="ADAL" clId="{7536F04E-799A-472D-BBFC-4765FC31352B}" dt="2023-02-06T02:45:20.149" v="1360" actId="700"/>
+          <ac:spMkLst>
+            <pc:docMk/>
+            <pc:sldMk cId="3321250455" sldId="297"/>
+            <ac:spMk id="3" creationId="{B3045DB1-DC75-7D93-17D6-453F87ADF16F}"/>
+          </ac:spMkLst>
+        </pc:spChg>
+        <pc:spChg chg="add mod ord">
+          <ac:chgData name="Weifeng Xu" userId="e7aed605-a3dd-4d5a-a692-a87037af107b" providerId="ADAL" clId="{7536F04E-799A-472D-BBFC-4765FC31352B}" dt="2023-02-06T02:49:06.322" v="1426" actId="20577"/>
+          <ac:spMkLst>
+            <pc:docMk/>
+            <pc:sldMk cId="3321250455" sldId="297"/>
+            <ac:spMk id="4" creationId="{9F1EBDF5-C614-702B-129A-27B7EB9F6981}"/>
+          </ac:spMkLst>
+        </pc:spChg>
+        <pc:spChg chg="add mod ord">
+          <ac:chgData name="Weifeng Xu" userId="e7aed605-a3dd-4d5a-a692-a87037af107b" providerId="ADAL" clId="{7536F04E-799A-472D-BBFC-4765FC31352B}" dt="2023-02-06T02:56:39.685" v="1554" actId="207"/>
+          <ac:spMkLst>
+            <pc:docMk/>
+            <pc:sldMk cId="3321250455" sldId="297"/>
+            <ac:spMk id="5" creationId="{73C29488-7C31-D9F5-244E-5AA90D3F6C23}"/>
+          </ac:spMkLst>
+        </pc:spChg>
+      </pc:sldChg>
+      <pc:sldChg chg="modSp new mod">
+        <pc:chgData name="Weifeng Xu" userId="e7aed605-a3dd-4d5a-a692-a87037af107b" providerId="ADAL" clId="{7536F04E-799A-472D-BBFC-4765FC31352B}" dt="2023-02-06T02:59:46.508" v="1563" actId="20577"/>
+        <pc:sldMkLst>
+          <pc:docMk/>
+          <pc:sldMk cId="1227657143" sldId="298"/>
+        </pc:sldMkLst>
+        <pc:spChg chg="mod">
+          <ac:chgData name="Weifeng Xu" userId="e7aed605-a3dd-4d5a-a692-a87037af107b" providerId="ADAL" clId="{7536F04E-799A-472D-BBFC-4765FC31352B}" dt="2023-02-06T02:49:15.560" v="1429" actId="20577"/>
+          <ac:spMkLst>
+            <pc:docMk/>
+            <pc:sldMk cId="1227657143" sldId="298"/>
+            <ac:spMk id="2" creationId="{F73FDD74-FF43-537D-9E49-784E99D6475A}"/>
+          </ac:spMkLst>
+        </pc:spChg>
+        <pc:spChg chg="mod">
+          <ac:chgData name="Weifeng Xu" userId="e7aed605-a3dd-4d5a-a692-a87037af107b" providerId="ADAL" clId="{7536F04E-799A-472D-BBFC-4765FC31352B}" dt="2023-02-06T02:59:46.508" v="1563" actId="20577"/>
+          <ac:spMkLst>
+            <pc:docMk/>
+            <pc:sldMk cId="1227657143" sldId="298"/>
+            <ac:spMk id="3" creationId="{6A4290EF-5737-6C3C-AB7D-23D1DD48E307}"/>
+          </ac:spMkLst>
+        </pc:spChg>
+      </pc:sldChg>
+      <pc:sldChg chg="addSp delSp modSp new mod modClrScheme chgLayout">
+        <pc:chgData name="Weifeng Xu" userId="e7aed605-a3dd-4d5a-a692-a87037af107b" providerId="ADAL" clId="{7536F04E-799A-472D-BBFC-4765FC31352B}" dt="2023-02-06T03:10:02.297" v="1660" actId="20577"/>
+        <pc:sldMkLst>
+          <pc:docMk/>
+          <pc:sldMk cId="173307655" sldId="299"/>
+        </pc:sldMkLst>
+        <pc:spChg chg="del">
+          <ac:chgData name="Weifeng Xu" userId="e7aed605-a3dd-4d5a-a692-a87037af107b" providerId="ADAL" clId="{7536F04E-799A-472D-BBFC-4765FC31352B}" dt="2023-02-06T03:01:08.930" v="1565" actId="700"/>
+          <ac:spMkLst>
+            <pc:docMk/>
+            <pc:sldMk cId="173307655" sldId="299"/>
+            <ac:spMk id="2" creationId="{F4FB1C9A-2E24-0020-CF3F-1FAD91A9AE9E}"/>
+          </ac:spMkLst>
+        </pc:spChg>
+        <pc:spChg chg="del">
+          <ac:chgData name="Weifeng Xu" userId="e7aed605-a3dd-4d5a-a692-a87037af107b" providerId="ADAL" clId="{7536F04E-799A-472D-BBFC-4765FC31352B}" dt="2023-02-06T03:01:08.930" v="1565" actId="700"/>
+          <ac:spMkLst>
+            <pc:docMk/>
+            <pc:sldMk cId="173307655" sldId="299"/>
+            <ac:spMk id="3" creationId="{8239738D-1854-66C8-B17F-2B255A63FF54}"/>
+          </ac:spMkLst>
+        </pc:spChg>
+        <pc:spChg chg="add mod">
+          <ac:chgData name="Weifeng Xu" userId="e7aed605-a3dd-4d5a-a692-a87037af107b" providerId="ADAL" clId="{7536F04E-799A-472D-BBFC-4765FC31352B}" dt="2023-02-06T03:10:02.297" v="1660" actId="20577"/>
+          <ac:spMkLst>
+            <pc:docMk/>
+            <pc:sldMk cId="173307655" sldId="299"/>
+            <ac:spMk id="6" creationId="{9CFCCA8B-114C-7D6D-3F59-0D52B3FDB6BB}"/>
+          </ac:spMkLst>
+        </pc:spChg>
+        <pc:picChg chg="add mod">
+          <ac:chgData name="Weifeng Xu" userId="e7aed605-a3dd-4d5a-a692-a87037af107b" providerId="ADAL" clId="{7536F04E-799A-472D-BBFC-4765FC31352B}" dt="2023-02-06T03:03:13.901" v="1583" actId="1076"/>
+          <ac:picMkLst>
+            <pc:docMk/>
+            <pc:sldMk cId="173307655" sldId="299"/>
+            <ac:picMk id="4" creationId="{59D74DCA-6C3E-88A6-BBB5-C5C5A44788DA}"/>
+          </ac:picMkLst>
+        </pc:picChg>
+      </pc:sldChg>
+      <pc:sldChg chg="new del">
+        <pc:chgData name="Weifeng Xu" userId="e7aed605-a3dd-4d5a-a692-a87037af107b" providerId="ADAL" clId="{7536F04E-799A-472D-BBFC-4765FC31352B}" dt="2023-02-06T02:54:05.285" v="1550" actId="47"/>
+        <pc:sldMkLst>
+          <pc:docMk/>
+          <pc:sldMk cId="3571199146" sldId="299"/>
+        </pc:sldMkLst>
       </pc:sldChg>
     </pc:docChg>
   </pc:docChgLst>
@@ -2080,7 +2199,7 @@
           <a:p>
             <a:fld id="{DDBF98C7-164A-4723-84F0-B1E4B080DDEC}" type="slidenum">
               <a:rPr lang="en-US" smtClean="0"/>
-              <a:t>30</a:t>
+              <a:t>33</a:t>
             </a:fld>
             <a:endParaRPr lang="en-US"/>
           </a:p>
@@ -2188,7 +2307,7 @@
           <a:p>
             <a:fld id="{DDBF98C7-164A-4723-84F0-B1E4B080DDEC}" type="slidenum">
               <a:rPr lang="en-US" smtClean="0"/>
-              <a:t>10</a:t>
+              <a:t>13</a:t>
             </a:fld>
             <a:endParaRPr lang="en-US"/>
           </a:p>
@@ -2272,7 +2391,7 @@
           <a:p>
             <a:fld id="{DDBF98C7-164A-4723-84F0-B1E4B080DDEC}" type="slidenum">
               <a:rPr lang="en-US" smtClean="0"/>
-              <a:t>18</a:t>
+              <a:t>21</a:t>
             </a:fld>
             <a:endParaRPr lang="en-US"/>
           </a:p>
@@ -2372,7 +2491,7 @@
           <a:p>
             <a:fld id="{DDBF98C7-164A-4723-84F0-B1E4B080DDEC}" type="slidenum">
               <a:rPr lang="en-US" smtClean="0"/>
-              <a:t>19</a:t>
+              <a:t>22</a:t>
             </a:fld>
             <a:endParaRPr lang="en-US"/>
           </a:p>
@@ -2459,7 +2578,7 @@
           <a:p>
             <a:fld id="{DDBF98C7-164A-4723-84F0-B1E4B080DDEC}" type="slidenum">
               <a:rPr lang="en-US" smtClean="0"/>
-              <a:t>21</a:t>
+              <a:t>24</a:t>
             </a:fld>
             <a:endParaRPr lang="en-US"/>
           </a:p>
@@ -2590,7 +2709,7 @@
           <a:p>
             <a:fld id="{DDBF98C7-164A-4723-84F0-B1E4B080DDEC}" type="slidenum">
               <a:rPr lang="en-US" smtClean="0"/>
-              <a:t>24</a:t>
+              <a:t>27</a:t>
             </a:fld>
             <a:endParaRPr lang="en-US"/>
           </a:p>
@@ -2681,7 +2800,7 @@
           <a:p>
             <a:fld id="{DDBF98C7-164A-4723-84F0-B1E4B080DDEC}" type="slidenum">
               <a:rPr lang="en-US" smtClean="0"/>
-              <a:t>26</a:t>
+              <a:t>29</a:t>
             </a:fld>
             <a:endParaRPr lang="en-US"/>
           </a:p>
@@ -2780,7 +2899,7 @@
           <a:p>
             <a:fld id="{DDBF98C7-164A-4723-84F0-B1E4B080DDEC}" type="slidenum">
               <a:rPr lang="en-US" smtClean="0"/>
-              <a:t>28</a:t>
+              <a:t>31</a:t>
             </a:fld>
             <a:endParaRPr lang="en-US"/>
           </a:p>
@@ -2879,7 +2998,7 @@
           <a:p>
             <a:fld id="{DDBF98C7-164A-4723-84F0-B1E4B080DDEC}" type="slidenum">
               <a:rPr lang="en-US" smtClean="0"/>
-              <a:t>29</a:t>
+              <a:t>32</a:t>
             </a:fld>
             <a:endParaRPr lang="en-US"/>
           </a:p>
@@ -5987,15 +6106,16 @@
           </p:cNvPicPr>
           <p:nvPr/>
         </p:nvPicPr>
-        <p:blipFill rotWithShape="1">
-          <a:blip r:embed="rId3"/>
-          <a:srcRect b="66001"/>
-          <a:stretch/>
+        <p:blipFill>
+          <a:blip r:embed="rId2"/>
+          <a:stretch>
+            <a:fillRect/>
+          </a:stretch>
         </p:blipFill>
         <p:spPr>
           <a:xfrm>
-            <a:off x="2370065" y="1813187"/>
-            <a:ext cx="8868232" cy="1180106"/>
+            <a:off x="8211534" y="3058154"/>
+            <a:ext cx="3157268" cy="3424576"/>
           </a:xfrm>
           <a:prstGeom prst="rect">
             <a:avLst/>
@@ -6004,100 +6124,7 @@
       </p:pic>
       <p:sp>
         <p:nvSpPr>
-          <p:cNvPr id="2" name="TextBox 1"/>
-          <p:cNvSpPr txBox="1"/>
-          <p:nvPr/>
-        </p:nvSpPr>
-        <p:spPr>
-          <a:xfrm>
-            <a:off x="715990" y="1890982"/>
-            <a:ext cx="1654073" cy="646331"/>
-          </a:xfrm>
-          <a:prstGeom prst="rect">
-            <a:avLst/>
-          </a:prstGeom>
-          <a:solidFill>
-            <a:srgbClr val="FFC000"/>
-          </a:solidFill>
-        </p:spPr>
-        <p:txBody>
-          <a:bodyPr wrap="square" rtlCol="0">
-            <a:spAutoFit/>
-          </a:bodyPr>
-          <a:lstStyle/>
-          <a:p>
-            <a:r>
-              <a:rPr lang="en-US" dirty="0"/>
-              <a:t>Create a working folder</a:t>
-            </a:r>
-          </a:p>
-        </p:txBody>
-      </p:sp>
-      <p:sp>
-        <p:nvSpPr>
-          <p:cNvPr id="5" name="TextBox 4"/>
-          <p:cNvSpPr txBox="1"/>
-          <p:nvPr/>
-        </p:nvSpPr>
-        <p:spPr>
-          <a:xfrm>
-            <a:off x="715990" y="4184294"/>
-            <a:ext cx="1654073" cy="646331"/>
-          </a:xfrm>
-          <a:prstGeom prst="rect">
-            <a:avLst/>
-          </a:prstGeom>
-          <a:solidFill>
-            <a:srgbClr val="FFC000"/>
-          </a:solidFill>
-        </p:spPr>
-        <p:txBody>
-          <a:bodyPr wrap="square" rtlCol="0">
-            <a:spAutoFit/>
-          </a:bodyPr>
-          <a:lstStyle/>
-          <a:p>
-            <a:r>
-              <a:rPr lang="en-US" dirty="0"/>
-              <a:t>Verify hash code</a:t>
-            </a:r>
-          </a:p>
-        </p:txBody>
-      </p:sp>
-      <p:sp>
-        <p:nvSpPr>
-          <p:cNvPr id="6" name="TextBox 5"/>
-          <p:cNvSpPr txBox="1"/>
-          <p:nvPr/>
-        </p:nvSpPr>
-        <p:spPr>
-          <a:xfrm>
-            <a:off x="715990" y="3130148"/>
-            <a:ext cx="1654073" cy="646331"/>
-          </a:xfrm>
-          <a:prstGeom prst="rect">
-            <a:avLst/>
-          </a:prstGeom>
-          <a:solidFill>
-            <a:srgbClr val="FFC000"/>
-          </a:solidFill>
-        </p:spPr>
-        <p:txBody>
-          <a:bodyPr wrap="square" rtlCol="0">
-            <a:spAutoFit/>
-          </a:bodyPr>
-          <a:lstStyle/>
-          <a:p>
-            <a:r>
-              <a:rPr lang="en-US" dirty="0"/>
-              <a:t>Download traffic log</a:t>
-            </a:r>
-          </a:p>
-        </p:txBody>
-      </p:sp>
-      <p:sp>
-        <p:nvSpPr>
-          <p:cNvPr id="3" name="Title 2"/>
+          <p:cNvPr id="9" name="Title 8"/>
           <p:cNvSpPr>
             <a:spLocks noGrp="1"/>
           </p:cNvSpPr>
@@ -6105,80 +6132,297 @@
             <p:ph type="title"/>
           </p:nvPr>
         </p:nvSpPr>
-        <p:spPr/>
+        <p:spPr>
+          <a:xfrm>
+            <a:off x="838200" y="365125"/>
+            <a:ext cx="4725838" cy="1325563"/>
+          </a:xfrm>
+        </p:spPr>
         <p:txBody>
           <a:bodyPr/>
           <a:lstStyle/>
           <a:p>
             <a:r>
               <a:rPr lang="en-US" dirty="0"/>
-              <a:t>4. The captured network traffic log</a:t>
-            </a:r>
-          </a:p>
-        </p:txBody>
-      </p:sp>
+              <a:t>3. The second harassment email </a:t>
+            </a:r>
+          </a:p>
+        </p:txBody>
+      </p:sp>
+      <p:sp>
+        <p:nvSpPr>
+          <p:cNvPr id="12" name="Content Placeholder 11"/>
+          <p:cNvSpPr>
+            <a:spLocks noGrp="1"/>
+          </p:cNvSpPr>
+          <p:nvPr>
+            <p:ph idx="1"/>
+          </p:nvPr>
+        </p:nvSpPr>
+        <p:spPr>
+          <a:xfrm>
+            <a:off x="838201" y="1825625"/>
+            <a:ext cx="6580516" cy="4351338"/>
+          </a:xfrm>
+        </p:spPr>
+        <p:txBody>
+          <a:bodyPr/>
+          <a:lstStyle/>
+          <a:p>
+            <a:r>
+              <a:rPr lang="en-US" dirty="0"/>
+              <a:t>It was sent from </a:t>
+            </a:r>
+            <a:r>
+              <a:rPr lang="en-US" dirty="0">
+                <a:hlinkClick r:id="rId3"/>
+              </a:rPr>
+              <a:t>www.willselfdestruct.com</a:t>
+            </a:r>
+            <a:endParaRPr lang="en-US" dirty="0"/>
+          </a:p>
+          <a:p>
+            <a:r>
+              <a:rPr lang="en-US" dirty="0"/>
+              <a:t>When the faculty click a link in the email, the faculty read the content provided by the website</a:t>
+            </a:r>
+          </a:p>
+          <a:p>
+            <a:r>
+              <a:rPr lang="en-US" dirty="0"/>
+              <a:t>The screenshot is provided by the faculty </a:t>
+            </a:r>
+          </a:p>
+          <a:p>
+            <a:endParaRPr lang="en-US" dirty="0"/>
+          </a:p>
+        </p:txBody>
+      </p:sp>
+      <p:cxnSp>
+        <p:nvCxnSpPr>
+          <p:cNvPr id="14" name="Straight Arrow Connector 13"/>
+          <p:cNvCxnSpPr/>
+          <p:nvPr/>
+        </p:nvCxnSpPr>
+        <p:spPr>
+          <a:xfrm flipV="1">
+            <a:off x="6556075" y="3717986"/>
+            <a:ext cx="1733910" cy="328653"/>
+          </a:xfrm>
+          <a:prstGeom prst="straightConnector1">
+            <a:avLst/>
+          </a:prstGeom>
+          <a:ln w="38100">
+            <a:tailEnd type="triangle"/>
+          </a:ln>
+        </p:spPr>
+        <p:style>
+          <a:lnRef idx="1">
+            <a:schemeClr val="accent1"/>
+          </a:lnRef>
+          <a:fillRef idx="0">
+            <a:schemeClr val="accent1"/>
+          </a:fillRef>
+          <a:effectRef idx="0">
+            <a:schemeClr val="accent1"/>
+          </a:effectRef>
+          <a:fontRef idx="minor">
+            <a:schemeClr val="tx1"/>
+          </a:fontRef>
+        </p:style>
+      </p:cxnSp>
+      <p:cxnSp>
+        <p:nvCxnSpPr>
+          <p:cNvPr id="16" name="Straight Arrow Connector 15"/>
+          <p:cNvCxnSpPr/>
+          <p:nvPr/>
+        </p:nvCxnSpPr>
+        <p:spPr>
+          <a:xfrm>
+            <a:off x="6556075" y="4244196"/>
+            <a:ext cx="1578634" cy="2130324"/>
+          </a:xfrm>
+          <a:prstGeom prst="straightConnector1">
+            <a:avLst/>
+          </a:prstGeom>
+          <a:ln w="38100">
+            <a:tailEnd type="triangle"/>
+          </a:ln>
+        </p:spPr>
+        <p:style>
+          <a:lnRef idx="1">
+            <a:schemeClr val="accent1"/>
+          </a:lnRef>
+          <a:fillRef idx="0">
+            <a:schemeClr val="accent1"/>
+          </a:fillRef>
+          <a:effectRef idx="0">
+            <a:schemeClr val="accent1"/>
+          </a:effectRef>
+          <a:fontRef idx="minor">
+            <a:schemeClr val="tx1"/>
+          </a:fontRef>
+        </p:style>
+      </p:cxnSp>
       <p:pic>
         <p:nvPicPr>
-          <p:cNvPr id="9" name="Picture 8">
+          <p:cNvPr id="15" name="Picture 4"/>
+          <p:cNvPicPr>
+            <a:picLocks noChangeAspect="1" noChangeArrowheads="1"/>
+          </p:cNvPicPr>
+          <p:nvPr/>
+        </p:nvPicPr>
+        <p:blipFill>
+          <a:blip r:embed="rId4" cstate="print">
+            <a:extLst>
+              <a:ext uri="{28A0092B-C50C-407E-A947-70E740481C1C}">
+                <a14:useLocalDpi xmlns:a14="http://schemas.microsoft.com/office/drawing/2010/main" val="0"/>
+              </a:ext>
+            </a:extLst>
+          </a:blip>
+          <a:srcRect/>
+          <a:stretch>
+            <a:fillRect/>
+          </a:stretch>
+        </p:blipFill>
+        <p:spPr bwMode="auto">
+          <a:xfrm>
+            <a:off x="8211534" y="0"/>
+            <a:ext cx="2301873" cy="2949275"/>
+          </a:xfrm>
+          <a:prstGeom prst="rect">
+            <a:avLst/>
+          </a:prstGeom>
+          <a:noFill/>
+          <a:ln>
+            <a:noFill/>
+          </a:ln>
+          <a:extLst>
+            <a:ext uri="{909E8E84-426E-40DD-AFC4-6F175D3DCCD1}">
+              <a14:hiddenFill xmlns:a14="http://schemas.microsoft.com/office/drawing/2010/main">
+                <a:solidFill>
+                  <a:srgbClr val="FFFFFF"/>
+                </a:solidFill>
+              </a14:hiddenFill>
+            </a:ext>
+            <a:ext uri="{91240B29-F687-4F45-9708-019B960494DF}">
+              <a14:hiddenLine xmlns:a14="http://schemas.microsoft.com/office/drawing/2010/main" w="12700" cap="flat">
+                <a:solidFill>
+                  <a:schemeClr val="tx1"/>
+                </a:solidFill>
+                <a:miter lim="800000"/>
+                <a:headEnd/>
+                <a:tailEnd/>
+              </a14:hiddenLine>
+            </a:ext>
+          </a:extLst>
+        </p:spPr>
+      </p:pic>
+      <p:cxnSp>
+        <p:nvCxnSpPr>
+          <p:cNvPr id="19" name="Straight Arrow Connector 18"/>
+          <p:cNvCxnSpPr/>
+          <p:nvPr/>
+        </p:nvCxnSpPr>
+        <p:spPr>
+          <a:xfrm flipV="1">
+            <a:off x="7065034" y="101236"/>
+            <a:ext cx="1146500" cy="2738152"/>
+          </a:xfrm>
+          <a:prstGeom prst="straightConnector1">
+            <a:avLst/>
+          </a:prstGeom>
+          <a:ln w="38100">
+            <a:tailEnd type="triangle"/>
+          </a:ln>
+        </p:spPr>
+        <p:style>
+          <a:lnRef idx="1">
+            <a:schemeClr val="accent1"/>
+          </a:lnRef>
+          <a:fillRef idx="0">
+            <a:schemeClr val="accent1"/>
+          </a:fillRef>
+          <a:effectRef idx="0">
+            <a:schemeClr val="accent1"/>
+          </a:effectRef>
+          <a:fontRef idx="minor">
+            <a:schemeClr val="tx1"/>
+          </a:fontRef>
+        </p:style>
+      </p:cxnSp>
+      <p:cxnSp>
+        <p:nvCxnSpPr>
+          <p:cNvPr id="20" name="Straight Arrow Connector 19"/>
+          <p:cNvCxnSpPr/>
+          <p:nvPr/>
+        </p:nvCxnSpPr>
+        <p:spPr>
+          <a:xfrm>
+            <a:off x="7151298" y="2949275"/>
+            <a:ext cx="983411" cy="0"/>
+          </a:xfrm>
+          <a:prstGeom prst="straightConnector1">
+            <a:avLst/>
+          </a:prstGeom>
+          <a:ln w="38100">
+            <a:tailEnd type="triangle"/>
+          </a:ln>
+        </p:spPr>
+        <p:style>
+          <a:lnRef idx="1">
+            <a:schemeClr val="accent1"/>
+          </a:lnRef>
+          <a:fillRef idx="0">
+            <a:schemeClr val="accent1"/>
+          </a:fillRef>
+          <a:effectRef idx="0">
+            <a:schemeClr val="accent1"/>
+          </a:effectRef>
+          <a:fontRef idx="minor">
+            <a:schemeClr val="tx1"/>
+          </a:fontRef>
+        </p:style>
+      </p:cxnSp>
+      <p:sp>
+        <p:nvSpPr>
+          <p:cNvPr id="2" name="TextBox 1">
             <a:extLst>
               <a:ext uri="{FF2B5EF4-FFF2-40B4-BE49-F238E27FC236}">
-                <a16:creationId xmlns:a16="http://schemas.microsoft.com/office/drawing/2014/main" id="{ECE874F1-7C47-496C-82C0-6DDA21362AB7}"/>
+                <a16:creationId xmlns:a16="http://schemas.microsoft.com/office/drawing/2014/main" id="{93A5E591-DE58-E3D3-278F-49EC6EB3D4F8}"/>
               </a:ext>
             </a:extLst>
           </p:cNvPr>
-          <p:cNvPicPr>
-            <a:picLocks noChangeAspect="1"/>
-          </p:cNvPicPr>
+          <p:cNvSpPr txBox="1"/>
           <p:nvPr/>
-        </p:nvPicPr>
-        <p:blipFill rotWithShape="1">
-          <a:blip r:embed="rId3"/>
-          <a:srcRect t="48041"/>
-          <a:stretch/>
-        </p:blipFill>
-        <p:spPr>
-          <a:xfrm>
-            <a:off x="2370065" y="4184294"/>
-            <a:ext cx="8868232" cy="1803525"/>
+        </p:nvSpPr>
+        <p:spPr>
+          <a:xfrm>
+            <a:off x="10625379" y="2131018"/>
+            <a:ext cx="1456840" cy="646331"/>
           </a:xfrm>
           <a:prstGeom prst="rect">
             <a:avLst/>
           </a:prstGeom>
-        </p:spPr>
-      </p:pic>
-      <p:pic>
-        <p:nvPicPr>
-          <p:cNvPr id="10" name="Picture 9">
-            <a:extLst>
-              <a:ext uri="{FF2B5EF4-FFF2-40B4-BE49-F238E27FC236}">
-                <a16:creationId xmlns:a16="http://schemas.microsoft.com/office/drawing/2014/main" id="{71E249A2-EF58-4584-95C6-90C6F63BFA4B}"/>
-              </a:ext>
-            </a:extLst>
-          </p:cNvPr>
-          <p:cNvPicPr>
-            <a:picLocks noChangeAspect="1"/>
-          </p:cNvPicPr>
-          <p:nvPr/>
-        </p:nvPicPr>
-        <p:blipFill rotWithShape="1">
-          <a:blip r:embed="rId4"/>
-          <a:srcRect l="-1381" t="-2344" r="1381" b="2344"/>
-          <a:stretch/>
-        </p:blipFill>
-        <p:spPr>
-          <a:xfrm>
-            <a:off x="2245918" y="3098225"/>
-            <a:ext cx="8992379" cy="754445"/>
-          </a:xfrm>
-          <a:prstGeom prst="rect">
-            <a:avLst/>
-          </a:prstGeom>
-        </p:spPr>
-      </p:pic>
+          <a:noFill/>
+        </p:spPr>
+        <p:txBody>
+          <a:bodyPr wrap="square" rtlCol="0">
+            <a:spAutoFit/>
+          </a:bodyPr>
+          <a:lstStyle/>
+          <a:p>
+            <a:r>
+              <a:rPr lang="en-US" sz="1200" dirty="0"/>
+              <a:t>larger screenshots are shown on next slide</a:t>
+            </a:r>
+          </a:p>
+        </p:txBody>
+      </p:sp>
     </p:spTree>
     <p:extLst>
       <p:ext uri="{BB962C8B-B14F-4D97-AF65-F5344CB8AC3E}">
-        <p14:creationId xmlns:p14="http://schemas.microsoft.com/office/powerpoint/2010/main" val="15147994"/>
+        <p14:creationId xmlns:p14="http://schemas.microsoft.com/office/powerpoint/2010/main" val="4163150353"/>
       </p:ext>
     </p:extLst>
   </p:cSld>
@@ -6205,56 +6449,70 @@
           <a:chExt cx="0" cy="0"/>
         </a:xfrm>
       </p:grpSpPr>
-      <p:sp>
-        <p:nvSpPr>
-          <p:cNvPr id="2" name="Title 1"/>
-          <p:cNvSpPr>
-            <a:spLocks noGrp="1"/>
-          </p:cNvSpPr>
-          <p:nvPr>
-            <p:ph type="title"/>
-          </p:nvPr>
-        </p:nvSpPr>
-        <p:spPr/>
-        <p:txBody>
-          <a:bodyPr/>
-          <a:lstStyle/>
-          <a:p>
-            <a:r>
-              <a:rPr lang="en-US" dirty="0"/>
-              <a:t>Traffic data review</a:t>
-            </a:r>
-          </a:p>
-        </p:txBody>
-      </p:sp>
       <p:pic>
         <p:nvPicPr>
-          <p:cNvPr id="3" name="Picture 2"/>
+          <p:cNvPr id="4" name="Picture 4">
+            <a:extLst>
+              <a:ext uri="{FF2B5EF4-FFF2-40B4-BE49-F238E27FC236}">
+                <a16:creationId xmlns:a16="http://schemas.microsoft.com/office/drawing/2014/main" id="{6A219696-A4E1-8C35-F56D-3675EF6D9997}"/>
+              </a:ext>
+            </a:extLst>
+          </p:cNvPr>
           <p:cNvPicPr>
-            <a:picLocks noChangeAspect="1"/>
+            <a:picLocks noChangeAspect="1" noChangeArrowheads="1"/>
           </p:cNvPicPr>
           <p:nvPr/>
         </p:nvPicPr>
         <p:blipFill>
-          <a:blip r:embed="rId2"/>
+          <a:blip r:embed="rId2" cstate="print">
+            <a:extLst>
+              <a:ext uri="{28A0092B-C50C-407E-A947-70E740481C1C}">
+                <a14:useLocalDpi xmlns:a14="http://schemas.microsoft.com/office/drawing/2010/main" val="0"/>
+              </a:ext>
+            </a:extLst>
+          </a:blip>
+          <a:srcRect/>
           <a:stretch>
             <a:fillRect/>
           </a:stretch>
         </p:blipFill>
-        <p:spPr>
-          <a:xfrm>
-            <a:off x="838199" y="1902603"/>
-            <a:ext cx="10520393" cy="4273910"/>
+        <p:spPr bwMode="auto">
+          <a:xfrm>
+            <a:off x="3076575" y="62126"/>
+            <a:ext cx="5255607" cy="6733747"/>
           </a:xfrm>
           <a:prstGeom prst="rect">
             <a:avLst/>
           </a:prstGeom>
+          <a:noFill/>
+          <a:ln>
+            <a:noFill/>
+          </a:ln>
+          <a:extLst>
+            <a:ext uri="{909E8E84-426E-40DD-AFC4-6F175D3DCCD1}">
+              <a14:hiddenFill xmlns:a14="http://schemas.microsoft.com/office/drawing/2010/main">
+                <a:solidFill>
+                  <a:srgbClr val="FFFFFF"/>
+                </a:solidFill>
+              </a14:hiddenFill>
+            </a:ext>
+            <a:ext uri="{91240B29-F687-4F45-9708-019B960494DF}">
+              <a14:hiddenLine xmlns:a14="http://schemas.microsoft.com/office/drawing/2010/main" w="12700" cap="flat">
+                <a:solidFill>
+                  <a:schemeClr val="tx1"/>
+                </a:solidFill>
+                <a:miter lim="800000"/>
+                <a:headEnd/>
+                <a:tailEnd/>
+              </a14:hiddenLine>
+            </a:ext>
+          </a:extLst>
         </p:spPr>
       </p:pic>
     </p:spTree>
     <p:extLst>
       <p:ext uri="{BB962C8B-B14F-4D97-AF65-F5344CB8AC3E}">
-        <p14:creationId xmlns:p14="http://schemas.microsoft.com/office/powerpoint/2010/main" val="3282840963"/>
+        <p14:creationId xmlns:p14="http://schemas.microsoft.com/office/powerpoint/2010/main" val="3276739864"/>
       </p:ext>
     </p:extLst>
   </p:cSld>
@@ -6281,6 +6539,368 @@
           <a:chExt cx="0" cy="0"/>
         </a:xfrm>
       </p:grpSpPr>
+      <p:pic>
+        <p:nvPicPr>
+          <p:cNvPr id="2" name="Picture 1">
+            <a:extLst>
+              <a:ext uri="{FF2B5EF4-FFF2-40B4-BE49-F238E27FC236}">
+                <a16:creationId xmlns:a16="http://schemas.microsoft.com/office/drawing/2014/main" id="{1CCBA2CE-FA6D-EF9E-6BCA-0F03852801C6}"/>
+              </a:ext>
+            </a:extLst>
+          </p:cNvPr>
+          <p:cNvPicPr>
+            <a:picLocks noChangeAspect="1"/>
+          </p:cNvPicPr>
+          <p:nvPr/>
+        </p:nvPicPr>
+        <p:blipFill>
+          <a:blip r:embed="rId2"/>
+          <a:stretch>
+            <a:fillRect/>
+          </a:stretch>
+        </p:blipFill>
+        <p:spPr>
+          <a:xfrm>
+            <a:off x="3238500" y="0"/>
+            <a:ext cx="6191250" cy="6715428"/>
+          </a:xfrm>
+          <a:prstGeom prst="rect">
+            <a:avLst/>
+          </a:prstGeom>
+        </p:spPr>
+      </p:pic>
+    </p:spTree>
+    <p:extLst>
+      <p:ext uri="{BB962C8B-B14F-4D97-AF65-F5344CB8AC3E}">
+        <p14:creationId xmlns:p14="http://schemas.microsoft.com/office/powerpoint/2010/main" val="3419832590"/>
+      </p:ext>
+    </p:extLst>
+  </p:cSld>
+  <p:clrMapOvr>
+    <a:masterClrMapping/>
+  </p:clrMapOvr>
+</p:sld>
+</file>
+
+<file path=ppt/slides/slide13.xml><?xml version="1.0" encoding="utf-8"?>
+<p:sld xmlns:a="http://schemas.openxmlformats.org/drawingml/2006/main" xmlns:r="http://schemas.openxmlformats.org/officeDocument/2006/relationships" xmlns:p="http://schemas.openxmlformats.org/presentationml/2006/main">
+  <p:cSld>
+    <p:spTree>
+      <p:nvGrpSpPr>
+        <p:cNvPr id="1" name=""/>
+        <p:cNvGrpSpPr/>
+        <p:nvPr/>
+      </p:nvGrpSpPr>
+      <p:grpSpPr>
+        <a:xfrm>
+          <a:off x="0" y="0"/>
+          <a:ext cx="0" cy="0"/>
+          <a:chOff x="0" y="0"/>
+          <a:chExt cx="0" cy="0"/>
+        </a:xfrm>
+      </p:grpSpPr>
+      <p:pic>
+        <p:nvPicPr>
+          <p:cNvPr id="4" name="Picture 3"/>
+          <p:cNvPicPr>
+            <a:picLocks noChangeAspect="1"/>
+          </p:cNvPicPr>
+          <p:nvPr/>
+        </p:nvPicPr>
+        <p:blipFill rotWithShape="1">
+          <a:blip r:embed="rId3"/>
+          <a:srcRect b="66001"/>
+          <a:stretch/>
+        </p:blipFill>
+        <p:spPr>
+          <a:xfrm>
+            <a:off x="2370065" y="1813187"/>
+            <a:ext cx="8868232" cy="1180106"/>
+          </a:xfrm>
+          <a:prstGeom prst="rect">
+            <a:avLst/>
+          </a:prstGeom>
+        </p:spPr>
+      </p:pic>
+      <p:sp>
+        <p:nvSpPr>
+          <p:cNvPr id="2" name="TextBox 1"/>
+          <p:cNvSpPr txBox="1"/>
+          <p:nvPr/>
+        </p:nvSpPr>
+        <p:spPr>
+          <a:xfrm>
+            <a:off x="715990" y="1890982"/>
+            <a:ext cx="1654073" cy="646331"/>
+          </a:xfrm>
+          <a:prstGeom prst="rect">
+            <a:avLst/>
+          </a:prstGeom>
+          <a:solidFill>
+            <a:srgbClr val="FFC000"/>
+          </a:solidFill>
+        </p:spPr>
+        <p:txBody>
+          <a:bodyPr wrap="square" rtlCol="0">
+            <a:spAutoFit/>
+          </a:bodyPr>
+          <a:lstStyle/>
+          <a:p>
+            <a:r>
+              <a:rPr lang="en-US" dirty="0"/>
+              <a:t>Create a working folder</a:t>
+            </a:r>
+          </a:p>
+        </p:txBody>
+      </p:sp>
+      <p:sp>
+        <p:nvSpPr>
+          <p:cNvPr id="5" name="TextBox 4"/>
+          <p:cNvSpPr txBox="1"/>
+          <p:nvPr/>
+        </p:nvSpPr>
+        <p:spPr>
+          <a:xfrm>
+            <a:off x="715990" y="4184294"/>
+            <a:ext cx="1654073" cy="646331"/>
+          </a:xfrm>
+          <a:prstGeom prst="rect">
+            <a:avLst/>
+          </a:prstGeom>
+          <a:solidFill>
+            <a:srgbClr val="FFC000"/>
+          </a:solidFill>
+        </p:spPr>
+        <p:txBody>
+          <a:bodyPr wrap="square" rtlCol="0">
+            <a:spAutoFit/>
+          </a:bodyPr>
+          <a:lstStyle/>
+          <a:p>
+            <a:r>
+              <a:rPr lang="en-US" dirty="0"/>
+              <a:t>Verify hash code</a:t>
+            </a:r>
+          </a:p>
+        </p:txBody>
+      </p:sp>
+      <p:sp>
+        <p:nvSpPr>
+          <p:cNvPr id="6" name="TextBox 5"/>
+          <p:cNvSpPr txBox="1"/>
+          <p:nvPr/>
+        </p:nvSpPr>
+        <p:spPr>
+          <a:xfrm>
+            <a:off x="715990" y="3130148"/>
+            <a:ext cx="1654073" cy="646331"/>
+          </a:xfrm>
+          <a:prstGeom prst="rect">
+            <a:avLst/>
+          </a:prstGeom>
+          <a:solidFill>
+            <a:srgbClr val="FFC000"/>
+          </a:solidFill>
+        </p:spPr>
+        <p:txBody>
+          <a:bodyPr wrap="square" rtlCol="0">
+            <a:spAutoFit/>
+          </a:bodyPr>
+          <a:lstStyle/>
+          <a:p>
+            <a:r>
+              <a:rPr lang="en-US" dirty="0"/>
+              <a:t>Download traffic log</a:t>
+            </a:r>
+          </a:p>
+        </p:txBody>
+      </p:sp>
+      <p:sp>
+        <p:nvSpPr>
+          <p:cNvPr id="3" name="Title 2"/>
+          <p:cNvSpPr>
+            <a:spLocks noGrp="1"/>
+          </p:cNvSpPr>
+          <p:nvPr>
+            <p:ph type="title"/>
+          </p:nvPr>
+        </p:nvSpPr>
+        <p:spPr/>
+        <p:txBody>
+          <a:bodyPr/>
+          <a:lstStyle/>
+          <a:p>
+            <a:r>
+              <a:rPr lang="en-US" dirty="0"/>
+              <a:t>4. The captured network traffic log</a:t>
+            </a:r>
+          </a:p>
+        </p:txBody>
+      </p:sp>
+      <p:pic>
+        <p:nvPicPr>
+          <p:cNvPr id="9" name="Picture 8">
+            <a:extLst>
+              <a:ext uri="{FF2B5EF4-FFF2-40B4-BE49-F238E27FC236}">
+                <a16:creationId xmlns:a16="http://schemas.microsoft.com/office/drawing/2014/main" id="{ECE874F1-7C47-496C-82C0-6DDA21362AB7}"/>
+              </a:ext>
+            </a:extLst>
+          </p:cNvPr>
+          <p:cNvPicPr>
+            <a:picLocks noChangeAspect="1"/>
+          </p:cNvPicPr>
+          <p:nvPr/>
+        </p:nvPicPr>
+        <p:blipFill rotWithShape="1">
+          <a:blip r:embed="rId3"/>
+          <a:srcRect t="48041"/>
+          <a:stretch/>
+        </p:blipFill>
+        <p:spPr>
+          <a:xfrm>
+            <a:off x="2370065" y="4184294"/>
+            <a:ext cx="8868232" cy="1803525"/>
+          </a:xfrm>
+          <a:prstGeom prst="rect">
+            <a:avLst/>
+          </a:prstGeom>
+        </p:spPr>
+      </p:pic>
+      <p:pic>
+        <p:nvPicPr>
+          <p:cNvPr id="10" name="Picture 9">
+            <a:extLst>
+              <a:ext uri="{FF2B5EF4-FFF2-40B4-BE49-F238E27FC236}">
+                <a16:creationId xmlns:a16="http://schemas.microsoft.com/office/drawing/2014/main" id="{71E249A2-EF58-4584-95C6-90C6F63BFA4B}"/>
+              </a:ext>
+            </a:extLst>
+          </p:cNvPr>
+          <p:cNvPicPr>
+            <a:picLocks noChangeAspect="1"/>
+          </p:cNvPicPr>
+          <p:nvPr/>
+        </p:nvPicPr>
+        <p:blipFill rotWithShape="1">
+          <a:blip r:embed="rId4"/>
+          <a:srcRect l="-1381" t="-2344" r="1381" b="2344"/>
+          <a:stretch/>
+        </p:blipFill>
+        <p:spPr>
+          <a:xfrm>
+            <a:off x="2245918" y="3098225"/>
+            <a:ext cx="8992379" cy="754445"/>
+          </a:xfrm>
+          <a:prstGeom prst="rect">
+            <a:avLst/>
+          </a:prstGeom>
+        </p:spPr>
+      </p:pic>
+    </p:spTree>
+    <p:extLst>
+      <p:ext uri="{BB962C8B-B14F-4D97-AF65-F5344CB8AC3E}">
+        <p14:creationId xmlns:p14="http://schemas.microsoft.com/office/powerpoint/2010/main" val="15147994"/>
+      </p:ext>
+    </p:extLst>
+  </p:cSld>
+  <p:clrMapOvr>
+    <a:masterClrMapping/>
+  </p:clrMapOvr>
+</p:sld>
+</file>
+
+<file path=ppt/slides/slide14.xml><?xml version="1.0" encoding="utf-8"?>
+<p:sld xmlns:a="http://schemas.openxmlformats.org/drawingml/2006/main" xmlns:r="http://schemas.openxmlformats.org/officeDocument/2006/relationships" xmlns:p="http://schemas.openxmlformats.org/presentationml/2006/main">
+  <p:cSld>
+    <p:spTree>
+      <p:nvGrpSpPr>
+        <p:cNvPr id="1" name=""/>
+        <p:cNvGrpSpPr/>
+        <p:nvPr/>
+      </p:nvGrpSpPr>
+      <p:grpSpPr>
+        <a:xfrm>
+          <a:off x="0" y="0"/>
+          <a:ext cx="0" cy="0"/>
+          <a:chOff x="0" y="0"/>
+          <a:chExt cx="0" cy="0"/>
+        </a:xfrm>
+      </p:grpSpPr>
+      <p:sp>
+        <p:nvSpPr>
+          <p:cNvPr id="2" name="Title 1"/>
+          <p:cNvSpPr>
+            <a:spLocks noGrp="1"/>
+          </p:cNvSpPr>
+          <p:nvPr>
+            <p:ph type="title"/>
+          </p:nvPr>
+        </p:nvSpPr>
+        <p:spPr/>
+        <p:txBody>
+          <a:bodyPr/>
+          <a:lstStyle/>
+          <a:p>
+            <a:r>
+              <a:rPr lang="en-US" dirty="0"/>
+              <a:t>Traffic data review</a:t>
+            </a:r>
+          </a:p>
+        </p:txBody>
+      </p:sp>
+      <p:pic>
+        <p:nvPicPr>
+          <p:cNvPr id="3" name="Picture 2"/>
+          <p:cNvPicPr>
+            <a:picLocks noChangeAspect="1"/>
+          </p:cNvPicPr>
+          <p:nvPr/>
+        </p:nvPicPr>
+        <p:blipFill>
+          <a:blip r:embed="rId2"/>
+          <a:stretch>
+            <a:fillRect/>
+          </a:stretch>
+        </p:blipFill>
+        <p:spPr>
+          <a:xfrm>
+            <a:off x="838199" y="1902603"/>
+            <a:ext cx="10520393" cy="4273910"/>
+          </a:xfrm>
+          <a:prstGeom prst="rect">
+            <a:avLst/>
+          </a:prstGeom>
+        </p:spPr>
+      </p:pic>
+    </p:spTree>
+    <p:extLst>
+      <p:ext uri="{BB962C8B-B14F-4D97-AF65-F5344CB8AC3E}">
+        <p14:creationId xmlns:p14="http://schemas.microsoft.com/office/powerpoint/2010/main" val="3282840963"/>
+      </p:ext>
+    </p:extLst>
+  </p:cSld>
+  <p:clrMapOvr>
+    <a:masterClrMapping/>
+  </p:clrMapOvr>
+</p:sld>
+</file>
+
+<file path=ppt/slides/slide15.xml><?xml version="1.0" encoding="utf-8"?>
+<p:sld xmlns:a="http://schemas.openxmlformats.org/drawingml/2006/main" xmlns:r="http://schemas.openxmlformats.org/officeDocument/2006/relationships" xmlns:p="http://schemas.openxmlformats.org/presentationml/2006/main">
+  <p:cSld>
+    <p:spTree>
+      <p:nvGrpSpPr>
+        <p:cNvPr id="1" name=""/>
+        <p:cNvGrpSpPr/>
+        <p:nvPr/>
+      </p:nvGrpSpPr>
+      <p:grpSpPr>
+        <a:xfrm>
+          <a:off x="0" y="0"/>
+          <a:ext cx="0" cy="0"/>
+          <a:chOff x="0" y="0"/>
+          <a:chExt cx="0" cy="0"/>
+        </a:xfrm>
+      </p:grpSpPr>
       <p:sp>
         <p:nvSpPr>
           <p:cNvPr id="3" name="Title 2"/>
@@ -6335,7 +6955,7 @@
 </p:sld>
 </file>
 
-<file path=ppt/slides/slide13.xml><?xml version="1.0" encoding="utf-8"?>
+<file path=ppt/slides/slide16.xml><?xml version="1.0" encoding="utf-8"?>
 <p:sld xmlns:a="http://schemas.openxmlformats.org/drawingml/2006/main" xmlns:r="http://schemas.openxmlformats.org/officeDocument/2006/relationships" xmlns:p="http://schemas.openxmlformats.org/presentationml/2006/main">
   <p:cSld>
     <p:spTree>
@@ -7549,7 +8169,7 @@
 </p:sld>
 </file>
 
-<file path=ppt/slides/slide14.xml><?xml version="1.0" encoding="utf-8"?>
+<file path=ppt/slides/slide17.xml><?xml version="1.0" encoding="utf-8"?>
 <p:sld xmlns:a="http://schemas.openxmlformats.org/drawingml/2006/main" xmlns:r="http://schemas.openxmlformats.org/officeDocument/2006/relationships" xmlns:p="http://schemas.openxmlformats.org/presentationml/2006/main">
   <p:cSld>
     <p:spTree>
@@ -7646,7 +8266,7 @@
 </p:sld>
 </file>
 
-<file path=ppt/slides/slide15.xml><?xml version="1.0" encoding="utf-8"?>
+<file path=ppt/slides/slide18.xml><?xml version="1.0" encoding="utf-8"?>
 <p:sld xmlns:a="http://schemas.openxmlformats.org/drawingml/2006/main" xmlns:r="http://schemas.openxmlformats.org/officeDocument/2006/relationships" xmlns:p="http://schemas.openxmlformats.org/presentationml/2006/main">
   <p:cSld>
     <p:spTree>
@@ -8430,7 +9050,7 @@
 </p:sld>
 </file>
 
-<file path=ppt/slides/slide16.xml><?xml version="1.0" encoding="utf-8"?>
+<file path=ppt/slides/slide19.xml><?xml version="1.0" encoding="utf-8"?>
 <p:sld xmlns:a="http://schemas.openxmlformats.org/drawingml/2006/main" xmlns:r="http://schemas.openxmlformats.org/officeDocument/2006/relationships" xmlns:p="http://schemas.openxmlformats.org/presentationml/2006/main">
   <p:cSld>
     <p:spTree>
@@ -8501,7 +9121,7 @@
 </p:sld>
 </file>
 
-<file path=ppt/slides/slide17.xml><?xml version="1.0" encoding="utf-8"?>
+<file path=ppt/slides/slide2.xml><?xml version="1.0" encoding="utf-8"?>
 <p:sld xmlns:a="http://schemas.openxmlformats.org/drawingml/2006/main" xmlns:r="http://schemas.openxmlformats.org/officeDocument/2006/relationships" xmlns:p="http://schemas.openxmlformats.org/presentationml/2006/main">
   <p:cSld>
     <p:spTree>
@@ -8520,7 +9140,7 @@
       </p:grpSpPr>
       <p:sp>
         <p:nvSpPr>
-          <p:cNvPr id="2" name="Title 1"/>
+          <p:cNvPr id="4" name="Title 3"/>
           <p:cNvSpPr>
             <a:spLocks noGrp="1"/>
           </p:cNvSpPr>
@@ -8535,19 +9155,19 @@
           <a:p>
             <a:r>
               <a:rPr lang="en-US" dirty="0"/>
-              <a:t>List of questions</a:t>
-            </a:r>
-          </a:p>
-        </p:txBody>
-      </p:sp>
-      <p:sp>
-        <p:nvSpPr>
-          <p:cNvPr id="3" name="Content Placeholder 2"/>
+              <a:t>Background</a:t>
+            </a:r>
+          </a:p>
+        </p:txBody>
+      </p:sp>
+      <p:sp>
+        <p:nvSpPr>
+          <p:cNvPr id="5" name="Text Placeholder 4"/>
           <p:cNvSpPr>
             <a:spLocks noGrp="1"/>
           </p:cNvSpPr>
           <p:nvPr>
-            <p:ph idx="1"/>
+            <p:ph type="body" idx="1"/>
           </p:nvPr>
         </p:nvSpPr>
         <p:spPr/>
@@ -8555,67 +9175,14 @@
           <a:bodyPr/>
           <a:lstStyle/>
           <a:p>
-            <a:r>
-              <a:rPr lang="en-US" dirty="0"/>
-              <a:t>Which IP accessed </a:t>
-            </a:r>
-            <a:r>
-              <a:rPr lang="en-US" dirty="0">
-                <a:hlinkClick r:id="rId2"/>
-              </a:rPr>
-              <a:t>www.willselfdestruct.com</a:t>
-            </a:r>
-            <a:r>
-              <a:rPr lang="en-US" dirty="0"/>
-              <a:t>?</a:t>
-            </a:r>
-          </a:p>
-          <a:p>
-            <a:r>
-              <a:rPr lang="en-US" dirty="0"/>
-              <a:t>Does the IP post harassing comments to the website? </a:t>
-            </a:r>
-          </a:p>
-          <a:p>
-            <a:r>
-              <a:rPr lang="en-US" dirty="0"/>
-              <a:t>Does the HTTP post contain the harassment message?</a:t>
-            </a:r>
-          </a:p>
-          <a:p>
-            <a:r>
-              <a:rPr lang="en-US" dirty="0"/>
-              <a:t>Is the IP associated with any suspects?</a:t>
-            </a:r>
-          </a:p>
-          <a:p>
-            <a:r>
-              <a:rPr lang="en-US" dirty="0"/>
-              <a:t>Is the suspect in the faculty’s class?</a:t>
-            </a:r>
-          </a:p>
-          <a:p>
-            <a:r>
-              <a:rPr lang="en-US" dirty="0"/>
-              <a:t>When did the suspect use </a:t>
-            </a:r>
-            <a:r>
-              <a:rPr lang="en-US" dirty="0">
-                <a:hlinkClick r:id="rId2"/>
-              </a:rPr>
-              <a:t>www.willselfdestruct.com</a:t>
-            </a:r>
-            <a:r>
-              <a:rPr lang="en-US" dirty="0"/>
-              <a:t>?</a:t>
-            </a:r>
+            <a:endParaRPr lang="en-US" dirty="0"/>
           </a:p>
         </p:txBody>
       </p:sp>
     </p:spTree>
     <p:extLst>
       <p:ext uri="{BB962C8B-B14F-4D97-AF65-F5344CB8AC3E}">
-        <p14:creationId xmlns:p14="http://schemas.microsoft.com/office/powerpoint/2010/main" val="4018784812"/>
+        <p14:creationId xmlns:p14="http://schemas.microsoft.com/office/powerpoint/2010/main" val="1998764358"/>
       </p:ext>
     </p:extLst>
   </p:cSld>
@@ -8625,7 +9192,7 @@
 </p:sld>
 </file>
 
-<file path=ppt/slides/slide18.xml><?xml version="1.0" encoding="utf-8"?>
+<file path=ppt/slides/slide20.xml><?xml version="1.0" encoding="utf-8"?>
 <p:sld xmlns:a="http://schemas.openxmlformats.org/drawingml/2006/main" xmlns:r="http://schemas.openxmlformats.org/officeDocument/2006/relationships" xmlns:p="http://schemas.openxmlformats.org/presentationml/2006/main">
   <p:cSld>
     <p:spTree>
@@ -8644,6 +9211,130 @@
       </p:grpSpPr>
       <p:sp>
         <p:nvSpPr>
+          <p:cNvPr id="2" name="Title 1"/>
+          <p:cNvSpPr>
+            <a:spLocks noGrp="1"/>
+          </p:cNvSpPr>
+          <p:nvPr>
+            <p:ph type="title"/>
+          </p:nvPr>
+        </p:nvSpPr>
+        <p:spPr/>
+        <p:txBody>
+          <a:bodyPr/>
+          <a:lstStyle/>
+          <a:p>
+            <a:r>
+              <a:rPr lang="en-US" dirty="0"/>
+              <a:t>List of questions</a:t>
+            </a:r>
+          </a:p>
+        </p:txBody>
+      </p:sp>
+      <p:sp>
+        <p:nvSpPr>
+          <p:cNvPr id="3" name="Content Placeholder 2"/>
+          <p:cNvSpPr>
+            <a:spLocks noGrp="1"/>
+          </p:cNvSpPr>
+          <p:nvPr>
+            <p:ph idx="1"/>
+          </p:nvPr>
+        </p:nvSpPr>
+        <p:spPr/>
+        <p:txBody>
+          <a:bodyPr/>
+          <a:lstStyle/>
+          <a:p>
+            <a:r>
+              <a:rPr lang="en-US" dirty="0"/>
+              <a:t>Which IP accessed </a:t>
+            </a:r>
+            <a:r>
+              <a:rPr lang="en-US" dirty="0">
+                <a:hlinkClick r:id="rId2"/>
+              </a:rPr>
+              <a:t>www.willselfdestruct.com</a:t>
+            </a:r>
+            <a:r>
+              <a:rPr lang="en-US" dirty="0"/>
+              <a:t>?</a:t>
+            </a:r>
+          </a:p>
+          <a:p>
+            <a:r>
+              <a:rPr lang="en-US" dirty="0"/>
+              <a:t>Does the IP post harassing comments to the website? </a:t>
+            </a:r>
+          </a:p>
+          <a:p>
+            <a:r>
+              <a:rPr lang="en-US" dirty="0"/>
+              <a:t>Does the HTTP post contain the harassment message?</a:t>
+            </a:r>
+          </a:p>
+          <a:p>
+            <a:r>
+              <a:rPr lang="en-US" dirty="0"/>
+              <a:t>Is the IP associated with any suspects?</a:t>
+            </a:r>
+          </a:p>
+          <a:p>
+            <a:r>
+              <a:rPr lang="en-US" dirty="0"/>
+              <a:t>Is the suspect in the faculty’s class?</a:t>
+            </a:r>
+          </a:p>
+          <a:p>
+            <a:r>
+              <a:rPr lang="en-US" dirty="0"/>
+              <a:t>When did the suspect use </a:t>
+            </a:r>
+            <a:r>
+              <a:rPr lang="en-US" dirty="0">
+                <a:hlinkClick r:id="rId2"/>
+              </a:rPr>
+              <a:t>www.willselfdestruct.com</a:t>
+            </a:r>
+            <a:r>
+              <a:rPr lang="en-US" dirty="0"/>
+              <a:t>?</a:t>
+            </a:r>
+          </a:p>
+        </p:txBody>
+      </p:sp>
+    </p:spTree>
+    <p:extLst>
+      <p:ext uri="{BB962C8B-B14F-4D97-AF65-F5344CB8AC3E}">
+        <p14:creationId xmlns:p14="http://schemas.microsoft.com/office/powerpoint/2010/main" val="4018784812"/>
+      </p:ext>
+    </p:extLst>
+  </p:cSld>
+  <p:clrMapOvr>
+    <a:masterClrMapping/>
+  </p:clrMapOvr>
+</p:sld>
+</file>
+
+<file path=ppt/slides/slide21.xml><?xml version="1.0" encoding="utf-8"?>
+<p:sld xmlns:a="http://schemas.openxmlformats.org/drawingml/2006/main" xmlns:r="http://schemas.openxmlformats.org/officeDocument/2006/relationships" xmlns:p="http://schemas.openxmlformats.org/presentationml/2006/main">
+  <p:cSld>
+    <p:spTree>
+      <p:nvGrpSpPr>
+        <p:cNvPr id="1" name=""/>
+        <p:cNvGrpSpPr/>
+        <p:nvPr/>
+      </p:nvGrpSpPr>
+      <p:grpSpPr>
+        <a:xfrm>
+          <a:off x="0" y="0"/>
+          <a:ext cx="0" cy="0"/>
+          <a:chOff x="0" y="0"/>
+          <a:chExt cx="0" cy="0"/>
+        </a:xfrm>
+      </p:grpSpPr>
+      <p:sp>
+        <p:nvSpPr>
           <p:cNvPr id="9" name="Title 8"/>
           <p:cNvSpPr>
             <a:spLocks noGrp="1"/>
@@ -8829,7 +9520,7 @@
 </p:sld>
 </file>
 
-<file path=ppt/slides/slide19.xml><?xml version="1.0" encoding="utf-8"?>
+<file path=ppt/slides/slide22.xml><?xml version="1.0" encoding="utf-8"?>
 <p:sld xmlns:a="http://schemas.openxmlformats.org/drawingml/2006/main" xmlns:r="http://schemas.openxmlformats.org/officeDocument/2006/relationships" xmlns:p="http://schemas.openxmlformats.org/presentationml/2006/main">
   <p:cSld>
     <p:spTree>
@@ -9006,78 +9697,7 @@
 </p:sld>
 </file>
 
-<file path=ppt/slides/slide2.xml><?xml version="1.0" encoding="utf-8"?>
-<p:sld xmlns:a="http://schemas.openxmlformats.org/drawingml/2006/main" xmlns:r="http://schemas.openxmlformats.org/officeDocument/2006/relationships" xmlns:p="http://schemas.openxmlformats.org/presentationml/2006/main">
-  <p:cSld>
-    <p:spTree>
-      <p:nvGrpSpPr>
-        <p:cNvPr id="1" name=""/>
-        <p:cNvGrpSpPr/>
-        <p:nvPr/>
-      </p:nvGrpSpPr>
-      <p:grpSpPr>
-        <a:xfrm>
-          <a:off x="0" y="0"/>
-          <a:ext cx="0" cy="0"/>
-          <a:chOff x="0" y="0"/>
-          <a:chExt cx="0" cy="0"/>
-        </a:xfrm>
-      </p:grpSpPr>
-      <p:sp>
-        <p:nvSpPr>
-          <p:cNvPr id="4" name="Title 3"/>
-          <p:cNvSpPr>
-            <a:spLocks noGrp="1"/>
-          </p:cNvSpPr>
-          <p:nvPr>
-            <p:ph type="title"/>
-          </p:nvPr>
-        </p:nvSpPr>
-        <p:spPr/>
-        <p:txBody>
-          <a:bodyPr/>
-          <a:lstStyle/>
-          <a:p>
-            <a:r>
-              <a:rPr lang="en-US" dirty="0"/>
-              <a:t>Background</a:t>
-            </a:r>
-          </a:p>
-        </p:txBody>
-      </p:sp>
-      <p:sp>
-        <p:nvSpPr>
-          <p:cNvPr id="5" name="Text Placeholder 4"/>
-          <p:cNvSpPr>
-            <a:spLocks noGrp="1"/>
-          </p:cNvSpPr>
-          <p:nvPr>
-            <p:ph type="body" idx="1"/>
-          </p:nvPr>
-        </p:nvSpPr>
-        <p:spPr/>
-        <p:txBody>
-          <a:bodyPr/>
-          <a:lstStyle/>
-          <a:p>
-            <a:endParaRPr lang="en-US" dirty="0"/>
-          </a:p>
-        </p:txBody>
-      </p:sp>
-    </p:spTree>
-    <p:extLst>
-      <p:ext uri="{BB962C8B-B14F-4D97-AF65-F5344CB8AC3E}">
-        <p14:creationId xmlns:p14="http://schemas.microsoft.com/office/powerpoint/2010/main" val="1998764358"/>
-      </p:ext>
-    </p:extLst>
-  </p:cSld>
-  <p:clrMapOvr>
-    <a:masterClrMapping/>
-  </p:clrMapOvr>
-</p:sld>
-</file>
-
-<file path=ppt/slides/slide20.xml><?xml version="1.0" encoding="utf-8"?>
+<file path=ppt/slides/slide23.xml><?xml version="1.0" encoding="utf-8"?>
 <p:sld xmlns:a="http://schemas.openxmlformats.org/drawingml/2006/main" xmlns:r="http://schemas.openxmlformats.org/officeDocument/2006/relationships" xmlns:p="http://schemas.openxmlformats.org/presentationml/2006/main">
   <p:cSld>
     <p:spTree>
@@ -9323,7 +9943,7 @@
 </p:sld>
 </file>
 
-<file path=ppt/slides/slide21.xml><?xml version="1.0" encoding="utf-8"?>
+<file path=ppt/slides/slide24.xml><?xml version="1.0" encoding="utf-8"?>
 <p:sld xmlns:a="http://schemas.openxmlformats.org/drawingml/2006/main" xmlns:r="http://schemas.openxmlformats.org/officeDocument/2006/relationships" xmlns:p="http://schemas.openxmlformats.org/presentationml/2006/main">
   <p:cSld>
     <p:spTree>
@@ -9614,7 +10234,7 @@
 </p:sld>
 </file>
 
-<file path=ppt/slides/slide22.xml><?xml version="1.0" encoding="utf-8"?>
+<file path=ppt/slides/slide25.xml><?xml version="1.0" encoding="utf-8"?>
 <p:sld xmlns:a="http://schemas.openxmlformats.org/drawingml/2006/main" xmlns:r="http://schemas.openxmlformats.org/officeDocument/2006/relationships" xmlns:p="http://schemas.openxmlformats.org/presentationml/2006/main">
   <p:cSld>
     <p:spTree>
@@ -9699,7 +10319,7 @@
 </p:sld>
 </file>
 
-<file path=ppt/slides/slide23.xml><?xml version="1.0" encoding="utf-8"?>
+<file path=ppt/slides/slide26.xml><?xml version="1.0" encoding="utf-8"?>
 <p:sld xmlns:a="http://schemas.openxmlformats.org/drawingml/2006/main" xmlns:r="http://schemas.openxmlformats.org/officeDocument/2006/relationships" xmlns:p="http://schemas.openxmlformats.org/presentationml/2006/main">
   <p:cSld>
     <p:spTree>
@@ -9826,7 +10446,7 @@
 </p:sld>
 </file>
 
-<file path=ppt/slides/slide24.xml><?xml version="1.0" encoding="utf-8"?>
+<file path=ppt/slides/slide27.xml><?xml version="1.0" encoding="utf-8"?>
 <p:sld xmlns:a="http://schemas.openxmlformats.org/drawingml/2006/main" xmlns:r="http://schemas.openxmlformats.org/officeDocument/2006/relationships" xmlns:p="http://schemas.openxmlformats.org/presentationml/2006/main">
   <p:cSld>
     <p:spTree>
@@ -10069,7 +10689,7 @@
 </p:sld>
 </file>
 
-<file path=ppt/slides/slide25.xml><?xml version="1.0" encoding="utf-8"?>
+<file path=ppt/slides/slide28.xml><?xml version="1.0" encoding="utf-8"?>
 <p:sld xmlns:a="http://schemas.openxmlformats.org/drawingml/2006/main" xmlns:r="http://schemas.openxmlformats.org/officeDocument/2006/relationships" xmlns:p="http://schemas.openxmlformats.org/presentationml/2006/main">
   <p:cSld>
     <p:spTree>
@@ -10265,7 +10885,7 @@
 </p:sld>
 </file>
 
-<file path=ppt/slides/slide26.xml><?xml version="1.0" encoding="utf-8"?>
+<file path=ppt/slides/slide29.xml><?xml version="1.0" encoding="utf-8"?>
 <p:sld xmlns:a="http://schemas.openxmlformats.org/drawingml/2006/main" xmlns:r="http://schemas.openxmlformats.org/officeDocument/2006/relationships" xmlns:p="http://schemas.openxmlformats.org/presentationml/2006/main">
   <p:cSld>
     <p:spTree>
@@ -10350,443 +10970,6 @@
 </p:sld>
 </file>
 
-<file path=ppt/slides/slide27.xml><?xml version="1.0" encoding="utf-8"?>
-<p:sld xmlns:a="http://schemas.openxmlformats.org/drawingml/2006/main" xmlns:r="http://schemas.openxmlformats.org/officeDocument/2006/relationships" xmlns:p="http://schemas.openxmlformats.org/presentationml/2006/main">
-  <p:cSld>
-    <p:spTree>
-      <p:nvGrpSpPr>
-        <p:cNvPr id="1" name=""/>
-        <p:cNvGrpSpPr/>
-        <p:nvPr/>
-      </p:nvGrpSpPr>
-      <p:grpSpPr>
-        <a:xfrm>
-          <a:off x="0" y="0"/>
-          <a:ext cx="0" cy="0"/>
-          <a:chOff x="0" y="0"/>
-          <a:chExt cx="0" cy="0"/>
-        </a:xfrm>
-      </p:grpSpPr>
-      <p:sp>
-        <p:nvSpPr>
-          <p:cNvPr id="7" name="TextBox 6">
-            <a:extLst>
-              <a:ext uri="{FF2B5EF4-FFF2-40B4-BE49-F238E27FC236}">
-                <a16:creationId xmlns:a16="http://schemas.microsoft.com/office/drawing/2014/main" id="{CEF1001A-B0E4-7E3E-7B77-053FC0F2BEA9}"/>
-              </a:ext>
-            </a:extLst>
-          </p:cNvPr>
-          <p:cNvSpPr txBox="1"/>
-          <p:nvPr/>
-        </p:nvSpPr>
-        <p:spPr>
-          <a:xfrm>
-            <a:off x="1864157" y="2077957"/>
-            <a:ext cx="6450686" cy="584775"/>
-          </a:xfrm>
-          <a:prstGeom prst="rect">
-            <a:avLst/>
-          </a:prstGeom>
-          <a:noFill/>
-        </p:spPr>
-        <p:txBody>
-          <a:bodyPr wrap="square" rtlCol="0">
-            <a:spAutoFit/>
-          </a:bodyPr>
-          <a:lstStyle/>
-          <a:p>
-            <a:r>
-              <a:rPr lang="en-US" sz="3200" dirty="0">
-                <a:solidFill>
-                  <a:srgbClr val="FF0000"/>
-                </a:solidFill>
-                <a:latin typeface="Segoe Print" panose="02000600000000000000" pitchFamily="2" charset="0"/>
-              </a:rPr>
-              <a:t>The most important question!</a:t>
-            </a:r>
-          </a:p>
-        </p:txBody>
-      </p:sp>
-      <p:sp>
-        <p:nvSpPr>
-          <p:cNvPr id="10" name="Title 9">
-            <a:extLst>
-              <a:ext uri="{FF2B5EF4-FFF2-40B4-BE49-F238E27FC236}">
-                <a16:creationId xmlns:a16="http://schemas.microsoft.com/office/drawing/2014/main" id="{E8847BC8-31C8-58AF-0F24-CE901423AA73}"/>
-              </a:ext>
-            </a:extLst>
-          </p:cNvPr>
-          <p:cNvSpPr>
-            <a:spLocks noGrp="1"/>
-          </p:cNvSpPr>
-          <p:nvPr>
-            <p:ph type="title"/>
-          </p:nvPr>
-        </p:nvSpPr>
-        <p:spPr/>
-        <p:txBody>
-          <a:bodyPr/>
-          <a:lstStyle/>
-          <a:p>
-            <a:r>
-              <a:rPr lang="en-GB" dirty="0"/>
-              <a:t>Who owns the MAC address?</a:t>
-            </a:r>
-            <a:endParaRPr lang="en-US" dirty="0"/>
-          </a:p>
-        </p:txBody>
-      </p:sp>
-      <p:sp>
-        <p:nvSpPr>
-          <p:cNvPr id="11" name="Text Placeholder 10">
-            <a:extLst>
-              <a:ext uri="{FF2B5EF4-FFF2-40B4-BE49-F238E27FC236}">
-                <a16:creationId xmlns:a16="http://schemas.microsoft.com/office/drawing/2014/main" id="{2F984274-3EDA-EF9A-E5B1-58E28A270FE5}"/>
-              </a:ext>
-            </a:extLst>
-          </p:cNvPr>
-          <p:cNvSpPr>
-            <a:spLocks noGrp="1"/>
-          </p:cNvSpPr>
-          <p:nvPr>
-            <p:ph type="body" idx="1"/>
-          </p:nvPr>
-        </p:nvSpPr>
-        <p:spPr/>
-        <p:txBody>
-          <a:bodyPr/>
-          <a:lstStyle/>
-          <a:p>
-            <a:endParaRPr lang="en-US"/>
-          </a:p>
-        </p:txBody>
-      </p:sp>
-    </p:spTree>
-    <p:extLst>
-      <p:ext uri="{BB962C8B-B14F-4D97-AF65-F5344CB8AC3E}">
-        <p14:creationId xmlns:p14="http://schemas.microsoft.com/office/powerpoint/2010/main" val="4065817002"/>
-      </p:ext>
-    </p:extLst>
-  </p:cSld>
-  <p:clrMapOvr>
-    <a:masterClrMapping/>
-  </p:clrMapOvr>
-</p:sld>
-</file>
-
-<file path=ppt/slides/slide28.xml><?xml version="1.0" encoding="utf-8"?>
-<p:sld xmlns:a="http://schemas.openxmlformats.org/drawingml/2006/main" xmlns:r="http://schemas.openxmlformats.org/officeDocument/2006/relationships" xmlns:p="http://schemas.openxmlformats.org/presentationml/2006/main">
-  <p:cSld>
-    <p:spTree>
-      <p:nvGrpSpPr>
-        <p:cNvPr id="1" name=""/>
-        <p:cNvGrpSpPr/>
-        <p:nvPr/>
-      </p:nvGrpSpPr>
-      <p:grpSpPr>
-        <a:xfrm>
-          <a:off x="0" y="0"/>
-          <a:ext cx="0" cy="0"/>
-          <a:chOff x="0" y="0"/>
-          <a:chExt cx="0" cy="0"/>
-        </a:xfrm>
-      </p:grpSpPr>
-      <p:sp>
-        <p:nvSpPr>
-          <p:cNvPr id="3" name="Title 2"/>
-          <p:cNvSpPr>
-            <a:spLocks noGrp="1"/>
-          </p:cNvSpPr>
-          <p:nvPr>
-            <p:ph type="title"/>
-          </p:nvPr>
-        </p:nvSpPr>
-        <p:spPr/>
-        <p:txBody>
-          <a:bodyPr/>
-          <a:lstStyle/>
-          <a:p>
-            <a:r>
-              <a:rPr lang="en-US" dirty="0"/>
-              <a:t>How to connect MAC address with suspect’s ID?</a:t>
-            </a:r>
-          </a:p>
-        </p:txBody>
-      </p:sp>
-      <p:sp>
-        <p:nvSpPr>
-          <p:cNvPr id="4" name="Content Placeholder 3"/>
-          <p:cNvSpPr>
-            <a:spLocks noGrp="1"/>
-          </p:cNvSpPr>
-          <p:nvPr>
-            <p:ph idx="1"/>
-          </p:nvPr>
-        </p:nvSpPr>
-        <p:spPr>
-          <a:xfrm>
-            <a:off x="838200" y="1825625"/>
-            <a:ext cx="6727166" cy="4351338"/>
-          </a:xfrm>
-        </p:spPr>
-        <p:txBody>
-          <a:bodyPr>
-            <a:normAutofit lnSpcReduction="10000"/>
-          </a:bodyPr>
-          <a:lstStyle/>
-          <a:p>
-            <a:r>
-              <a:rPr lang="en-US" dirty="0"/>
-              <a:t>HTTP is a stateless protocol </a:t>
-            </a:r>
-          </a:p>
-          <a:p>
-            <a:pPr lvl="1"/>
-            <a:r>
-              <a:rPr lang="en-US" dirty="0"/>
-              <a:t>each request is executed by server independently, without any knowledge of the requests that were executed before it</a:t>
-            </a:r>
-          </a:p>
-          <a:p>
-            <a:r>
-              <a:rPr lang="en-US" dirty="0"/>
-              <a:t>How to let server remember you?</a:t>
-            </a:r>
-          </a:p>
-          <a:p>
-            <a:pPr lvl="1"/>
-            <a:r>
-              <a:rPr lang="en-US" dirty="0"/>
-              <a:t>HTTP cookie (web cookie, browser cookie) </a:t>
-            </a:r>
-          </a:p>
-          <a:p>
-            <a:r>
-              <a:rPr lang="en-US" dirty="0"/>
-              <a:t>A cookie </a:t>
-            </a:r>
-          </a:p>
-          <a:p>
-            <a:pPr lvl="1"/>
-            <a:r>
-              <a:rPr lang="en-US" dirty="0"/>
-              <a:t>Is a small piece of data that a server sends to the user's web browser. </a:t>
-            </a:r>
-          </a:p>
-          <a:p>
-            <a:pPr lvl="1"/>
-            <a:r>
-              <a:rPr lang="en-US" dirty="0"/>
-              <a:t>The client browser may store it and send it back with later requests to the same server. </a:t>
-            </a:r>
-          </a:p>
-        </p:txBody>
-      </p:sp>
-      <p:pic>
-        <p:nvPicPr>
-          <p:cNvPr id="1026" name="Picture 2" descr="Why is Cookies Size Important? - GeoRanker"/>
-          <p:cNvPicPr>
-            <a:picLocks noChangeAspect="1" noChangeArrowheads="1"/>
-          </p:cNvPicPr>
-          <p:nvPr/>
-        </p:nvPicPr>
-        <p:blipFill>
-          <a:blip r:embed="rId3">
-            <a:extLst>
-              <a:ext uri="{28A0092B-C50C-407E-A947-70E740481C1C}">
-                <a14:useLocalDpi xmlns:a14="http://schemas.microsoft.com/office/drawing/2010/main" val="0"/>
-              </a:ext>
-            </a:extLst>
-          </a:blip>
-          <a:srcRect/>
-          <a:stretch>
-            <a:fillRect/>
-          </a:stretch>
-        </p:blipFill>
-        <p:spPr bwMode="auto">
-          <a:xfrm>
-            <a:off x="7764073" y="1911889"/>
-            <a:ext cx="3848100" cy="1952625"/>
-          </a:xfrm>
-          <a:prstGeom prst="rect">
-            <a:avLst/>
-          </a:prstGeom>
-          <a:noFill/>
-          <a:extLst>
-            <a:ext uri="{909E8E84-426E-40DD-AFC4-6F175D3DCCD1}">
-              <a14:hiddenFill xmlns:a14="http://schemas.microsoft.com/office/drawing/2010/main">
-                <a:solidFill>
-                  <a:srgbClr val="FFFFFF"/>
-                </a:solidFill>
-              </a14:hiddenFill>
-            </a:ext>
-          </a:extLst>
-        </p:spPr>
-      </p:pic>
-    </p:spTree>
-    <p:extLst>
-      <p:ext uri="{BB962C8B-B14F-4D97-AF65-F5344CB8AC3E}">
-        <p14:creationId xmlns:p14="http://schemas.microsoft.com/office/powerpoint/2010/main" val="3188052659"/>
-      </p:ext>
-    </p:extLst>
-  </p:cSld>
-  <p:clrMapOvr>
-    <a:masterClrMapping/>
-  </p:clrMapOvr>
-</p:sld>
-</file>
-
-<file path=ppt/slides/slide29.xml><?xml version="1.0" encoding="utf-8"?>
-<p:sld xmlns:a="http://schemas.openxmlformats.org/drawingml/2006/main" xmlns:r="http://schemas.openxmlformats.org/officeDocument/2006/relationships" xmlns:p="http://schemas.openxmlformats.org/presentationml/2006/main">
-  <p:cSld>
-    <p:spTree>
-      <p:nvGrpSpPr>
-        <p:cNvPr id="1" name=""/>
-        <p:cNvGrpSpPr/>
-        <p:nvPr/>
-      </p:nvGrpSpPr>
-      <p:grpSpPr>
-        <a:xfrm>
-          <a:off x="0" y="0"/>
-          <a:ext cx="0" cy="0"/>
-          <a:chOff x="0" y="0"/>
-          <a:chExt cx="0" cy="0"/>
-        </a:xfrm>
-      </p:grpSpPr>
-      <p:sp>
-        <p:nvSpPr>
-          <p:cNvPr id="3" name="Title 2"/>
-          <p:cNvSpPr>
-            <a:spLocks noGrp="1"/>
-          </p:cNvSpPr>
-          <p:nvPr>
-            <p:ph type="title"/>
-          </p:nvPr>
-        </p:nvSpPr>
-        <p:spPr/>
-        <p:txBody>
-          <a:bodyPr/>
-          <a:lstStyle/>
-          <a:p>
-            <a:r>
-              <a:rPr lang="en-US" dirty="0"/>
-              <a:t>Purpose of Cookies</a:t>
-            </a:r>
-          </a:p>
-        </p:txBody>
-      </p:sp>
-      <p:sp>
-        <p:nvSpPr>
-          <p:cNvPr id="4" name="Content Placeholder 3"/>
-          <p:cNvSpPr>
-            <a:spLocks noGrp="1"/>
-          </p:cNvSpPr>
-          <p:nvPr>
-            <p:ph idx="1"/>
-          </p:nvPr>
-        </p:nvSpPr>
-        <p:spPr>
-          <a:xfrm>
-            <a:off x="838200" y="1825625"/>
-            <a:ext cx="9841302" cy="3031047"/>
-          </a:xfrm>
-        </p:spPr>
-        <p:txBody>
-          <a:bodyPr>
-            <a:normAutofit/>
-          </a:bodyPr>
-          <a:lstStyle/>
-          <a:p>
-            <a:r>
-              <a:rPr lang="en-US" dirty="0"/>
-              <a:t>Session management</a:t>
-            </a:r>
-          </a:p>
-          <a:p>
-            <a:pPr lvl="1"/>
-            <a:r>
-              <a:rPr lang="en-US" dirty="0"/>
-              <a:t>Logins, shopping carts, game scores, or anything else the server should remember</a:t>
-            </a:r>
-          </a:p>
-          <a:p>
-            <a:r>
-              <a:rPr lang="en-US" dirty="0"/>
-              <a:t>Personalization</a:t>
-            </a:r>
-          </a:p>
-          <a:p>
-            <a:pPr lvl="1"/>
-            <a:r>
-              <a:rPr lang="en-US" dirty="0"/>
-              <a:t>User preferences, themes, and other settings</a:t>
-            </a:r>
-          </a:p>
-          <a:p>
-            <a:r>
-              <a:rPr lang="en-US" dirty="0"/>
-              <a:t>Tracking</a:t>
-            </a:r>
-          </a:p>
-          <a:p>
-            <a:pPr lvl="1"/>
-            <a:r>
-              <a:rPr lang="en-US" dirty="0"/>
-              <a:t>Recording and analyzing user behavior</a:t>
-            </a:r>
-          </a:p>
-          <a:p>
-            <a:pPr lvl="1"/>
-            <a:endParaRPr lang="en-US" dirty="0"/>
-          </a:p>
-        </p:txBody>
-      </p:sp>
-      <p:sp>
-        <p:nvSpPr>
-          <p:cNvPr id="2" name="TextBox 1"/>
-          <p:cNvSpPr txBox="1"/>
-          <p:nvPr/>
-        </p:nvSpPr>
-        <p:spPr>
-          <a:xfrm>
-            <a:off x="838200" y="4991609"/>
-            <a:ext cx="9427774" cy="584775"/>
-          </a:xfrm>
-          <a:prstGeom prst="rect">
-            <a:avLst/>
-          </a:prstGeom>
-          <a:noFill/>
-        </p:spPr>
-        <p:txBody>
-          <a:bodyPr wrap="none" rtlCol="0">
-            <a:spAutoFit/>
-          </a:bodyPr>
-          <a:lstStyle/>
-          <a:p>
-            <a:r>
-              <a:rPr lang="en-US" sz="3200" dirty="0">
-                <a:solidFill>
-                  <a:srgbClr val="FF0000"/>
-                </a:solidFill>
-              </a:rPr>
-              <a:t>We may be able to find suspects’ profiles from Cookies!</a:t>
-            </a:r>
-          </a:p>
-        </p:txBody>
-      </p:sp>
-    </p:spTree>
-    <p:extLst>
-      <p:ext uri="{BB962C8B-B14F-4D97-AF65-F5344CB8AC3E}">
-        <p14:creationId xmlns:p14="http://schemas.microsoft.com/office/powerpoint/2010/main" val="1365671705"/>
-      </p:ext>
-    </p:extLst>
-  </p:cSld>
-  <p:clrMapOvr>
-    <a:masterClrMapping/>
-  </p:clrMapOvr>
-</p:sld>
-</file>
-
 <file path=ppt/slides/slide3.xml><?xml version="1.0" encoding="utf-8"?>
 <p:sld xmlns:a="http://schemas.openxmlformats.org/drawingml/2006/main" xmlns:r="http://schemas.openxmlformats.org/officeDocument/2006/relationships" xmlns:p="http://schemas.openxmlformats.org/presentationml/2006/main">
   <p:cSld>
@@ -11548,133 +11731,104 @@
           <a:chExt cx="0" cy="0"/>
         </a:xfrm>
       </p:grpSpPr>
-      <p:pic>
-        <p:nvPicPr>
-          <p:cNvPr id="2" name="Picture 1"/>
-          <p:cNvPicPr>
-            <a:picLocks noChangeAspect="1"/>
-          </p:cNvPicPr>
+      <p:sp>
+        <p:nvSpPr>
+          <p:cNvPr id="7" name="TextBox 6">
+            <a:extLst>
+              <a:ext uri="{FF2B5EF4-FFF2-40B4-BE49-F238E27FC236}">
+                <a16:creationId xmlns:a16="http://schemas.microsoft.com/office/drawing/2014/main" id="{CEF1001A-B0E4-7E3E-7B77-053FC0F2BEA9}"/>
+              </a:ext>
+            </a:extLst>
+          </p:cNvPr>
+          <p:cNvSpPr txBox="1"/>
           <p:nvPr/>
-        </p:nvPicPr>
-        <p:blipFill>
-          <a:blip r:embed="rId3"/>
-          <a:stretch>
-            <a:fillRect/>
-          </a:stretch>
-        </p:blipFill>
-        <p:spPr>
-          <a:xfrm>
-            <a:off x="931706" y="1808661"/>
-            <a:ext cx="9465779" cy="3876145"/>
+        </p:nvSpPr>
+        <p:spPr>
+          <a:xfrm>
+            <a:off x="1864157" y="2077957"/>
+            <a:ext cx="6450686" cy="584775"/>
           </a:xfrm>
           <a:prstGeom prst="rect">
             <a:avLst/>
           </a:prstGeom>
-        </p:spPr>
-      </p:pic>
-      <p:sp>
-        <p:nvSpPr>
-          <p:cNvPr id="4" name="TextBox 3"/>
-          <p:cNvSpPr txBox="1"/>
-          <p:nvPr/>
-        </p:nvSpPr>
-        <p:spPr>
-          <a:xfrm>
-            <a:off x="931706" y="1439329"/>
-            <a:ext cx="4301755" cy="369332"/>
-          </a:xfrm>
-          <a:prstGeom prst="rect">
-            <a:avLst/>
-          </a:prstGeom>
-          <a:solidFill>
-            <a:srgbClr val="FFC000"/>
-          </a:solidFill>
-        </p:spPr>
-        <p:txBody>
-          <a:bodyPr wrap="none" rtlCol="0">
+          <a:noFill/>
+        </p:spPr>
+        <p:txBody>
+          <a:bodyPr wrap="square" rtlCol="0">
             <a:spAutoFit/>
           </a:bodyPr>
           <a:lstStyle/>
           <a:p>
             <a:r>
-              <a:rPr lang="en-US" dirty="0"/>
-              <a:t>Narrow down the search result using cookie</a:t>
-            </a:r>
-          </a:p>
-        </p:txBody>
-      </p:sp>
-      <p:sp>
-        <p:nvSpPr>
-          <p:cNvPr id="5" name="TextBox 4"/>
-          <p:cNvSpPr txBox="1"/>
-          <p:nvPr/>
-        </p:nvSpPr>
-        <p:spPr>
-          <a:xfrm>
-            <a:off x="4646569" y="1932317"/>
-            <a:ext cx="4366132" cy="369332"/>
-          </a:xfrm>
-          <a:prstGeom prst="rect">
-            <a:avLst/>
-          </a:prstGeom>
-          <a:solidFill>
-            <a:schemeClr val="accent4">
-              <a:lumMod val="20000"/>
-              <a:lumOff val="80000"/>
-            </a:schemeClr>
-          </a:solidFill>
-        </p:spPr>
-        <p:txBody>
-          <a:bodyPr wrap="none" rtlCol="0">
-            <a:spAutoFit/>
-          </a:bodyPr>
-          <a:lstStyle/>
-          <a:p>
-            <a:r>
-              <a:rPr lang="en-US" dirty="0"/>
-              <a:t>@ hopefully cookies have email information.</a:t>
-            </a:r>
-          </a:p>
-        </p:txBody>
-      </p:sp>
-      <p:sp>
-        <p:nvSpPr>
-          <p:cNvPr id="6" name="Rectangle 5"/>
-          <p:cNvSpPr/>
-          <p:nvPr/>
-        </p:nvSpPr>
-        <p:spPr>
-          <a:xfrm>
-            <a:off x="7832314" y="3808561"/>
-            <a:ext cx="2360774" cy="369332"/>
-          </a:xfrm>
-          <a:prstGeom prst="rect">
-            <a:avLst/>
-          </a:prstGeom>
-          <a:solidFill>
-            <a:schemeClr val="accent4">
-              <a:lumMod val="20000"/>
-              <a:lumOff val="80000"/>
-            </a:schemeClr>
-          </a:solidFill>
-        </p:spPr>
-        <p:txBody>
-          <a:bodyPr wrap="none">
-            <a:spAutoFit/>
-          </a:bodyPr>
-          <a:lstStyle/>
-          <a:p>
-            <a:r>
-              <a:rPr lang="en-US" dirty="0"/>
-              <a:t>(149 matching packets)</a:t>
-            </a:r>
+              <a:rPr lang="en-US" sz="3200" dirty="0">
+                <a:solidFill>
+                  <a:srgbClr val="FF0000"/>
+                </a:solidFill>
+                <a:latin typeface="Segoe Print" panose="02000600000000000000" pitchFamily="2" charset="0"/>
+              </a:rPr>
+              <a:t>The most important question!</a:t>
+            </a:r>
+          </a:p>
+        </p:txBody>
+      </p:sp>
+      <p:sp>
+        <p:nvSpPr>
+          <p:cNvPr id="10" name="Title 9">
+            <a:extLst>
+              <a:ext uri="{FF2B5EF4-FFF2-40B4-BE49-F238E27FC236}">
+                <a16:creationId xmlns:a16="http://schemas.microsoft.com/office/drawing/2014/main" id="{E8847BC8-31C8-58AF-0F24-CE901423AA73}"/>
+              </a:ext>
+            </a:extLst>
+          </p:cNvPr>
+          <p:cNvSpPr>
+            <a:spLocks noGrp="1"/>
+          </p:cNvSpPr>
+          <p:nvPr>
+            <p:ph type="title"/>
+          </p:nvPr>
+        </p:nvSpPr>
+        <p:spPr/>
+        <p:txBody>
+          <a:bodyPr/>
+          <a:lstStyle/>
+          <a:p>
+            <a:r>
+              <a:rPr lang="en-GB" dirty="0"/>
+              <a:t>Who owns the MAC address?</a:t>
+            </a:r>
+            <a:endParaRPr lang="en-US" dirty="0"/>
+          </a:p>
+        </p:txBody>
+      </p:sp>
+      <p:sp>
+        <p:nvSpPr>
+          <p:cNvPr id="11" name="Text Placeholder 10">
+            <a:extLst>
+              <a:ext uri="{FF2B5EF4-FFF2-40B4-BE49-F238E27FC236}">
+                <a16:creationId xmlns:a16="http://schemas.microsoft.com/office/drawing/2014/main" id="{2F984274-3EDA-EF9A-E5B1-58E28A270FE5}"/>
+              </a:ext>
+            </a:extLst>
+          </p:cNvPr>
+          <p:cNvSpPr>
+            <a:spLocks noGrp="1"/>
+          </p:cNvSpPr>
+          <p:nvPr>
+            <p:ph type="body" idx="1"/>
+          </p:nvPr>
+        </p:nvSpPr>
+        <p:spPr/>
+        <p:txBody>
+          <a:bodyPr/>
+          <a:lstStyle/>
+          <a:p>
+            <a:endParaRPr lang="en-US"/>
           </a:p>
         </p:txBody>
       </p:sp>
     </p:spTree>
     <p:extLst>
       <p:ext uri="{BB962C8B-B14F-4D97-AF65-F5344CB8AC3E}">
-        <p14:creationId xmlns:p14="http://schemas.microsoft.com/office/powerpoint/2010/main" val="2318095553"/>
+        <p14:creationId xmlns:p14="http://schemas.microsoft.com/office/powerpoint/2010/main" val="4065817002"/>
       </p:ext>
     </p:extLst>
   </p:cSld>
@@ -11703,7 +11857,7 @@
       </p:grpSpPr>
       <p:sp>
         <p:nvSpPr>
-          <p:cNvPr id="2" name="Title 1"/>
+          <p:cNvPr id="3" name="Title 2"/>
           <p:cNvSpPr>
             <a:spLocks noGrp="1"/>
           </p:cNvSpPr>
@@ -11718,375 +11872,125 @@
           <a:p>
             <a:r>
               <a:rPr lang="en-US" dirty="0"/>
-              <a:t>Is the suspect in faculty’s class?</a:t>
-            </a:r>
-          </a:p>
-        </p:txBody>
-      </p:sp>
-      <p:sp>
-        <p:nvSpPr>
-          <p:cNvPr id="5" name="Rectangle 4"/>
-          <p:cNvSpPr/>
+              <a:t>How to connect MAC address with suspect’s ID?</a:t>
+            </a:r>
+          </a:p>
+        </p:txBody>
+      </p:sp>
+      <p:sp>
+        <p:nvSpPr>
+          <p:cNvPr id="4" name="Content Placeholder 3"/>
+          <p:cNvSpPr>
+            <a:spLocks noGrp="1"/>
+          </p:cNvSpPr>
+          <p:nvPr>
+            <p:ph idx="1"/>
+          </p:nvPr>
+        </p:nvSpPr>
+        <p:spPr>
+          <a:xfrm>
+            <a:off x="838200" y="1825625"/>
+            <a:ext cx="6727166" cy="4351338"/>
+          </a:xfrm>
+        </p:spPr>
+        <p:txBody>
+          <a:bodyPr>
+            <a:normAutofit lnSpcReduction="10000"/>
+          </a:bodyPr>
+          <a:lstStyle/>
+          <a:p>
+            <a:r>
+              <a:rPr lang="en-US" dirty="0"/>
+              <a:t>HTTP is a stateless protocol </a:t>
+            </a:r>
+          </a:p>
+          <a:p>
+            <a:pPr lvl="1"/>
+            <a:r>
+              <a:rPr lang="en-US" dirty="0"/>
+              <a:t>each request is executed by server independently, without any knowledge of the requests that were executed before it</a:t>
+            </a:r>
+          </a:p>
+          <a:p>
+            <a:r>
+              <a:rPr lang="en-US" dirty="0"/>
+              <a:t>How to let server remember you?</a:t>
+            </a:r>
+          </a:p>
+          <a:p>
+            <a:pPr lvl="1"/>
+            <a:r>
+              <a:rPr lang="en-US" dirty="0"/>
+              <a:t>HTTP cookie (web cookie, browser cookie) </a:t>
+            </a:r>
+          </a:p>
+          <a:p>
+            <a:r>
+              <a:rPr lang="en-US" dirty="0"/>
+              <a:t>A cookie </a:t>
+            </a:r>
+          </a:p>
+          <a:p>
+            <a:pPr lvl="1"/>
+            <a:r>
+              <a:rPr lang="en-US" dirty="0"/>
+              <a:t>Is a small piece of data that a server sends to the user's web browser. </a:t>
+            </a:r>
+          </a:p>
+          <a:p>
+            <a:pPr lvl="1"/>
+            <a:r>
+              <a:rPr lang="en-US" dirty="0"/>
+              <a:t>The client browser may store it and send it back with later requests to the same server. </a:t>
+            </a:r>
+          </a:p>
+        </p:txBody>
+      </p:sp>
+      <p:pic>
+        <p:nvPicPr>
+          <p:cNvPr id="1026" name="Picture 2" descr="Why is Cookies Size Important? - GeoRanker"/>
+          <p:cNvPicPr>
+            <a:picLocks noChangeAspect="1" noChangeArrowheads="1"/>
+          </p:cNvPicPr>
           <p:nvPr/>
-        </p:nvSpPr>
-        <p:spPr>
-          <a:xfrm>
-            <a:off x="934528" y="1754392"/>
-            <a:ext cx="6096000" cy="3970318"/>
+        </p:nvPicPr>
+        <p:blipFill>
+          <a:blip r:embed="rId3">
+            <a:extLst>
+              <a:ext uri="{28A0092B-C50C-407E-A947-70E740481C1C}">
+                <a14:useLocalDpi xmlns:a14="http://schemas.microsoft.com/office/drawing/2010/main" val="0"/>
+              </a:ext>
+            </a:extLst>
+          </a:blip>
+          <a:srcRect/>
+          <a:stretch>
+            <a:fillRect/>
+          </a:stretch>
+        </p:blipFill>
+        <p:spPr bwMode="auto">
+          <a:xfrm>
+            <a:off x="7764073" y="1911889"/>
+            <a:ext cx="3848100" cy="1952625"/>
           </a:xfrm>
           <a:prstGeom prst="rect">
             <a:avLst/>
           </a:prstGeom>
-        </p:spPr>
-        <p:txBody>
-          <a:bodyPr>
-            <a:spAutoFit/>
-          </a:bodyPr>
-          <a:lstStyle/>
-          <a:p>
-            <a:r>
-              <a:rPr lang="en-US" altLang="en-US" dirty="0">
-                <a:latin typeface="Courier" charset="0"/>
-                <a:ea typeface="Courier" charset="0"/>
-                <a:cs typeface="Courier" charset="0"/>
-                <a:sym typeface="Courier" charset="0"/>
-              </a:rPr>
-              <a:t>Teacher: Lily </a:t>
-            </a:r>
-            <a:r>
-              <a:rPr lang="en-US" altLang="en-US" dirty="0" err="1">
-                <a:latin typeface="Courier" charset="0"/>
-                <a:ea typeface="Courier" charset="0"/>
-                <a:cs typeface="Courier" charset="0"/>
-                <a:sym typeface="Courier" charset="0"/>
-              </a:rPr>
-              <a:t>Tuckrige</a:t>
-            </a:r>
-            <a:endParaRPr lang="en-US" altLang="en-US" dirty="0">
-              <a:latin typeface="Courier" charset="0"/>
-              <a:sym typeface="Courier" charset="0"/>
-            </a:endParaRPr>
-          </a:p>
-          <a:p>
-            <a:endParaRPr lang="en-US" altLang="en-US" dirty="0">
-              <a:latin typeface="Courier" charset="0"/>
-              <a:sym typeface="Courier" charset="0"/>
-            </a:endParaRPr>
-          </a:p>
-          <a:p>
-            <a:r>
-              <a:rPr lang="en-US" altLang="en-US" dirty="0">
-                <a:latin typeface="Courier" charset="0"/>
-                <a:ea typeface="Courier" charset="0"/>
-                <a:cs typeface="Courier" charset="0"/>
-                <a:sym typeface="Courier" charset="0"/>
-              </a:rPr>
-              <a:t>Students:</a:t>
-            </a:r>
-            <a:endParaRPr lang="en-US" altLang="en-US" dirty="0">
-              <a:latin typeface="Courier" charset="0"/>
-              <a:sym typeface="Courier" charset="0"/>
-            </a:endParaRPr>
-          </a:p>
-          <a:p>
-            <a:r>
-              <a:rPr lang="en-US" altLang="en-US" dirty="0">
-                <a:latin typeface="Courier" charset="0"/>
-                <a:sym typeface="Courier" charset="0"/>
-              </a:rPr>
-              <a:t>	</a:t>
-            </a:r>
-            <a:r>
-              <a:rPr lang="en-US" altLang="en-US" dirty="0">
-                <a:latin typeface="Courier" charset="0"/>
-                <a:ea typeface="Courier" charset="0"/>
-                <a:cs typeface="Courier" charset="0"/>
-                <a:sym typeface="Courier" charset="0"/>
-              </a:rPr>
-              <a:t>Amy Smith</a:t>
-            </a:r>
-            <a:endParaRPr lang="en-US" altLang="en-US" dirty="0">
-              <a:latin typeface="Courier" charset="0"/>
-              <a:sym typeface="Courier" charset="0"/>
-            </a:endParaRPr>
-          </a:p>
-          <a:p>
-            <a:r>
-              <a:rPr lang="en-US" altLang="en-US" dirty="0">
-                <a:latin typeface="Courier" charset="0"/>
-                <a:sym typeface="Courier" charset="0"/>
-              </a:rPr>
-              <a:t>	</a:t>
-            </a:r>
-            <a:r>
-              <a:rPr lang="en-US" altLang="en-US" dirty="0">
-                <a:latin typeface="Courier" charset="0"/>
-                <a:ea typeface="Courier" charset="0"/>
-                <a:cs typeface="Courier" charset="0"/>
-                <a:sym typeface="Courier" charset="0"/>
-              </a:rPr>
-              <a:t>Burt </a:t>
-            </a:r>
-            <a:r>
-              <a:rPr lang="en-US" altLang="en-US" dirty="0" err="1">
-                <a:latin typeface="Courier" charset="0"/>
-                <a:ea typeface="Courier" charset="0"/>
-                <a:cs typeface="Courier" charset="0"/>
-                <a:sym typeface="Courier" charset="0"/>
-              </a:rPr>
-              <a:t>Greedom</a:t>
-            </a:r>
-            <a:endParaRPr lang="en-US" altLang="en-US" dirty="0">
-              <a:latin typeface="Courier" charset="0"/>
-              <a:sym typeface="Courier" charset="0"/>
-            </a:endParaRPr>
-          </a:p>
-          <a:p>
-            <a:r>
-              <a:rPr lang="en-US" altLang="en-US" dirty="0">
-                <a:latin typeface="Courier" charset="0"/>
-                <a:sym typeface="Courier" charset="0"/>
-              </a:rPr>
-              <a:t>	</a:t>
-            </a:r>
-            <a:r>
-              <a:rPr lang="en-US" altLang="en-US" dirty="0">
-                <a:latin typeface="Courier" charset="0"/>
-                <a:ea typeface="Courier" charset="0"/>
-                <a:cs typeface="Courier" charset="0"/>
-                <a:sym typeface="Courier" charset="0"/>
-              </a:rPr>
-              <a:t>Tuck Gorge</a:t>
-            </a:r>
-            <a:endParaRPr lang="en-US" altLang="en-US" dirty="0">
-              <a:latin typeface="Courier" charset="0"/>
-              <a:sym typeface="Courier" charset="0"/>
-            </a:endParaRPr>
-          </a:p>
-          <a:p>
-            <a:r>
-              <a:rPr lang="en-US" altLang="en-US" dirty="0">
-                <a:latin typeface="Courier" charset="0"/>
-                <a:sym typeface="Courier" charset="0"/>
-              </a:rPr>
-              <a:t>	</a:t>
-            </a:r>
-            <a:r>
-              <a:rPr lang="en-US" altLang="en-US" dirty="0">
-                <a:latin typeface="Courier" charset="0"/>
-                <a:ea typeface="Courier" charset="0"/>
-                <a:cs typeface="Courier" charset="0"/>
-                <a:sym typeface="Courier" charset="0"/>
-              </a:rPr>
-              <a:t>Ava Book</a:t>
-            </a:r>
-            <a:endParaRPr lang="en-US" altLang="en-US" dirty="0">
-              <a:latin typeface="Courier" charset="0"/>
-              <a:sym typeface="Courier" charset="0"/>
-            </a:endParaRPr>
-          </a:p>
-          <a:p>
-            <a:r>
-              <a:rPr lang="en-US" altLang="en-US" dirty="0">
-                <a:latin typeface="Courier" charset="0"/>
-                <a:sym typeface="Courier" charset="0"/>
-              </a:rPr>
-              <a:t>	</a:t>
-            </a:r>
-            <a:r>
-              <a:rPr lang="en-US" altLang="en-US" b="1" dirty="0">
+          <a:noFill/>
+          <a:extLst>
+            <a:ext uri="{909E8E84-426E-40DD-AFC4-6F175D3DCCD1}">
+              <a14:hiddenFill xmlns:a14="http://schemas.microsoft.com/office/drawing/2010/main">
                 <a:solidFill>
-                  <a:srgbClr val="FF0000"/>
+                  <a:srgbClr val="FFFFFF"/>
                 </a:solidFill>
-                <a:latin typeface="Courier" charset="0"/>
-                <a:ea typeface="Courier" charset="0"/>
-                <a:cs typeface="Courier" charset="0"/>
-                <a:sym typeface="Courier" charset="0"/>
-              </a:rPr>
-              <a:t>Johnny Coach</a:t>
-            </a:r>
-            <a:endParaRPr lang="en-US" altLang="en-US" b="1" dirty="0">
-              <a:solidFill>
-                <a:srgbClr val="FF0000"/>
-              </a:solidFill>
-              <a:latin typeface="Courier" charset="0"/>
-              <a:sym typeface="Courier" charset="0"/>
-            </a:endParaRPr>
-          </a:p>
-          <a:p>
-            <a:r>
-              <a:rPr lang="en-US" altLang="en-US" dirty="0">
-                <a:latin typeface="Courier" charset="0"/>
-                <a:sym typeface="Courier" charset="0"/>
-              </a:rPr>
-              <a:t>	</a:t>
-            </a:r>
-            <a:r>
-              <a:rPr lang="en-US" altLang="en-US" dirty="0">
-                <a:latin typeface="Courier" charset="0"/>
-                <a:ea typeface="Courier" charset="0"/>
-                <a:cs typeface="Courier" charset="0"/>
-                <a:sym typeface="Courier" charset="0"/>
-              </a:rPr>
-              <a:t>Jeremy </a:t>
-            </a:r>
-            <a:r>
-              <a:rPr lang="en-US" altLang="en-US" dirty="0" err="1">
-                <a:latin typeface="Courier" charset="0"/>
-                <a:ea typeface="Courier" charset="0"/>
-                <a:cs typeface="Courier" charset="0"/>
-                <a:sym typeface="Courier" charset="0"/>
-              </a:rPr>
-              <a:t>Ledvkin</a:t>
-            </a:r>
-            <a:endParaRPr lang="en-US" altLang="en-US" dirty="0">
-              <a:latin typeface="Courier" charset="0"/>
-              <a:sym typeface="Courier" charset="0"/>
-            </a:endParaRPr>
-          </a:p>
-          <a:p>
-            <a:r>
-              <a:rPr lang="en-US" altLang="en-US" dirty="0">
-                <a:latin typeface="Courier" charset="0"/>
-                <a:sym typeface="Courier" charset="0"/>
-              </a:rPr>
-              <a:t>	</a:t>
-            </a:r>
-            <a:r>
-              <a:rPr lang="en-US" altLang="en-US" dirty="0">
-                <a:latin typeface="Courier" charset="0"/>
-                <a:ea typeface="Courier" charset="0"/>
-                <a:cs typeface="Courier" charset="0"/>
-                <a:sym typeface="Courier" charset="0"/>
-              </a:rPr>
-              <a:t>Nancy </a:t>
-            </a:r>
-            <a:r>
-              <a:rPr lang="en-US" altLang="en-US" dirty="0" err="1">
-                <a:latin typeface="Courier" charset="0"/>
-                <a:ea typeface="Courier" charset="0"/>
-                <a:cs typeface="Courier" charset="0"/>
-                <a:sym typeface="Courier" charset="0"/>
-              </a:rPr>
-              <a:t>Colburne</a:t>
-            </a:r>
-            <a:endParaRPr lang="en-US" altLang="en-US" dirty="0">
-              <a:latin typeface="Courier" charset="0"/>
-              <a:sym typeface="Courier" charset="0"/>
-            </a:endParaRPr>
-          </a:p>
-          <a:p>
-            <a:r>
-              <a:rPr lang="en-US" altLang="en-US" dirty="0">
-                <a:latin typeface="Courier" charset="0"/>
-                <a:sym typeface="Courier" charset="0"/>
-              </a:rPr>
-              <a:t>	</a:t>
-            </a:r>
-            <a:r>
-              <a:rPr lang="en-US" altLang="en-US" dirty="0">
-                <a:latin typeface="Courier" charset="0"/>
-                <a:ea typeface="Courier" charset="0"/>
-                <a:cs typeface="Courier" charset="0"/>
-                <a:sym typeface="Courier" charset="0"/>
-              </a:rPr>
-              <a:t>Tamara Perkins</a:t>
-            </a:r>
-            <a:endParaRPr lang="en-US" altLang="en-US" dirty="0">
-              <a:latin typeface="Courier" charset="0"/>
-              <a:sym typeface="Courier" charset="0"/>
-            </a:endParaRPr>
-          </a:p>
-          <a:p>
-            <a:r>
-              <a:rPr lang="en-US" altLang="en-US" dirty="0">
-                <a:latin typeface="Courier" charset="0"/>
-                <a:sym typeface="Courier" charset="0"/>
-              </a:rPr>
-              <a:t>	</a:t>
-            </a:r>
-            <a:r>
-              <a:rPr lang="en-US" altLang="en-US" dirty="0">
-                <a:latin typeface="Courier" charset="0"/>
-                <a:ea typeface="Courier" charset="0"/>
-                <a:cs typeface="Courier" charset="0"/>
-                <a:sym typeface="Courier" charset="0"/>
-              </a:rPr>
-              <a:t>Esther Pringle</a:t>
-            </a:r>
-            <a:endParaRPr lang="en-US" altLang="en-US" dirty="0">
-              <a:latin typeface="Courier" charset="0"/>
-              <a:sym typeface="Courier" charset="0"/>
-            </a:endParaRPr>
-          </a:p>
-          <a:p>
-            <a:r>
-              <a:rPr lang="en-US" altLang="en-US" dirty="0">
-                <a:latin typeface="Courier" charset="0"/>
-                <a:sym typeface="Courier" charset="0"/>
-              </a:rPr>
-              <a:t>	</a:t>
-            </a:r>
-            <a:r>
-              <a:rPr lang="en-US" altLang="en-US" dirty="0" err="1">
-                <a:latin typeface="Courier" charset="0"/>
-                <a:ea typeface="Courier" charset="0"/>
-                <a:cs typeface="Courier" charset="0"/>
-                <a:sym typeface="Courier" charset="0"/>
-              </a:rPr>
-              <a:t>Asar</a:t>
-            </a:r>
-            <a:r>
-              <a:rPr lang="en-US" altLang="en-US" dirty="0">
-                <a:latin typeface="Courier" charset="0"/>
-                <a:ea typeface="Courier" charset="0"/>
-                <a:cs typeface="Courier" charset="0"/>
-                <a:sym typeface="Courier" charset="0"/>
-              </a:rPr>
-              <a:t> </a:t>
-            </a:r>
-            <a:r>
-              <a:rPr lang="en-US" altLang="en-US" dirty="0" err="1">
-                <a:latin typeface="Courier" charset="0"/>
-                <a:ea typeface="Courier" charset="0"/>
-                <a:cs typeface="Courier" charset="0"/>
-                <a:sym typeface="Courier" charset="0"/>
-              </a:rPr>
-              <a:t>Misrad</a:t>
-            </a:r>
-            <a:endParaRPr lang="en-US" altLang="en-US" dirty="0">
-              <a:latin typeface="Courier" charset="0"/>
-              <a:sym typeface="Courier" charset="0"/>
-            </a:endParaRPr>
-          </a:p>
-          <a:p>
-            <a:r>
-              <a:rPr lang="en-US" altLang="en-US" dirty="0">
-                <a:latin typeface="Courier" charset="0"/>
-                <a:sym typeface="Courier" charset="0"/>
-              </a:rPr>
-              <a:t>	</a:t>
-            </a:r>
-            <a:r>
-              <a:rPr lang="en-US" altLang="en-US" dirty="0">
-                <a:latin typeface="Courier" charset="0"/>
-                <a:ea typeface="Courier" charset="0"/>
-                <a:cs typeface="Courier" charset="0"/>
-                <a:sym typeface="Courier" charset="0"/>
-              </a:rPr>
-              <a:t>Jenny Kant</a:t>
-            </a:r>
-            <a:endParaRPr lang="en-US" altLang="en-US" dirty="0">
-              <a:latin typeface="Courier" charset="0"/>
-              <a:sym typeface="Courier" charset="0"/>
-            </a:endParaRPr>
-          </a:p>
-        </p:txBody>
-      </p:sp>
+              </a14:hiddenFill>
+            </a:ext>
+          </a:extLst>
+        </p:spPr>
+      </p:pic>
     </p:spTree>
     <p:extLst>
       <p:ext uri="{BB962C8B-B14F-4D97-AF65-F5344CB8AC3E}">
-        <p14:creationId xmlns:p14="http://schemas.microsoft.com/office/powerpoint/2010/main" val="2633738032"/>
+        <p14:creationId xmlns:p14="http://schemas.microsoft.com/office/powerpoint/2010/main" val="3188052659"/>
       </p:ext>
     </p:extLst>
   </p:cSld>
@@ -12115,6 +12019,722 @@
       </p:grpSpPr>
       <p:sp>
         <p:nvSpPr>
+          <p:cNvPr id="3" name="Title 2"/>
+          <p:cNvSpPr>
+            <a:spLocks noGrp="1"/>
+          </p:cNvSpPr>
+          <p:nvPr>
+            <p:ph type="title"/>
+          </p:nvPr>
+        </p:nvSpPr>
+        <p:spPr/>
+        <p:txBody>
+          <a:bodyPr/>
+          <a:lstStyle/>
+          <a:p>
+            <a:r>
+              <a:rPr lang="en-US" dirty="0"/>
+              <a:t>Purpose of Cookies</a:t>
+            </a:r>
+          </a:p>
+        </p:txBody>
+      </p:sp>
+      <p:sp>
+        <p:nvSpPr>
+          <p:cNvPr id="4" name="Content Placeholder 3"/>
+          <p:cNvSpPr>
+            <a:spLocks noGrp="1"/>
+          </p:cNvSpPr>
+          <p:nvPr>
+            <p:ph idx="1"/>
+          </p:nvPr>
+        </p:nvSpPr>
+        <p:spPr>
+          <a:xfrm>
+            <a:off x="838200" y="1825625"/>
+            <a:ext cx="9841302" cy="3031047"/>
+          </a:xfrm>
+        </p:spPr>
+        <p:txBody>
+          <a:bodyPr>
+            <a:normAutofit/>
+          </a:bodyPr>
+          <a:lstStyle/>
+          <a:p>
+            <a:r>
+              <a:rPr lang="en-US" dirty="0"/>
+              <a:t>Session management</a:t>
+            </a:r>
+          </a:p>
+          <a:p>
+            <a:pPr lvl="1"/>
+            <a:r>
+              <a:rPr lang="en-US" dirty="0"/>
+              <a:t>Logins, shopping carts, game scores, or anything else the server should remember</a:t>
+            </a:r>
+          </a:p>
+          <a:p>
+            <a:r>
+              <a:rPr lang="en-US" dirty="0"/>
+              <a:t>Personalization</a:t>
+            </a:r>
+          </a:p>
+          <a:p>
+            <a:pPr lvl="1"/>
+            <a:r>
+              <a:rPr lang="en-US" dirty="0"/>
+              <a:t>User preferences, themes, and other settings</a:t>
+            </a:r>
+          </a:p>
+          <a:p>
+            <a:r>
+              <a:rPr lang="en-US" dirty="0"/>
+              <a:t>Tracking</a:t>
+            </a:r>
+          </a:p>
+          <a:p>
+            <a:pPr lvl="1"/>
+            <a:r>
+              <a:rPr lang="en-US" dirty="0"/>
+              <a:t>Recording and analyzing user behavior</a:t>
+            </a:r>
+          </a:p>
+          <a:p>
+            <a:pPr lvl="1"/>
+            <a:endParaRPr lang="en-US" dirty="0"/>
+          </a:p>
+        </p:txBody>
+      </p:sp>
+      <p:sp>
+        <p:nvSpPr>
+          <p:cNvPr id="2" name="TextBox 1"/>
+          <p:cNvSpPr txBox="1"/>
+          <p:nvPr/>
+        </p:nvSpPr>
+        <p:spPr>
+          <a:xfrm>
+            <a:off x="838200" y="4991609"/>
+            <a:ext cx="9427774" cy="584775"/>
+          </a:xfrm>
+          <a:prstGeom prst="rect">
+            <a:avLst/>
+          </a:prstGeom>
+          <a:noFill/>
+        </p:spPr>
+        <p:txBody>
+          <a:bodyPr wrap="none" rtlCol="0">
+            <a:spAutoFit/>
+          </a:bodyPr>
+          <a:lstStyle/>
+          <a:p>
+            <a:r>
+              <a:rPr lang="en-US" sz="3200" dirty="0">
+                <a:solidFill>
+                  <a:srgbClr val="FF0000"/>
+                </a:solidFill>
+              </a:rPr>
+              <a:t>We may be able to find suspects’ profiles from Cookies!</a:t>
+            </a:r>
+          </a:p>
+        </p:txBody>
+      </p:sp>
+    </p:spTree>
+    <p:extLst>
+      <p:ext uri="{BB962C8B-B14F-4D97-AF65-F5344CB8AC3E}">
+        <p14:creationId xmlns:p14="http://schemas.microsoft.com/office/powerpoint/2010/main" val="1365671705"/>
+      </p:ext>
+    </p:extLst>
+  </p:cSld>
+  <p:clrMapOvr>
+    <a:masterClrMapping/>
+  </p:clrMapOvr>
+</p:sld>
+</file>
+
+<file path=ppt/slides/slide33.xml><?xml version="1.0" encoding="utf-8"?>
+<p:sld xmlns:a="http://schemas.openxmlformats.org/drawingml/2006/main" xmlns:r="http://schemas.openxmlformats.org/officeDocument/2006/relationships" xmlns:p="http://schemas.openxmlformats.org/presentationml/2006/main">
+  <p:cSld>
+    <p:spTree>
+      <p:nvGrpSpPr>
+        <p:cNvPr id="1" name=""/>
+        <p:cNvGrpSpPr/>
+        <p:nvPr/>
+      </p:nvGrpSpPr>
+      <p:grpSpPr>
+        <a:xfrm>
+          <a:off x="0" y="0"/>
+          <a:ext cx="0" cy="0"/>
+          <a:chOff x="0" y="0"/>
+          <a:chExt cx="0" cy="0"/>
+        </a:xfrm>
+      </p:grpSpPr>
+      <p:pic>
+        <p:nvPicPr>
+          <p:cNvPr id="2" name="Picture 1"/>
+          <p:cNvPicPr>
+            <a:picLocks noChangeAspect="1"/>
+          </p:cNvPicPr>
+          <p:nvPr/>
+        </p:nvPicPr>
+        <p:blipFill>
+          <a:blip r:embed="rId3"/>
+          <a:stretch>
+            <a:fillRect/>
+          </a:stretch>
+        </p:blipFill>
+        <p:spPr>
+          <a:xfrm>
+            <a:off x="931706" y="1808661"/>
+            <a:ext cx="9465779" cy="3876145"/>
+          </a:xfrm>
+          <a:prstGeom prst="rect">
+            <a:avLst/>
+          </a:prstGeom>
+        </p:spPr>
+      </p:pic>
+      <p:sp>
+        <p:nvSpPr>
+          <p:cNvPr id="4" name="TextBox 3"/>
+          <p:cNvSpPr txBox="1"/>
+          <p:nvPr/>
+        </p:nvSpPr>
+        <p:spPr>
+          <a:xfrm>
+            <a:off x="931706" y="1439329"/>
+            <a:ext cx="4301755" cy="369332"/>
+          </a:xfrm>
+          <a:prstGeom prst="rect">
+            <a:avLst/>
+          </a:prstGeom>
+          <a:solidFill>
+            <a:srgbClr val="FFC000"/>
+          </a:solidFill>
+        </p:spPr>
+        <p:txBody>
+          <a:bodyPr wrap="none" rtlCol="0">
+            <a:spAutoFit/>
+          </a:bodyPr>
+          <a:lstStyle/>
+          <a:p>
+            <a:r>
+              <a:rPr lang="en-US" dirty="0"/>
+              <a:t>Narrow down the search result using cookie</a:t>
+            </a:r>
+          </a:p>
+        </p:txBody>
+      </p:sp>
+      <p:sp>
+        <p:nvSpPr>
+          <p:cNvPr id="5" name="TextBox 4"/>
+          <p:cNvSpPr txBox="1"/>
+          <p:nvPr/>
+        </p:nvSpPr>
+        <p:spPr>
+          <a:xfrm>
+            <a:off x="4646569" y="1932317"/>
+            <a:ext cx="4366132" cy="369332"/>
+          </a:xfrm>
+          <a:prstGeom prst="rect">
+            <a:avLst/>
+          </a:prstGeom>
+          <a:solidFill>
+            <a:schemeClr val="accent4">
+              <a:lumMod val="20000"/>
+              <a:lumOff val="80000"/>
+            </a:schemeClr>
+          </a:solidFill>
+        </p:spPr>
+        <p:txBody>
+          <a:bodyPr wrap="none" rtlCol="0">
+            <a:spAutoFit/>
+          </a:bodyPr>
+          <a:lstStyle/>
+          <a:p>
+            <a:r>
+              <a:rPr lang="en-US" dirty="0"/>
+              <a:t>@ hopefully cookies have email information.</a:t>
+            </a:r>
+          </a:p>
+        </p:txBody>
+      </p:sp>
+      <p:sp>
+        <p:nvSpPr>
+          <p:cNvPr id="6" name="Rectangle 5"/>
+          <p:cNvSpPr/>
+          <p:nvPr/>
+        </p:nvSpPr>
+        <p:spPr>
+          <a:xfrm>
+            <a:off x="7832314" y="3808561"/>
+            <a:ext cx="2360774" cy="369332"/>
+          </a:xfrm>
+          <a:prstGeom prst="rect">
+            <a:avLst/>
+          </a:prstGeom>
+          <a:solidFill>
+            <a:schemeClr val="accent4">
+              <a:lumMod val="20000"/>
+              <a:lumOff val="80000"/>
+            </a:schemeClr>
+          </a:solidFill>
+        </p:spPr>
+        <p:txBody>
+          <a:bodyPr wrap="none">
+            <a:spAutoFit/>
+          </a:bodyPr>
+          <a:lstStyle/>
+          <a:p>
+            <a:r>
+              <a:rPr lang="en-US" dirty="0"/>
+              <a:t>(149 matching packets)</a:t>
+            </a:r>
+          </a:p>
+        </p:txBody>
+      </p:sp>
+    </p:spTree>
+    <p:extLst>
+      <p:ext uri="{BB962C8B-B14F-4D97-AF65-F5344CB8AC3E}">
+        <p14:creationId xmlns:p14="http://schemas.microsoft.com/office/powerpoint/2010/main" val="2318095553"/>
+      </p:ext>
+    </p:extLst>
+  </p:cSld>
+  <p:clrMapOvr>
+    <a:masterClrMapping/>
+  </p:clrMapOvr>
+</p:sld>
+</file>
+
+<file path=ppt/slides/slide34.xml><?xml version="1.0" encoding="utf-8"?>
+<p:sld xmlns:a="http://schemas.openxmlformats.org/drawingml/2006/main" xmlns:r="http://schemas.openxmlformats.org/officeDocument/2006/relationships" xmlns:p="http://schemas.openxmlformats.org/presentationml/2006/main">
+  <p:cSld>
+    <p:spTree>
+      <p:nvGrpSpPr>
+        <p:cNvPr id="1" name=""/>
+        <p:cNvGrpSpPr/>
+        <p:nvPr/>
+      </p:nvGrpSpPr>
+      <p:grpSpPr>
+        <a:xfrm>
+          <a:off x="0" y="0"/>
+          <a:ext cx="0" cy="0"/>
+          <a:chOff x="0" y="0"/>
+          <a:chExt cx="0" cy="0"/>
+        </a:xfrm>
+      </p:grpSpPr>
+      <p:sp>
+        <p:nvSpPr>
+          <p:cNvPr id="2" name="Title 1"/>
+          <p:cNvSpPr>
+            <a:spLocks noGrp="1"/>
+          </p:cNvSpPr>
+          <p:nvPr>
+            <p:ph type="title"/>
+          </p:nvPr>
+        </p:nvSpPr>
+        <p:spPr/>
+        <p:txBody>
+          <a:bodyPr/>
+          <a:lstStyle/>
+          <a:p>
+            <a:r>
+              <a:rPr lang="en-US" dirty="0"/>
+              <a:t>Is the suspect in faculty’s class?</a:t>
+            </a:r>
+          </a:p>
+        </p:txBody>
+      </p:sp>
+      <p:sp>
+        <p:nvSpPr>
+          <p:cNvPr id="5" name="Rectangle 4"/>
+          <p:cNvSpPr/>
+          <p:nvPr/>
+        </p:nvSpPr>
+        <p:spPr>
+          <a:xfrm>
+            <a:off x="934528" y="1754392"/>
+            <a:ext cx="6096000" cy="3970318"/>
+          </a:xfrm>
+          <a:prstGeom prst="rect">
+            <a:avLst/>
+          </a:prstGeom>
+        </p:spPr>
+        <p:txBody>
+          <a:bodyPr>
+            <a:spAutoFit/>
+          </a:bodyPr>
+          <a:lstStyle/>
+          <a:p>
+            <a:r>
+              <a:rPr lang="en-US" altLang="en-US" dirty="0">
+                <a:latin typeface="Courier" charset="0"/>
+                <a:ea typeface="Courier" charset="0"/>
+                <a:cs typeface="Courier" charset="0"/>
+                <a:sym typeface="Courier" charset="0"/>
+              </a:rPr>
+              <a:t>Teacher: Lily </a:t>
+            </a:r>
+            <a:r>
+              <a:rPr lang="en-US" altLang="en-US" dirty="0" err="1">
+                <a:latin typeface="Courier" charset="0"/>
+                <a:ea typeface="Courier" charset="0"/>
+                <a:cs typeface="Courier" charset="0"/>
+                <a:sym typeface="Courier" charset="0"/>
+              </a:rPr>
+              <a:t>Tuckrige</a:t>
+            </a:r>
+            <a:endParaRPr lang="en-US" altLang="en-US" dirty="0">
+              <a:latin typeface="Courier" charset="0"/>
+              <a:sym typeface="Courier" charset="0"/>
+            </a:endParaRPr>
+          </a:p>
+          <a:p>
+            <a:endParaRPr lang="en-US" altLang="en-US" dirty="0">
+              <a:latin typeface="Courier" charset="0"/>
+              <a:sym typeface="Courier" charset="0"/>
+            </a:endParaRPr>
+          </a:p>
+          <a:p>
+            <a:r>
+              <a:rPr lang="en-US" altLang="en-US" dirty="0">
+                <a:latin typeface="Courier" charset="0"/>
+                <a:ea typeface="Courier" charset="0"/>
+                <a:cs typeface="Courier" charset="0"/>
+                <a:sym typeface="Courier" charset="0"/>
+              </a:rPr>
+              <a:t>Students:</a:t>
+            </a:r>
+            <a:endParaRPr lang="en-US" altLang="en-US" dirty="0">
+              <a:latin typeface="Courier" charset="0"/>
+              <a:sym typeface="Courier" charset="0"/>
+            </a:endParaRPr>
+          </a:p>
+          <a:p>
+            <a:r>
+              <a:rPr lang="en-US" altLang="en-US" dirty="0">
+                <a:latin typeface="Courier" charset="0"/>
+                <a:sym typeface="Courier" charset="0"/>
+              </a:rPr>
+              <a:t>	</a:t>
+            </a:r>
+            <a:r>
+              <a:rPr lang="en-US" altLang="en-US" dirty="0">
+                <a:latin typeface="Courier" charset="0"/>
+                <a:ea typeface="Courier" charset="0"/>
+                <a:cs typeface="Courier" charset="0"/>
+                <a:sym typeface="Courier" charset="0"/>
+              </a:rPr>
+              <a:t>Amy Smith</a:t>
+            </a:r>
+            <a:endParaRPr lang="en-US" altLang="en-US" dirty="0">
+              <a:latin typeface="Courier" charset="0"/>
+              <a:sym typeface="Courier" charset="0"/>
+            </a:endParaRPr>
+          </a:p>
+          <a:p>
+            <a:r>
+              <a:rPr lang="en-US" altLang="en-US" dirty="0">
+                <a:latin typeface="Courier" charset="0"/>
+                <a:sym typeface="Courier" charset="0"/>
+              </a:rPr>
+              <a:t>	</a:t>
+            </a:r>
+            <a:r>
+              <a:rPr lang="en-US" altLang="en-US" dirty="0">
+                <a:latin typeface="Courier" charset="0"/>
+                <a:ea typeface="Courier" charset="0"/>
+                <a:cs typeface="Courier" charset="0"/>
+                <a:sym typeface="Courier" charset="0"/>
+              </a:rPr>
+              <a:t>Burt </a:t>
+            </a:r>
+            <a:r>
+              <a:rPr lang="en-US" altLang="en-US" dirty="0" err="1">
+                <a:latin typeface="Courier" charset="0"/>
+                <a:ea typeface="Courier" charset="0"/>
+                <a:cs typeface="Courier" charset="0"/>
+                <a:sym typeface="Courier" charset="0"/>
+              </a:rPr>
+              <a:t>Greedom</a:t>
+            </a:r>
+            <a:endParaRPr lang="en-US" altLang="en-US" dirty="0">
+              <a:latin typeface="Courier" charset="0"/>
+              <a:sym typeface="Courier" charset="0"/>
+            </a:endParaRPr>
+          </a:p>
+          <a:p>
+            <a:r>
+              <a:rPr lang="en-US" altLang="en-US" dirty="0">
+                <a:latin typeface="Courier" charset="0"/>
+                <a:sym typeface="Courier" charset="0"/>
+              </a:rPr>
+              <a:t>	</a:t>
+            </a:r>
+            <a:r>
+              <a:rPr lang="en-US" altLang="en-US" dirty="0">
+                <a:latin typeface="Courier" charset="0"/>
+                <a:ea typeface="Courier" charset="0"/>
+                <a:cs typeface="Courier" charset="0"/>
+                <a:sym typeface="Courier" charset="0"/>
+              </a:rPr>
+              <a:t>Tuck Gorge</a:t>
+            </a:r>
+            <a:endParaRPr lang="en-US" altLang="en-US" dirty="0">
+              <a:latin typeface="Courier" charset="0"/>
+              <a:sym typeface="Courier" charset="0"/>
+            </a:endParaRPr>
+          </a:p>
+          <a:p>
+            <a:r>
+              <a:rPr lang="en-US" altLang="en-US" dirty="0">
+                <a:latin typeface="Courier" charset="0"/>
+                <a:sym typeface="Courier" charset="0"/>
+              </a:rPr>
+              <a:t>	</a:t>
+            </a:r>
+            <a:r>
+              <a:rPr lang="en-US" altLang="en-US" dirty="0">
+                <a:latin typeface="Courier" charset="0"/>
+                <a:ea typeface="Courier" charset="0"/>
+                <a:cs typeface="Courier" charset="0"/>
+                <a:sym typeface="Courier" charset="0"/>
+              </a:rPr>
+              <a:t>Ava Book</a:t>
+            </a:r>
+            <a:endParaRPr lang="en-US" altLang="en-US" dirty="0">
+              <a:latin typeface="Courier" charset="0"/>
+              <a:sym typeface="Courier" charset="0"/>
+            </a:endParaRPr>
+          </a:p>
+          <a:p>
+            <a:r>
+              <a:rPr lang="en-US" altLang="en-US" dirty="0">
+                <a:latin typeface="Courier" charset="0"/>
+                <a:sym typeface="Courier" charset="0"/>
+              </a:rPr>
+              <a:t>	</a:t>
+            </a:r>
+            <a:r>
+              <a:rPr lang="en-US" altLang="en-US" b="1" dirty="0">
+                <a:solidFill>
+                  <a:srgbClr val="FF0000"/>
+                </a:solidFill>
+                <a:latin typeface="Courier" charset="0"/>
+                <a:ea typeface="Courier" charset="0"/>
+                <a:cs typeface="Courier" charset="0"/>
+                <a:sym typeface="Courier" charset="0"/>
+              </a:rPr>
+              <a:t>Johnny Coach</a:t>
+            </a:r>
+            <a:endParaRPr lang="en-US" altLang="en-US" b="1" dirty="0">
+              <a:solidFill>
+                <a:srgbClr val="FF0000"/>
+              </a:solidFill>
+              <a:latin typeface="Courier" charset="0"/>
+              <a:sym typeface="Courier" charset="0"/>
+            </a:endParaRPr>
+          </a:p>
+          <a:p>
+            <a:r>
+              <a:rPr lang="en-US" altLang="en-US" dirty="0">
+                <a:latin typeface="Courier" charset="0"/>
+                <a:sym typeface="Courier" charset="0"/>
+              </a:rPr>
+              <a:t>	</a:t>
+            </a:r>
+            <a:r>
+              <a:rPr lang="en-US" altLang="en-US" dirty="0">
+                <a:latin typeface="Courier" charset="0"/>
+                <a:ea typeface="Courier" charset="0"/>
+                <a:cs typeface="Courier" charset="0"/>
+                <a:sym typeface="Courier" charset="0"/>
+              </a:rPr>
+              <a:t>Jeremy </a:t>
+            </a:r>
+            <a:r>
+              <a:rPr lang="en-US" altLang="en-US" dirty="0" err="1">
+                <a:latin typeface="Courier" charset="0"/>
+                <a:ea typeface="Courier" charset="0"/>
+                <a:cs typeface="Courier" charset="0"/>
+                <a:sym typeface="Courier" charset="0"/>
+              </a:rPr>
+              <a:t>Ledvkin</a:t>
+            </a:r>
+            <a:endParaRPr lang="en-US" altLang="en-US" dirty="0">
+              <a:latin typeface="Courier" charset="0"/>
+              <a:sym typeface="Courier" charset="0"/>
+            </a:endParaRPr>
+          </a:p>
+          <a:p>
+            <a:r>
+              <a:rPr lang="en-US" altLang="en-US" dirty="0">
+                <a:latin typeface="Courier" charset="0"/>
+                <a:sym typeface="Courier" charset="0"/>
+              </a:rPr>
+              <a:t>	</a:t>
+            </a:r>
+            <a:r>
+              <a:rPr lang="en-US" altLang="en-US" dirty="0">
+                <a:latin typeface="Courier" charset="0"/>
+                <a:ea typeface="Courier" charset="0"/>
+                <a:cs typeface="Courier" charset="0"/>
+                <a:sym typeface="Courier" charset="0"/>
+              </a:rPr>
+              <a:t>Nancy </a:t>
+            </a:r>
+            <a:r>
+              <a:rPr lang="en-US" altLang="en-US" dirty="0" err="1">
+                <a:latin typeface="Courier" charset="0"/>
+                <a:ea typeface="Courier" charset="0"/>
+                <a:cs typeface="Courier" charset="0"/>
+                <a:sym typeface="Courier" charset="0"/>
+              </a:rPr>
+              <a:t>Colburne</a:t>
+            </a:r>
+            <a:endParaRPr lang="en-US" altLang="en-US" dirty="0">
+              <a:latin typeface="Courier" charset="0"/>
+              <a:sym typeface="Courier" charset="0"/>
+            </a:endParaRPr>
+          </a:p>
+          <a:p>
+            <a:r>
+              <a:rPr lang="en-US" altLang="en-US" dirty="0">
+                <a:latin typeface="Courier" charset="0"/>
+                <a:sym typeface="Courier" charset="0"/>
+              </a:rPr>
+              <a:t>	</a:t>
+            </a:r>
+            <a:r>
+              <a:rPr lang="en-US" altLang="en-US" dirty="0">
+                <a:latin typeface="Courier" charset="0"/>
+                <a:ea typeface="Courier" charset="0"/>
+                <a:cs typeface="Courier" charset="0"/>
+                <a:sym typeface="Courier" charset="0"/>
+              </a:rPr>
+              <a:t>Tamara Perkins</a:t>
+            </a:r>
+            <a:endParaRPr lang="en-US" altLang="en-US" dirty="0">
+              <a:latin typeface="Courier" charset="0"/>
+              <a:sym typeface="Courier" charset="0"/>
+            </a:endParaRPr>
+          </a:p>
+          <a:p>
+            <a:r>
+              <a:rPr lang="en-US" altLang="en-US" dirty="0">
+                <a:latin typeface="Courier" charset="0"/>
+                <a:sym typeface="Courier" charset="0"/>
+              </a:rPr>
+              <a:t>	</a:t>
+            </a:r>
+            <a:r>
+              <a:rPr lang="en-US" altLang="en-US" dirty="0">
+                <a:latin typeface="Courier" charset="0"/>
+                <a:ea typeface="Courier" charset="0"/>
+                <a:cs typeface="Courier" charset="0"/>
+                <a:sym typeface="Courier" charset="0"/>
+              </a:rPr>
+              <a:t>Esther Pringle</a:t>
+            </a:r>
+            <a:endParaRPr lang="en-US" altLang="en-US" dirty="0">
+              <a:latin typeface="Courier" charset="0"/>
+              <a:sym typeface="Courier" charset="0"/>
+            </a:endParaRPr>
+          </a:p>
+          <a:p>
+            <a:r>
+              <a:rPr lang="en-US" altLang="en-US" dirty="0">
+                <a:latin typeface="Courier" charset="0"/>
+                <a:sym typeface="Courier" charset="0"/>
+              </a:rPr>
+              <a:t>	</a:t>
+            </a:r>
+            <a:r>
+              <a:rPr lang="en-US" altLang="en-US" dirty="0" err="1">
+                <a:latin typeface="Courier" charset="0"/>
+                <a:ea typeface="Courier" charset="0"/>
+                <a:cs typeface="Courier" charset="0"/>
+                <a:sym typeface="Courier" charset="0"/>
+              </a:rPr>
+              <a:t>Asar</a:t>
+            </a:r>
+            <a:r>
+              <a:rPr lang="en-US" altLang="en-US" dirty="0">
+                <a:latin typeface="Courier" charset="0"/>
+                <a:ea typeface="Courier" charset="0"/>
+                <a:cs typeface="Courier" charset="0"/>
+                <a:sym typeface="Courier" charset="0"/>
+              </a:rPr>
+              <a:t> </a:t>
+            </a:r>
+            <a:r>
+              <a:rPr lang="en-US" altLang="en-US" dirty="0" err="1">
+                <a:latin typeface="Courier" charset="0"/>
+                <a:ea typeface="Courier" charset="0"/>
+                <a:cs typeface="Courier" charset="0"/>
+                <a:sym typeface="Courier" charset="0"/>
+              </a:rPr>
+              <a:t>Misrad</a:t>
+            </a:r>
+            <a:endParaRPr lang="en-US" altLang="en-US" dirty="0">
+              <a:latin typeface="Courier" charset="0"/>
+              <a:sym typeface="Courier" charset="0"/>
+            </a:endParaRPr>
+          </a:p>
+          <a:p>
+            <a:r>
+              <a:rPr lang="en-US" altLang="en-US" dirty="0">
+                <a:latin typeface="Courier" charset="0"/>
+                <a:sym typeface="Courier" charset="0"/>
+              </a:rPr>
+              <a:t>	</a:t>
+            </a:r>
+            <a:r>
+              <a:rPr lang="en-US" altLang="en-US" dirty="0">
+                <a:latin typeface="Courier" charset="0"/>
+                <a:ea typeface="Courier" charset="0"/>
+                <a:cs typeface="Courier" charset="0"/>
+                <a:sym typeface="Courier" charset="0"/>
+              </a:rPr>
+              <a:t>Jenny Kant</a:t>
+            </a:r>
+            <a:endParaRPr lang="en-US" altLang="en-US" dirty="0">
+              <a:latin typeface="Courier" charset="0"/>
+              <a:sym typeface="Courier" charset="0"/>
+            </a:endParaRPr>
+          </a:p>
+        </p:txBody>
+      </p:sp>
+    </p:spTree>
+    <p:extLst>
+      <p:ext uri="{BB962C8B-B14F-4D97-AF65-F5344CB8AC3E}">
+        <p14:creationId xmlns:p14="http://schemas.microsoft.com/office/powerpoint/2010/main" val="2633738032"/>
+      </p:ext>
+    </p:extLst>
+  </p:cSld>
+  <p:clrMapOvr>
+    <a:masterClrMapping/>
+  </p:clrMapOvr>
+</p:sld>
+</file>
+
+<file path=ppt/slides/slide35.xml><?xml version="1.0" encoding="utf-8"?>
+<p:sld xmlns:a="http://schemas.openxmlformats.org/drawingml/2006/main" xmlns:r="http://schemas.openxmlformats.org/officeDocument/2006/relationships" xmlns:p="http://schemas.openxmlformats.org/presentationml/2006/main">
+  <p:cSld>
+    <p:spTree>
+      <p:nvGrpSpPr>
+        <p:cNvPr id="1" name=""/>
+        <p:cNvGrpSpPr/>
+        <p:nvPr/>
+      </p:nvGrpSpPr>
+      <p:grpSpPr>
+        <a:xfrm>
+          <a:off x="0" y="0"/>
+          <a:ext cx="0" cy="0"/>
+          <a:chOff x="0" y="0"/>
+          <a:chExt cx="0" cy="0"/>
+        </a:xfrm>
+      </p:grpSpPr>
+      <p:sp>
+        <p:nvSpPr>
           <p:cNvPr id="2" name="Title 1"/>
           <p:cNvSpPr>
             <a:spLocks noGrp="1"/>
@@ -12213,7 +12833,7 @@
 </p:sld>
 </file>
 
-<file path=ppt/slides/slide33.xml><?xml version="1.0" encoding="utf-8"?>
+<file path=ppt/slides/slide36.xml><?xml version="1.0" encoding="utf-8"?>
 <p:sld xmlns:a="http://schemas.openxmlformats.org/drawingml/2006/main" xmlns:r="http://schemas.openxmlformats.org/officeDocument/2006/relationships" xmlns:p="http://schemas.openxmlformats.org/presentationml/2006/main">
   <p:cSld>
     <p:spTree>
@@ -12291,7 +12911,7 @@
 </p:sld>
 </file>
 
-<file path=ppt/slides/slide34.xml><?xml version="1.0" encoding="utf-8"?>
+<file path=ppt/slides/slide37.xml><?xml version="1.0" encoding="utf-8"?>
 <p:sld xmlns:a="http://schemas.openxmlformats.org/drawingml/2006/main" xmlns:r="http://schemas.openxmlformats.org/officeDocument/2006/relationships" xmlns:p="http://schemas.openxmlformats.org/presentationml/2006/main">
   <p:cSld>
     <p:spTree>
@@ -12431,6 +13051,487 @@
       </p:grpSpPr>
       <p:sp>
         <p:nvSpPr>
+          <p:cNvPr id="4" name="Title 3">
+            <a:extLst>
+              <a:ext uri="{FF2B5EF4-FFF2-40B4-BE49-F238E27FC236}">
+                <a16:creationId xmlns:a16="http://schemas.microsoft.com/office/drawing/2014/main" id="{9F1EBDF5-C614-702B-129A-27B7EB9F6981}"/>
+              </a:ext>
+            </a:extLst>
+          </p:cNvPr>
+          <p:cNvSpPr>
+            <a:spLocks noGrp="1"/>
+          </p:cNvSpPr>
+          <p:nvPr>
+            <p:ph type="title"/>
+          </p:nvPr>
+        </p:nvSpPr>
+        <p:spPr/>
+        <p:txBody>
+          <a:bodyPr/>
+          <a:lstStyle/>
+          <a:p>
+            <a:r>
+              <a:rPr lang="en-US" dirty="0"/>
+              <a:t>Harassment Scenario (1)</a:t>
+            </a:r>
+          </a:p>
+        </p:txBody>
+      </p:sp>
+      <p:sp>
+        <p:nvSpPr>
+          <p:cNvPr id="5" name="Content Placeholder 4">
+            <a:extLst>
+              <a:ext uri="{FF2B5EF4-FFF2-40B4-BE49-F238E27FC236}">
+                <a16:creationId xmlns:a16="http://schemas.microsoft.com/office/drawing/2014/main" id="{73C29488-7C31-D9F5-244E-5AA90D3F6C23}"/>
+              </a:ext>
+            </a:extLst>
+          </p:cNvPr>
+          <p:cNvSpPr>
+            <a:spLocks noGrp="1"/>
+          </p:cNvSpPr>
+          <p:nvPr>
+            <p:ph idx="1"/>
+          </p:nvPr>
+        </p:nvSpPr>
+        <p:spPr/>
+        <p:txBody>
+          <a:bodyPr>
+            <a:normAutofit lnSpcReduction="10000"/>
+          </a:bodyPr>
+          <a:lstStyle/>
+          <a:p>
+            <a:r>
+              <a:rPr lang="en-GB" dirty="0" err="1"/>
+              <a:t>Nitroba’s</a:t>
+            </a:r>
+            <a:r>
+              <a:rPr lang="en-GB" dirty="0"/>
+              <a:t> IT department received an email from </a:t>
+            </a:r>
+            <a:r>
+              <a:rPr lang="en-GB" dirty="0">
+                <a:solidFill>
+                  <a:srgbClr val="FF0000"/>
+                </a:solidFill>
+              </a:rPr>
+              <a:t>Lily </a:t>
+            </a:r>
+            <a:r>
+              <a:rPr lang="en-GB" dirty="0" err="1">
+                <a:solidFill>
+                  <a:srgbClr val="FF0000"/>
+                </a:solidFill>
+              </a:rPr>
+              <a:t>Tuckrige</a:t>
+            </a:r>
+            <a:r>
+              <a:rPr lang="en-GB" dirty="0"/>
+              <a:t>, a teacher in the Chemistry Department. </a:t>
+            </a:r>
+            <a:r>
+              <a:rPr lang="en-GB" dirty="0" err="1"/>
+              <a:t>Tuckride</a:t>
+            </a:r>
+            <a:r>
+              <a:rPr lang="en-GB" dirty="0"/>
+              <a:t> has been receiving harassing emails and she suspects that they are being sent by a student in her class </a:t>
+            </a:r>
+            <a:r>
+              <a:rPr lang="en-GB" dirty="0">
+                <a:solidFill>
+                  <a:srgbClr val="FF0000"/>
+                </a:solidFill>
+              </a:rPr>
+              <a:t>Chemistry 109</a:t>
+            </a:r>
+            <a:r>
+              <a:rPr lang="en-GB" dirty="0"/>
+              <a:t>, which she is teaching this summer. The email was received at </a:t>
+            </a:r>
+            <a:r>
+              <a:rPr lang="en-GB" dirty="0" err="1"/>
+              <a:t>Tuckrige’s</a:t>
+            </a:r>
+            <a:r>
+              <a:rPr lang="en-GB" dirty="0"/>
+              <a:t> personal email account, </a:t>
+            </a:r>
+            <a:r>
+              <a:rPr lang="en-GB" dirty="0">
+                <a:solidFill>
+                  <a:srgbClr val="FF0000"/>
+                </a:solidFill>
+              </a:rPr>
+              <a:t>lilytuckrige@yahoo.com</a:t>
+            </a:r>
+            <a:r>
+              <a:rPr lang="en-GB" dirty="0"/>
+              <a:t>. She provided a screenshot of the web browser.</a:t>
+            </a:r>
+          </a:p>
+          <a:p>
+            <a:r>
+              <a:rPr lang="en-GB" dirty="0"/>
+              <a:t>The system administrator who received the complaint wrote back to </a:t>
+            </a:r>
+            <a:r>
+              <a:rPr lang="en-GB" dirty="0" err="1"/>
+              <a:t>Tuckrige</a:t>
+            </a:r>
+            <a:r>
+              <a:rPr lang="en-GB" dirty="0"/>
+              <a:t> that </a:t>
+            </a:r>
+            <a:r>
+              <a:rPr lang="en-GB" dirty="0" err="1"/>
+              <a:t>Nitroba</a:t>
+            </a:r>
+            <a:r>
+              <a:rPr lang="en-GB" dirty="0"/>
+              <a:t> needed the full headers of the email message. </a:t>
+            </a:r>
+            <a:r>
+              <a:rPr lang="en-GB" dirty="0" err="1"/>
+              <a:t>Tuckrige</a:t>
+            </a:r>
+            <a:r>
+              <a:rPr lang="en-GB" dirty="0"/>
+              <a:t> responded by clicking the Full message headers button in Yahoo Mail and sent in another screenshot, this one with mail headers.</a:t>
+            </a:r>
+            <a:endParaRPr lang="en-US" dirty="0"/>
+          </a:p>
+        </p:txBody>
+      </p:sp>
+    </p:spTree>
+    <p:extLst>
+      <p:ext uri="{BB962C8B-B14F-4D97-AF65-F5344CB8AC3E}">
+        <p14:creationId xmlns:p14="http://schemas.microsoft.com/office/powerpoint/2010/main" val="3321250455"/>
+      </p:ext>
+    </p:extLst>
+  </p:cSld>
+  <p:clrMapOvr>
+    <a:masterClrMapping/>
+  </p:clrMapOvr>
+</p:sld>
+</file>
+
+<file path=ppt/slides/slide5.xml><?xml version="1.0" encoding="utf-8"?>
+<p:sld xmlns:a="http://schemas.openxmlformats.org/drawingml/2006/main" xmlns:r="http://schemas.openxmlformats.org/officeDocument/2006/relationships" xmlns:p="http://schemas.openxmlformats.org/presentationml/2006/main">
+  <p:cSld>
+    <p:spTree>
+      <p:nvGrpSpPr>
+        <p:cNvPr id="1" name=""/>
+        <p:cNvGrpSpPr/>
+        <p:nvPr/>
+      </p:nvGrpSpPr>
+      <p:grpSpPr>
+        <a:xfrm>
+          <a:off x="0" y="0"/>
+          <a:ext cx="0" cy="0"/>
+          <a:chOff x="0" y="0"/>
+          <a:chExt cx="0" cy="0"/>
+        </a:xfrm>
+      </p:grpSpPr>
+      <p:sp>
+        <p:nvSpPr>
+          <p:cNvPr id="2" name="Title 1">
+            <a:extLst>
+              <a:ext uri="{FF2B5EF4-FFF2-40B4-BE49-F238E27FC236}">
+                <a16:creationId xmlns:a16="http://schemas.microsoft.com/office/drawing/2014/main" id="{F73FDD74-FF43-537D-9E49-784E99D6475A}"/>
+              </a:ext>
+            </a:extLst>
+          </p:cNvPr>
+          <p:cNvSpPr>
+            <a:spLocks noGrp="1"/>
+          </p:cNvSpPr>
+          <p:nvPr>
+            <p:ph type="title"/>
+          </p:nvPr>
+        </p:nvSpPr>
+        <p:spPr/>
+        <p:txBody>
+          <a:bodyPr/>
+          <a:lstStyle/>
+          <a:p>
+            <a:r>
+              <a:rPr lang="en-US" dirty="0"/>
+              <a:t>Harassment Scenario (2)</a:t>
+            </a:r>
+          </a:p>
+        </p:txBody>
+      </p:sp>
+      <p:sp>
+        <p:nvSpPr>
+          <p:cNvPr id="3" name="Content Placeholder 2">
+            <a:extLst>
+              <a:ext uri="{FF2B5EF4-FFF2-40B4-BE49-F238E27FC236}">
+                <a16:creationId xmlns:a16="http://schemas.microsoft.com/office/drawing/2014/main" id="{6A4290EF-5737-6C3C-AB7D-23D1DD48E307}"/>
+              </a:ext>
+            </a:extLst>
+          </p:cNvPr>
+          <p:cNvSpPr>
+            <a:spLocks noGrp="1"/>
+          </p:cNvSpPr>
+          <p:nvPr>
+            <p:ph idx="1"/>
+          </p:nvPr>
+        </p:nvSpPr>
+        <p:spPr/>
+        <p:txBody>
+          <a:bodyPr>
+            <a:normAutofit fontScale="92500" lnSpcReduction="10000"/>
+          </a:bodyPr>
+          <a:lstStyle/>
+          <a:p>
+            <a:r>
+              <a:rPr lang="en-GB" dirty="0"/>
+              <a:t>The mail header shows that the mail message originated from the IP address </a:t>
+            </a:r>
+            <a:r>
+              <a:rPr lang="en-GB" dirty="0">
+                <a:solidFill>
+                  <a:srgbClr val="FF0000"/>
+                </a:solidFill>
+              </a:rPr>
+              <a:t>140.247.62.34</a:t>
+            </a:r>
+            <a:r>
+              <a:rPr lang="en-GB" dirty="0"/>
+              <a:t>, which is a room in the </a:t>
+            </a:r>
+            <a:r>
+              <a:rPr lang="en-GB" dirty="0" err="1"/>
+              <a:t>Nitroba</a:t>
+            </a:r>
+            <a:r>
+              <a:rPr lang="en-GB" dirty="0"/>
+              <a:t> student-shared accommodation. Three women share the room. </a:t>
+            </a:r>
+            <a:r>
+              <a:rPr lang="en-GB" dirty="0" err="1"/>
+              <a:t>Nitroba</a:t>
+            </a:r>
+            <a:r>
+              <a:rPr lang="en-GB" dirty="0"/>
+              <a:t> provides an Ethernet connection in every room but not Wi-Fi access, so of the occupants have installed a Wi-Fi router in the room, which is a common practice. There is no password on this Wi-Fi.</a:t>
+            </a:r>
+          </a:p>
+          <a:p>
+            <a:r>
+              <a:rPr lang="en-GB" dirty="0"/>
+              <a:t>Because several email messages appear to come from the IP address, </a:t>
+            </a:r>
+            <a:r>
+              <a:rPr lang="en-GB" dirty="0" err="1"/>
+              <a:t>Nitroba</a:t>
+            </a:r>
+            <a:r>
+              <a:rPr lang="en-GB" dirty="0"/>
+              <a:t> decides to place a network sniffer on the ethernet port. All of the packets are logged. On </a:t>
+            </a:r>
+            <a:r>
+              <a:rPr lang="en-GB" dirty="0">
+                <a:solidFill>
+                  <a:srgbClr val="FF0000"/>
+                </a:solidFill>
+              </a:rPr>
+              <a:t>Monday 21 July</a:t>
+            </a:r>
+            <a:r>
+              <a:rPr lang="en-GB" dirty="0"/>
+              <a:t>, </a:t>
+            </a:r>
+            <a:r>
+              <a:rPr lang="en-GB" dirty="0" err="1"/>
+              <a:t>Tuckrige</a:t>
+            </a:r>
+            <a:r>
+              <a:rPr lang="en-GB" dirty="0"/>
+              <a:t> received another harassing email. But this time instead of sending it directly, the perpetrator sent it through a web-based service called </a:t>
+            </a:r>
+            <a:r>
+              <a:rPr lang="en-GB" dirty="0">
+                <a:solidFill>
+                  <a:srgbClr val="FF0000"/>
+                </a:solidFill>
+              </a:rPr>
+              <a:t>willselfdestruct.com</a:t>
+            </a:r>
+            <a:r>
+              <a:rPr lang="en-GB" dirty="0"/>
+              <a:t>. The website briefly showed the message to </a:t>
+            </a:r>
+            <a:r>
+              <a:rPr lang="en-GB" dirty="0" err="1"/>
+              <a:t>Tuckrige</a:t>
+            </a:r>
+            <a:r>
+              <a:rPr lang="en-GB" dirty="0"/>
+              <a:t>, and then the website reports that the </a:t>
+            </a:r>
+            <a:r>
+              <a:rPr lang="en-GB" dirty="0">
+                <a:solidFill>
+                  <a:schemeClr val="accent6"/>
+                </a:solidFill>
+              </a:rPr>
+              <a:t>Message Has Been Destroyed</a:t>
+            </a:r>
+            <a:r>
+              <a:rPr lang="en-GB" dirty="0"/>
+              <a:t>.</a:t>
+            </a:r>
+            <a:endParaRPr lang="en-US" dirty="0"/>
+          </a:p>
+        </p:txBody>
+      </p:sp>
+    </p:spTree>
+    <p:extLst>
+      <p:ext uri="{BB962C8B-B14F-4D97-AF65-F5344CB8AC3E}">
+        <p14:creationId xmlns:p14="http://schemas.microsoft.com/office/powerpoint/2010/main" val="1227657143"/>
+      </p:ext>
+    </p:extLst>
+  </p:cSld>
+  <p:clrMapOvr>
+    <a:masterClrMapping/>
+  </p:clrMapOvr>
+</p:sld>
+</file>
+
+<file path=ppt/slides/slide6.xml><?xml version="1.0" encoding="utf-8"?>
+<p:sld xmlns:a="http://schemas.openxmlformats.org/drawingml/2006/main" xmlns:r="http://schemas.openxmlformats.org/officeDocument/2006/relationships" xmlns:p="http://schemas.openxmlformats.org/presentationml/2006/main">
+  <p:cSld>
+    <p:spTree>
+      <p:nvGrpSpPr>
+        <p:cNvPr id="1" name=""/>
+        <p:cNvGrpSpPr/>
+        <p:nvPr/>
+      </p:nvGrpSpPr>
+      <p:grpSpPr>
+        <a:xfrm>
+          <a:off x="0" y="0"/>
+          <a:ext cx="0" cy="0"/>
+          <a:chOff x="0" y="0"/>
+          <a:chExt cx="0" cy="0"/>
+        </a:xfrm>
+      </p:grpSpPr>
+      <p:pic>
+        <p:nvPicPr>
+          <p:cNvPr id="4" name="Picture 3">
+            <a:extLst>
+              <a:ext uri="{FF2B5EF4-FFF2-40B4-BE49-F238E27FC236}">
+                <a16:creationId xmlns:a16="http://schemas.microsoft.com/office/drawing/2014/main" id="{59D74DCA-6C3E-88A6-BBB5-C5C5A44788DA}"/>
+              </a:ext>
+            </a:extLst>
+          </p:cNvPr>
+          <p:cNvPicPr>
+            <a:picLocks noChangeAspect="1"/>
+          </p:cNvPicPr>
+          <p:nvPr/>
+        </p:nvPicPr>
+        <p:blipFill>
+          <a:blip r:embed="rId2"/>
+          <a:stretch>
+            <a:fillRect/>
+          </a:stretch>
+        </p:blipFill>
+        <p:spPr>
+          <a:xfrm>
+            <a:off x="262906" y="149010"/>
+            <a:ext cx="1583354" cy="1754326"/>
+          </a:xfrm>
+          <a:prstGeom prst="rect">
+            <a:avLst/>
+          </a:prstGeom>
+        </p:spPr>
+      </p:pic>
+      <p:sp>
+        <p:nvSpPr>
+          <p:cNvPr id="6" name="TextBox 5">
+            <a:extLst>
+              <a:ext uri="{FF2B5EF4-FFF2-40B4-BE49-F238E27FC236}">
+                <a16:creationId xmlns:a16="http://schemas.microsoft.com/office/drawing/2014/main" id="{9CFCCA8B-114C-7D6D-3F59-0D52B3FDB6BB}"/>
+              </a:ext>
+            </a:extLst>
+          </p:cNvPr>
+          <p:cNvSpPr txBox="1"/>
+          <p:nvPr/>
+        </p:nvSpPr>
+        <p:spPr>
+          <a:xfrm>
+            <a:off x="1789731" y="2488018"/>
+            <a:ext cx="7977107" cy="2308324"/>
+          </a:xfrm>
+          <a:prstGeom prst="rect">
+            <a:avLst/>
+          </a:prstGeom>
+          <a:noFill/>
+        </p:spPr>
+        <p:txBody>
+          <a:bodyPr wrap="square">
+            <a:spAutoFit/>
+          </a:bodyPr>
+          <a:lstStyle/>
+          <a:p>
+            <a:r>
+              <a:rPr lang="en-GB" sz="3600">
+                <a:solidFill>
+                  <a:schemeClr val="accent5"/>
+                </a:solidFill>
+                <a:latin typeface="Segoe Print" panose="02000600000000000000" pitchFamily="2" charset="0"/>
+              </a:rPr>
+              <a:t>You need to determine </a:t>
+            </a:r>
+            <a:r>
+              <a:rPr lang="en-GB" sz="3600" dirty="0">
+                <a:solidFill>
+                  <a:schemeClr val="accent5"/>
+                </a:solidFill>
+                <a:latin typeface="Segoe Print" panose="02000600000000000000" pitchFamily="2" charset="0"/>
+              </a:rPr>
+              <a:t>if one of the students in the class was responsible for the harassing email</a:t>
+            </a:r>
+            <a:endParaRPr lang="en-US" sz="3600" dirty="0">
+              <a:solidFill>
+                <a:schemeClr val="accent5"/>
+              </a:solidFill>
+              <a:latin typeface="Segoe Print" panose="02000600000000000000" pitchFamily="2" charset="0"/>
+            </a:endParaRPr>
+          </a:p>
+        </p:txBody>
+      </p:sp>
+    </p:spTree>
+    <p:extLst>
+      <p:ext uri="{BB962C8B-B14F-4D97-AF65-F5344CB8AC3E}">
+        <p14:creationId xmlns:p14="http://schemas.microsoft.com/office/powerpoint/2010/main" val="173307655"/>
+      </p:ext>
+    </p:extLst>
+  </p:cSld>
+  <p:clrMapOvr>
+    <a:masterClrMapping/>
+  </p:clrMapOvr>
+</p:sld>
+</file>
+
+<file path=ppt/slides/slide7.xml><?xml version="1.0" encoding="utf-8"?>
+<p:sld xmlns:a="http://schemas.openxmlformats.org/drawingml/2006/main" xmlns:r="http://schemas.openxmlformats.org/officeDocument/2006/relationships" xmlns:p="http://schemas.openxmlformats.org/presentationml/2006/main">
+  <p:cSld>
+    <p:spTree>
+      <p:nvGrpSpPr>
+        <p:cNvPr id="1" name=""/>
+        <p:cNvGrpSpPr/>
+        <p:nvPr/>
+      </p:nvGrpSpPr>
+      <p:grpSpPr>
+        <a:xfrm>
+          <a:off x="0" y="0"/>
+          <a:ext cx="0" cy="0"/>
+          <a:chOff x="0" y="0"/>
+          <a:chExt cx="0" cy="0"/>
+        </a:xfrm>
+      </p:grpSpPr>
+      <p:sp>
+        <p:nvSpPr>
           <p:cNvPr id="2" name="Title 1"/>
           <p:cNvSpPr>
             <a:spLocks noGrp="1"/>
@@ -12488,7 +13589,7 @@
             </a:pPr>
             <a:r>
               <a:rPr lang="en-US" dirty="0"/>
-              <a:t>Class roster</a:t>
+              <a:t>Class roster of Chem 109 </a:t>
             </a:r>
           </a:p>
           <a:p>
@@ -12529,7 +13630,7 @@
 </p:sld>
 </file>
 
-<file path=ppt/slides/slide5.xml><?xml version="1.0" encoding="utf-8"?>
+<file path=ppt/slides/slide8.xml><?xml version="1.0" encoding="utf-8"?>
 <p:sld xmlns:a="http://schemas.openxmlformats.org/drawingml/2006/main" xmlns:r="http://schemas.openxmlformats.org/officeDocument/2006/relationships" xmlns:p="http://schemas.openxmlformats.org/presentationml/2006/main">
   <p:cSld>
     <p:spTree>
@@ -12856,824 +13957,6 @@
 </p:sld>
 </file>
 
-<file path=ppt/slides/slide6.xml><?xml version="1.0" encoding="utf-8"?>
-<p:sld xmlns:a="http://schemas.openxmlformats.org/drawingml/2006/main" xmlns:r="http://schemas.openxmlformats.org/officeDocument/2006/relationships" xmlns:p="http://schemas.openxmlformats.org/presentationml/2006/main">
-  <p:cSld>
-    <p:spTree>
-      <p:nvGrpSpPr>
-        <p:cNvPr id="1" name=""/>
-        <p:cNvGrpSpPr/>
-        <p:nvPr/>
-      </p:nvGrpSpPr>
-      <p:grpSpPr>
-        <a:xfrm>
-          <a:off x="0" y="0"/>
-          <a:ext cx="0" cy="0"/>
-          <a:chOff x="0" y="0"/>
-          <a:chExt cx="0" cy="0"/>
-        </a:xfrm>
-      </p:grpSpPr>
-      <p:sp>
-        <p:nvSpPr>
-          <p:cNvPr id="2" name="Title 1"/>
-          <p:cNvSpPr>
-            <a:spLocks noGrp="1"/>
-          </p:cNvSpPr>
-          <p:nvPr>
-            <p:ph type="title"/>
-          </p:nvPr>
-        </p:nvSpPr>
-        <p:spPr/>
-        <p:txBody>
-          <a:bodyPr/>
-          <a:lstStyle/>
-          <a:p>
-            <a:r>
-              <a:rPr lang="en-US" dirty="0"/>
-              <a:t>2. Class roster</a:t>
-            </a:r>
-          </a:p>
-        </p:txBody>
-      </p:sp>
-      <p:sp>
-        <p:nvSpPr>
-          <p:cNvPr id="5" name="Rectangle 4"/>
-          <p:cNvSpPr/>
-          <p:nvPr/>
-        </p:nvSpPr>
-        <p:spPr>
-          <a:xfrm>
-            <a:off x="838199" y="1857132"/>
-            <a:ext cx="4221997" cy="3970318"/>
-          </a:xfrm>
-          <a:prstGeom prst="rect">
-            <a:avLst/>
-          </a:prstGeom>
-        </p:spPr>
-        <p:txBody>
-          <a:bodyPr wrap="square">
-            <a:spAutoFit/>
-          </a:bodyPr>
-          <a:lstStyle/>
-          <a:p>
-            <a:r>
-              <a:rPr lang="en-US" altLang="en-US" dirty="0">
-                <a:latin typeface="Courier" charset="0"/>
-                <a:ea typeface="Courier" charset="0"/>
-                <a:cs typeface="Courier" charset="0"/>
-                <a:sym typeface="Courier" charset="0"/>
-              </a:rPr>
-              <a:t>Teacher: Lily </a:t>
-            </a:r>
-            <a:r>
-              <a:rPr lang="en-US" altLang="en-US" dirty="0" err="1">
-                <a:latin typeface="Courier" charset="0"/>
-                <a:ea typeface="Courier" charset="0"/>
-                <a:cs typeface="Courier" charset="0"/>
-                <a:sym typeface="Courier" charset="0"/>
-              </a:rPr>
-              <a:t>Tuckrige</a:t>
-            </a:r>
-            <a:endParaRPr lang="en-US" altLang="en-US" dirty="0">
-              <a:latin typeface="Courier" charset="0"/>
-              <a:sym typeface="Courier" charset="0"/>
-            </a:endParaRPr>
-          </a:p>
-          <a:p>
-            <a:endParaRPr lang="en-US" altLang="en-US" dirty="0">
-              <a:latin typeface="Courier" charset="0"/>
-              <a:sym typeface="Courier" charset="0"/>
-            </a:endParaRPr>
-          </a:p>
-          <a:p>
-            <a:r>
-              <a:rPr lang="en-US" altLang="en-US" dirty="0">
-                <a:latin typeface="Courier" charset="0"/>
-                <a:ea typeface="Courier" charset="0"/>
-                <a:cs typeface="Courier" charset="0"/>
-                <a:sym typeface="Courier" charset="0"/>
-              </a:rPr>
-              <a:t>Students:</a:t>
-            </a:r>
-            <a:endParaRPr lang="en-US" altLang="en-US" dirty="0">
-              <a:latin typeface="Courier" charset="0"/>
-              <a:sym typeface="Courier" charset="0"/>
-            </a:endParaRPr>
-          </a:p>
-          <a:p>
-            <a:r>
-              <a:rPr lang="en-US" altLang="en-US" dirty="0">
-                <a:latin typeface="Courier" charset="0"/>
-                <a:sym typeface="Courier" charset="0"/>
-              </a:rPr>
-              <a:t>	</a:t>
-            </a:r>
-            <a:r>
-              <a:rPr lang="en-US" altLang="en-US" dirty="0">
-                <a:latin typeface="Courier" charset="0"/>
-                <a:ea typeface="Courier" charset="0"/>
-                <a:cs typeface="Courier" charset="0"/>
-                <a:sym typeface="Courier" charset="0"/>
-              </a:rPr>
-              <a:t>Amy Smith</a:t>
-            </a:r>
-            <a:endParaRPr lang="en-US" altLang="en-US" dirty="0">
-              <a:latin typeface="Courier" charset="0"/>
-              <a:sym typeface="Courier" charset="0"/>
-            </a:endParaRPr>
-          </a:p>
-          <a:p>
-            <a:r>
-              <a:rPr lang="en-US" altLang="en-US" dirty="0">
-                <a:latin typeface="Courier" charset="0"/>
-                <a:sym typeface="Courier" charset="0"/>
-              </a:rPr>
-              <a:t>	</a:t>
-            </a:r>
-            <a:r>
-              <a:rPr lang="en-US" altLang="en-US" dirty="0">
-                <a:latin typeface="Courier" charset="0"/>
-                <a:ea typeface="Courier" charset="0"/>
-                <a:cs typeface="Courier" charset="0"/>
-                <a:sym typeface="Courier" charset="0"/>
-              </a:rPr>
-              <a:t>Burt </a:t>
-            </a:r>
-            <a:r>
-              <a:rPr lang="en-US" altLang="en-US" dirty="0" err="1">
-                <a:latin typeface="Courier" charset="0"/>
-                <a:ea typeface="Courier" charset="0"/>
-                <a:cs typeface="Courier" charset="0"/>
-                <a:sym typeface="Courier" charset="0"/>
-              </a:rPr>
-              <a:t>Greedom</a:t>
-            </a:r>
-            <a:endParaRPr lang="en-US" altLang="en-US" dirty="0">
-              <a:latin typeface="Courier" charset="0"/>
-              <a:sym typeface="Courier" charset="0"/>
-            </a:endParaRPr>
-          </a:p>
-          <a:p>
-            <a:r>
-              <a:rPr lang="en-US" altLang="en-US" dirty="0">
-                <a:latin typeface="Courier" charset="0"/>
-                <a:sym typeface="Courier" charset="0"/>
-              </a:rPr>
-              <a:t>	</a:t>
-            </a:r>
-            <a:r>
-              <a:rPr lang="en-US" altLang="en-US" dirty="0">
-                <a:latin typeface="Courier" charset="0"/>
-                <a:ea typeface="Courier" charset="0"/>
-                <a:cs typeface="Courier" charset="0"/>
-                <a:sym typeface="Courier" charset="0"/>
-              </a:rPr>
-              <a:t>Tuck Gorge</a:t>
-            </a:r>
-            <a:endParaRPr lang="en-US" altLang="en-US" dirty="0">
-              <a:latin typeface="Courier" charset="0"/>
-              <a:sym typeface="Courier" charset="0"/>
-            </a:endParaRPr>
-          </a:p>
-          <a:p>
-            <a:r>
-              <a:rPr lang="en-US" altLang="en-US" dirty="0">
-                <a:latin typeface="Courier" charset="0"/>
-                <a:sym typeface="Courier" charset="0"/>
-              </a:rPr>
-              <a:t>	</a:t>
-            </a:r>
-            <a:r>
-              <a:rPr lang="en-US" altLang="en-US" dirty="0">
-                <a:latin typeface="Courier" charset="0"/>
-                <a:ea typeface="Courier" charset="0"/>
-                <a:cs typeface="Courier" charset="0"/>
-                <a:sym typeface="Courier" charset="0"/>
-              </a:rPr>
-              <a:t>Ava Book</a:t>
-            </a:r>
-            <a:endParaRPr lang="en-US" altLang="en-US" dirty="0">
-              <a:latin typeface="Courier" charset="0"/>
-              <a:sym typeface="Courier" charset="0"/>
-            </a:endParaRPr>
-          </a:p>
-          <a:p>
-            <a:r>
-              <a:rPr lang="en-US" altLang="en-US" dirty="0">
-                <a:latin typeface="Courier" charset="0"/>
-                <a:sym typeface="Courier" charset="0"/>
-              </a:rPr>
-              <a:t>	</a:t>
-            </a:r>
-            <a:r>
-              <a:rPr lang="en-US" altLang="en-US" b="1" dirty="0">
-                <a:solidFill>
-                  <a:srgbClr val="FF0000"/>
-                </a:solidFill>
-                <a:latin typeface="Courier" charset="0"/>
-                <a:ea typeface="Courier" charset="0"/>
-                <a:cs typeface="Courier" charset="0"/>
-                <a:sym typeface="Courier" charset="0"/>
-              </a:rPr>
-              <a:t>Johnny Coach</a:t>
-            </a:r>
-            <a:endParaRPr lang="en-US" altLang="en-US" b="1" dirty="0">
-              <a:solidFill>
-                <a:srgbClr val="FF0000"/>
-              </a:solidFill>
-              <a:latin typeface="Courier" charset="0"/>
-              <a:sym typeface="Courier" charset="0"/>
-            </a:endParaRPr>
-          </a:p>
-          <a:p>
-            <a:r>
-              <a:rPr lang="en-US" altLang="en-US" dirty="0">
-                <a:latin typeface="Courier" charset="0"/>
-                <a:sym typeface="Courier" charset="0"/>
-              </a:rPr>
-              <a:t>	</a:t>
-            </a:r>
-            <a:r>
-              <a:rPr lang="en-US" altLang="en-US" dirty="0">
-                <a:latin typeface="Courier" charset="0"/>
-                <a:ea typeface="Courier" charset="0"/>
-                <a:cs typeface="Courier" charset="0"/>
-                <a:sym typeface="Courier" charset="0"/>
-              </a:rPr>
-              <a:t>Jeremy </a:t>
-            </a:r>
-            <a:r>
-              <a:rPr lang="en-US" altLang="en-US" dirty="0" err="1">
-                <a:latin typeface="Courier" charset="0"/>
-                <a:ea typeface="Courier" charset="0"/>
-                <a:cs typeface="Courier" charset="0"/>
-                <a:sym typeface="Courier" charset="0"/>
-              </a:rPr>
-              <a:t>Ledvkin</a:t>
-            </a:r>
-            <a:endParaRPr lang="en-US" altLang="en-US" dirty="0">
-              <a:latin typeface="Courier" charset="0"/>
-              <a:sym typeface="Courier" charset="0"/>
-            </a:endParaRPr>
-          </a:p>
-          <a:p>
-            <a:r>
-              <a:rPr lang="en-US" altLang="en-US" dirty="0">
-                <a:latin typeface="Courier" charset="0"/>
-                <a:sym typeface="Courier" charset="0"/>
-              </a:rPr>
-              <a:t>	</a:t>
-            </a:r>
-            <a:r>
-              <a:rPr lang="en-US" altLang="en-US" dirty="0">
-                <a:latin typeface="Courier" charset="0"/>
-                <a:ea typeface="Courier" charset="0"/>
-                <a:cs typeface="Courier" charset="0"/>
-                <a:sym typeface="Courier" charset="0"/>
-              </a:rPr>
-              <a:t>Nancy </a:t>
-            </a:r>
-            <a:r>
-              <a:rPr lang="en-US" altLang="en-US" dirty="0" err="1">
-                <a:latin typeface="Courier" charset="0"/>
-                <a:ea typeface="Courier" charset="0"/>
-                <a:cs typeface="Courier" charset="0"/>
-                <a:sym typeface="Courier" charset="0"/>
-              </a:rPr>
-              <a:t>Colburne</a:t>
-            </a:r>
-            <a:endParaRPr lang="en-US" altLang="en-US" dirty="0">
-              <a:latin typeface="Courier" charset="0"/>
-              <a:sym typeface="Courier" charset="0"/>
-            </a:endParaRPr>
-          </a:p>
-          <a:p>
-            <a:r>
-              <a:rPr lang="en-US" altLang="en-US" dirty="0">
-                <a:latin typeface="Courier" charset="0"/>
-                <a:sym typeface="Courier" charset="0"/>
-              </a:rPr>
-              <a:t>	</a:t>
-            </a:r>
-            <a:r>
-              <a:rPr lang="en-US" altLang="en-US" dirty="0">
-                <a:latin typeface="Courier" charset="0"/>
-                <a:ea typeface="Courier" charset="0"/>
-                <a:cs typeface="Courier" charset="0"/>
-                <a:sym typeface="Courier" charset="0"/>
-              </a:rPr>
-              <a:t>Tamara Perkins</a:t>
-            </a:r>
-            <a:endParaRPr lang="en-US" altLang="en-US" dirty="0">
-              <a:latin typeface="Courier" charset="0"/>
-              <a:sym typeface="Courier" charset="0"/>
-            </a:endParaRPr>
-          </a:p>
-          <a:p>
-            <a:r>
-              <a:rPr lang="en-US" altLang="en-US" dirty="0">
-                <a:latin typeface="Courier" charset="0"/>
-                <a:sym typeface="Courier" charset="0"/>
-              </a:rPr>
-              <a:t>	</a:t>
-            </a:r>
-            <a:r>
-              <a:rPr lang="en-US" altLang="en-US" dirty="0">
-                <a:latin typeface="Courier" charset="0"/>
-                <a:ea typeface="Courier" charset="0"/>
-                <a:cs typeface="Courier" charset="0"/>
-                <a:sym typeface="Courier" charset="0"/>
-              </a:rPr>
-              <a:t>Esther Pringle</a:t>
-            </a:r>
-            <a:endParaRPr lang="en-US" altLang="en-US" dirty="0">
-              <a:latin typeface="Courier" charset="0"/>
-              <a:sym typeface="Courier" charset="0"/>
-            </a:endParaRPr>
-          </a:p>
-          <a:p>
-            <a:r>
-              <a:rPr lang="en-US" altLang="en-US" dirty="0">
-                <a:latin typeface="Courier" charset="0"/>
-                <a:sym typeface="Courier" charset="0"/>
-              </a:rPr>
-              <a:t>	</a:t>
-            </a:r>
-            <a:r>
-              <a:rPr lang="en-US" altLang="en-US" dirty="0" err="1">
-                <a:latin typeface="Courier" charset="0"/>
-                <a:ea typeface="Courier" charset="0"/>
-                <a:cs typeface="Courier" charset="0"/>
-                <a:sym typeface="Courier" charset="0"/>
-              </a:rPr>
-              <a:t>Asar</a:t>
-            </a:r>
-            <a:r>
-              <a:rPr lang="en-US" altLang="en-US" dirty="0">
-                <a:latin typeface="Courier" charset="0"/>
-                <a:ea typeface="Courier" charset="0"/>
-                <a:cs typeface="Courier" charset="0"/>
-                <a:sym typeface="Courier" charset="0"/>
-              </a:rPr>
-              <a:t> </a:t>
-            </a:r>
-            <a:r>
-              <a:rPr lang="en-US" altLang="en-US" dirty="0" err="1">
-                <a:latin typeface="Courier" charset="0"/>
-                <a:ea typeface="Courier" charset="0"/>
-                <a:cs typeface="Courier" charset="0"/>
-                <a:sym typeface="Courier" charset="0"/>
-              </a:rPr>
-              <a:t>Misrad</a:t>
-            </a:r>
-            <a:endParaRPr lang="en-US" altLang="en-US" dirty="0">
-              <a:latin typeface="Courier" charset="0"/>
-              <a:sym typeface="Courier" charset="0"/>
-            </a:endParaRPr>
-          </a:p>
-          <a:p>
-            <a:r>
-              <a:rPr lang="en-US" altLang="en-US" dirty="0">
-                <a:latin typeface="Courier" charset="0"/>
-                <a:sym typeface="Courier" charset="0"/>
-              </a:rPr>
-              <a:t>	</a:t>
-            </a:r>
-            <a:r>
-              <a:rPr lang="en-US" altLang="en-US" dirty="0">
-                <a:latin typeface="Courier" charset="0"/>
-                <a:ea typeface="Courier" charset="0"/>
-                <a:cs typeface="Courier" charset="0"/>
-                <a:sym typeface="Courier" charset="0"/>
-              </a:rPr>
-              <a:t>Jenny Kant</a:t>
-            </a:r>
-            <a:endParaRPr lang="en-US" altLang="en-US" dirty="0">
-              <a:latin typeface="Courier" charset="0"/>
-              <a:sym typeface="Courier" charset="0"/>
-            </a:endParaRPr>
-          </a:p>
-        </p:txBody>
-      </p:sp>
-    </p:spTree>
-    <p:extLst>
-      <p:ext uri="{BB962C8B-B14F-4D97-AF65-F5344CB8AC3E}">
-        <p14:creationId xmlns:p14="http://schemas.microsoft.com/office/powerpoint/2010/main" val="2740615822"/>
-      </p:ext>
-    </p:extLst>
-  </p:cSld>
-  <p:clrMapOvr>
-    <a:masterClrMapping/>
-  </p:clrMapOvr>
-</p:sld>
-</file>
-
-<file path=ppt/slides/slide7.xml><?xml version="1.0" encoding="utf-8"?>
-<p:sld xmlns:a="http://schemas.openxmlformats.org/drawingml/2006/main" xmlns:r="http://schemas.openxmlformats.org/officeDocument/2006/relationships" xmlns:p="http://schemas.openxmlformats.org/presentationml/2006/main">
-  <p:cSld>
-    <p:spTree>
-      <p:nvGrpSpPr>
-        <p:cNvPr id="1" name=""/>
-        <p:cNvGrpSpPr/>
-        <p:nvPr/>
-      </p:nvGrpSpPr>
-      <p:grpSpPr>
-        <a:xfrm>
-          <a:off x="0" y="0"/>
-          <a:ext cx="0" cy="0"/>
-          <a:chOff x="0" y="0"/>
-          <a:chExt cx="0" cy="0"/>
-        </a:xfrm>
-      </p:grpSpPr>
-      <p:pic>
-        <p:nvPicPr>
-          <p:cNvPr id="4" name="Picture 3"/>
-          <p:cNvPicPr>
-            <a:picLocks noChangeAspect="1"/>
-          </p:cNvPicPr>
-          <p:nvPr/>
-        </p:nvPicPr>
-        <p:blipFill>
-          <a:blip r:embed="rId2"/>
-          <a:stretch>
-            <a:fillRect/>
-          </a:stretch>
-        </p:blipFill>
-        <p:spPr>
-          <a:xfrm>
-            <a:off x="8211534" y="3058154"/>
-            <a:ext cx="3157268" cy="3424576"/>
-          </a:xfrm>
-          <a:prstGeom prst="rect">
-            <a:avLst/>
-          </a:prstGeom>
-        </p:spPr>
-      </p:pic>
-      <p:sp>
-        <p:nvSpPr>
-          <p:cNvPr id="9" name="Title 8"/>
-          <p:cNvSpPr>
-            <a:spLocks noGrp="1"/>
-          </p:cNvSpPr>
-          <p:nvPr>
-            <p:ph type="title"/>
-          </p:nvPr>
-        </p:nvSpPr>
-        <p:spPr>
-          <a:xfrm>
-            <a:off x="838200" y="365125"/>
-            <a:ext cx="4725838" cy="1325563"/>
-          </a:xfrm>
-        </p:spPr>
-        <p:txBody>
-          <a:bodyPr/>
-          <a:lstStyle/>
-          <a:p>
-            <a:r>
-              <a:rPr lang="en-US" dirty="0"/>
-              <a:t>3. The second harassment email </a:t>
-            </a:r>
-          </a:p>
-        </p:txBody>
-      </p:sp>
-      <p:sp>
-        <p:nvSpPr>
-          <p:cNvPr id="12" name="Content Placeholder 11"/>
-          <p:cNvSpPr>
-            <a:spLocks noGrp="1"/>
-          </p:cNvSpPr>
-          <p:nvPr>
-            <p:ph idx="1"/>
-          </p:nvPr>
-        </p:nvSpPr>
-        <p:spPr>
-          <a:xfrm>
-            <a:off x="838201" y="1825625"/>
-            <a:ext cx="6580516" cy="4351338"/>
-          </a:xfrm>
-        </p:spPr>
-        <p:txBody>
-          <a:bodyPr/>
-          <a:lstStyle/>
-          <a:p>
-            <a:r>
-              <a:rPr lang="en-US" dirty="0"/>
-              <a:t>It was sent from </a:t>
-            </a:r>
-            <a:r>
-              <a:rPr lang="en-US" dirty="0">
-                <a:hlinkClick r:id="rId3"/>
-              </a:rPr>
-              <a:t>www.willselfdestruct.com</a:t>
-            </a:r>
-            <a:endParaRPr lang="en-US" dirty="0"/>
-          </a:p>
-          <a:p>
-            <a:r>
-              <a:rPr lang="en-US" dirty="0"/>
-              <a:t>When the faculty click a link in the email, the faculty read the content provided by the website</a:t>
-            </a:r>
-          </a:p>
-          <a:p>
-            <a:r>
-              <a:rPr lang="en-US" dirty="0"/>
-              <a:t>The screenshot is provided by the faculty </a:t>
-            </a:r>
-          </a:p>
-          <a:p>
-            <a:endParaRPr lang="en-US" dirty="0"/>
-          </a:p>
-        </p:txBody>
-      </p:sp>
-      <p:cxnSp>
-        <p:nvCxnSpPr>
-          <p:cNvPr id="14" name="Straight Arrow Connector 13"/>
-          <p:cNvCxnSpPr/>
-          <p:nvPr/>
-        </p:nvCxnSpPr>
-        <p:spPr>
-          <a:xfrm flipV="1">
-            <a:off x="6556075" y="3717986"/>
-            <a:ext cx="1733910" cy="328653"/>
-          </a:xfrm>
-          <a:prstGeom prst="straightConnector1">
-            <a:avLst/>
-          </a:prstGeom>
-          <a:ln w="38100">
-            <a:tailEnd type="triangle"/>
-          </a:ln>
-        </p:spPr>
-        <p:style>
-          <a:lnRef idx="1">
-            <a:schemeClr val="accent1"/>
-          </a:lnRef>
-          <a:fillRef idx="0">
-            <a:schemeClr val="accent1"/>
-          </a:fillRef>
-          <a:effectRef idx="0">
-            <a:schemeClr val="accent1"/>
-          </a:effectRef>
-          <a:fontRef idx="minor">
-            <a:schemeClr val="tx1"/>
-          </a:fontRef>
-        </p:style>
-      </p:cxnSp>
-      <p:cxnSp>
-        <p:nvCxnSpPr>
-          <p:cNvPr id="16" name="Straight Arrow Connector 15"/>
-          <p:cNvCxnSpPr/>
-          <p:nvPr/>
-        </p:nvCxnSpPr>
-        <p:spPr>
-          <a:xfrm>
-            <a:off x="6556075" y="4244196"/>
-            <a:ext cx="1578634" cy="2130324"/>
-          </a:xfrm>
-          <a:prstGeom prst="straightConnector1">
-            <a:avLst/>
-          </a:prstGeom>
-          <a:ln w="38100">
-            <a:tailEnd type="triangle"/>
-          </a:ln>
-        </p:spPr>
-        <p:style>
-          <a:lnRef idx="1">
-            <a:schemeClr val="accent1"/>
-          </a:lnRef>
-          <a:fillRef idx="0">
-            <a:schemeClr val="accent1"/>
-          </a:fillRef>
-          <a:effectRef idx="0">
-            <a:schemeClr val="accent1"/>
-          </a:effectRef>
-          <a:fontRef idx="minor">
-            <a:schemeClr val="tx1"/>
-          </a:fontRef>
-        </p:style>
-      </p:cxnSp>
-      <p:pic>
-        <p:nvPicPr>
-          <p:cNvPr id="15" name="Picture 4"/>
-          <p:cNvPicPr>
-            <a:picLocks noChangeAspect="1" noChangeArrowheads="1"/>
-          </p:cNvPicPr>
-          <p:nvPr/>
-        </p:nvPicPr>
-        <p:blipFill>
-          <a:blip r:embed="rId4" cstate="print">
-            <a:extLst>
-              <a:ext uri="{28A0092B-C50C-407E-A947-70E740481C1C}">
-                <a14:useLocalDpi xmlns:a14="http://schemas.microsoft.com/office/drawing/2010/main" val="0"/>
-              </a:ext>
-            </a:extLst>
-          </a:blip>
-          <a:srcRect/>
-          <a:stretch>
-            <a:fillRect/>
-          </a:stretch>
-        </p:blipFill>
-        <p:spPr bwMode="auto">
-          <a:xfrm>
-            <a:off x="8211534" y="0"/>
-            <a:ext cx="2301873" cy="2949275"/>
-          </a:xfrm>
-          <a:prstGeom prst="rect">
-            <a:avLst/>
-          </a:prstGeom>
-          <a:noFill/>
-          <a:ln>
-            <a:noFill/>
-          </a:ln>
-          <a:extLst>
-            <a:ext uri="{909E8E84-426E-40DD-AFC4-6F175D3DCCD1}">
-              <a14:hiddenFill xmlns:a14="http://schemas.microsoft.com/office/drawing/2010/main">
-                <a:solidFill>
-                  <a:srgbClr val="FFFFFF"/>
-                </a:solidFill>
-              </a14:hiddenFill>
-            </a:ext>
-            <a:ext uri="{91240B29-F687-4F45-9708-019B960494DF}">
-              <a14:hiddenLine xmlns:a14="http://schemas.microsoft.com/office/drawing/2010/main" w="12700" cap="flat">
-                <a:solidFill>
-                  <a:schemeClr val="tx1"/>
-                </a:solidFill>
-                <a:miter lim="800000"/>
-                <a:headEnd/>
-                <a:tailEnd/>
-              </a14:hiddenLine>
-            </a:ext>
-          </a:extLst>
-        </p:spPr>
-      </p:pic>
-      <p:cxnSp>
-        <p:nvCxnSpPr>
-          <p:cNvPr id="19" name="Straight Arrow Connector 18"/>
-          <p:cNvCxnSpPr/>
-          <p:nvPr/>
-        </p:nvCxnSpPr>
-        <p:spPr>
-          <a:xfrm flipV="1">
-            <a:off x="7065034" y="101236"/>
-            <a:ext cx="1146500" cy="2738152"/>
-          </a:xfrm>
-          <a:prstGeom prst="straightConnector1">
-            <a:avLst/>
-          </a:prstGeom>
-          <a:ln w="38100">
-            <a:tailEnd type="triangle"/>
-          </a:ln>
-        </p:spPr>
-        <p:style>
-          <a:lnRef idx="1">
-            <a:schemeClr val="accent1"/>
-          </a:lnRef>
-          <a:fillRef idx="0">
-            <a:schemeClr val="accent1"/>
-          </a:fillRef>
-          <a:effectRef idx="0">
-            <a:schemeClr val="accent1"/>
-          </a:effectRef>
-          <a:fontRef idx="minor">
-            <a:schemeClr val="tx1"/>
-          </a:fontRef>
-        </p:style>
-      </p:cxnSp>
-      <p:cxnSp>
-        <p:nvCxnSpPr>
-          <p:cNvPr id="20" name="Straight Arrow Connector 19"/>
-          <p:cNvCxnSpPr/>
-          <p:nvPr/>
-        </p:nvCxnSpPr>
-        <p:spPr>
-          <a:xfrm>
-            <a:off x="7151298" y="2949275"/>
-            <a:ext cx="983411" cy="0"/>
-          </a:xfrm>
-          <a:prstGeom prst="straightConnector1">
-            <a:avLst/>
-          </a:prstGeom>
-          <a:ln w="38100">
-            <a:tailEnd type="triangle"/>
-          </a:ln>
-        </p:spPr>
-        <p:style>
-          <a:lnRef idx="1">
-            <a:schemeClr val="accent1"/>
-          </a:lnRef>
-          <a:fillRef idx="0">
-            <a:schemeClr val="accent1"/>
-          </a:fillRef>
-          <a:effectRef idx="0">
-            <a:schemeClr val="accent1"/>
-          </a:effectRef>
-          <a:fontRef idx="minor">
-            <a:schemeClr val="tx1"/>
-          </a:fontRef>
-        </p:style>
-      </p:cxnSp>
-    </p:spTree>
-    <p:extLst>
-      <p:ext uri="{BB962C8B-B14F-4D97-AF65-F5344CB8AC3E}">
-        <p14:creationId xmlns:p14="http://schemas.microsoft.com/office/powerpoint/2010/main" val="4163150353"/>
-      </p:ext>
-    </p:extLst>
-  </p:cSld>
-  <p:clrMapOvr>
-    <a:masterClrMapping/>
-  </p:clrMapOvr>
-</p:sld>
-</file>
-
-<file path=ppt/slides/slide8.xml><?xml version="1.0" encoding="utf-8"?>
-<p:sld xmlns:a="http://schemas.openxmlformats.org/drawingml/2006/main" xmlns:r="http://schemas.openxmlformats.org/officeDocument/2006/relationships" xmlns:p="http://schemas.openxmlformats.org/presentationml/2006/main">
-  <p:cSld>
-    <p:spTree>
-      <p:nvGrpSpPr>
-        <p:cNvPr id="1" name=""/>
-        <p:cNvGrpSpPr/>
-        <p:nvPr/>
-      </p:nvGrpSpPr>
-      <p:grpSpPr>
-        <a:xfrm>
-          <a:off x="0" y="0"/>
-          <a:ext cx="0" cy="0"/>
-          <a:chOff x="0" y="0"/>
-          <a:chExt cx="0" cy="0"/>
-        </a:xfrm>
-      </p:grpSpPr>
-      <p:pic>
-        <p:nvPicPr>
-          <p:cNvPr id="4" name="Picture 4">
-            <a:extLst>
-              <a:ext uri="{FF2B5EF4-FFF2-40B4-BE49-F238E27FC236}">
-                <a16:creationId xmlns:a16="http://schemas.microsoft.com/office/drawing/2014/main" id="{6A219696-A4E1-8C35-F56D-3675EF6D9997}"/>
-              </a:ext>
-            </a:extLst>
-          </p:cNvPr>
-          <p:cNvPicPr>
-            <a:picLocks noChangeAspect="1" noChangeArrowheads="1"/>
-          </p:cNvPicPr>
-          <p:nvPr/>
-        </p:nvPicPr>
-        <p:blipFill>
-          <a:blip r:embed="rId2" cstate="print">
-            <a:extLst>
-              <a:ext uri="{28A0092B-C50C-407E-A947-70E740481C1C}">
-                <a14:useLocalDpi xmlns:a14="http://schemas.microsoft.com/office/drawing/2010/main" val="0"/>
-              </a:ext>
-            </a:extLst>
-          </a:blip>
-          <a:srcRect/>
-          <a:stretch>
-            <a:fillRect/>
-          </a:stretch>
-        </p:blipFill>
-        <p:spPr bwMode="auto">
-          <a:xfrm>
-            <a:off x="3076575" y="62126"/>
-            <a:ext cx="5255607" cy="6733747"/>
-          </a:xfrm>
-          <a:prstGeom prst="rect">
-            <a:avLst/>
-          </a:prstGeom>
-          <a:noFill/>
-          <a:ln>
-            <a:noFill/>
-          </a:ln>
-          <a:extLst>
-            <a:ext uri="{909E8E84-426E-40DD-AFC4-6F175D3DCCD1}">
-              <a14:hiddenFill xmlns:a14="http://schemas.microsoft.com/office/drawing/2010/main">
-                <a:solidFill>
-                  <a:srgbClr val="FFFFFF"/>
-                </a:solidFill>
-              </a14:hiddenFill>
-            </a:ext>
-            <a:ext uri="{91240B29-F687-4F45-9708-019B960494DF}">
-              <a14:hiddenLine xmlns:a14="http://schemas.microsoft.com/office/drawing/2010/main" w="12700" cap="flat">
-                <a:solidFill>
-                  <a:schemeClr val="tx1"/>
-                </a:solidFill>
-                <a:miter lim="800000"/>
-                <a:headEnd/>
-                <a:tailEnd/>
-              </a14:hiddenLine>
-            </a:ext>
-          </a:extLst>
-        </p:spPr>
-      </p:pic>
-    </p:spTree>
-    <p:extLst>
-      <p:ext uri="{BB962C8B-B14F-4D97-AF65-F5344CB8AC3E}">
-        <p14:creationId xmlns:p14="http://schemas.microsoft.com/office/powerpoint/2010/main" val="3276739864"/>
-      </p:ext>
-    </p:extLst>
-  </p:cSld>
-  <p:clrMapOvr>
-    <a:masterClrMapping/>
-  </p:clrMapOvr>
-</p:sld>
-</file>
-
 <file path=ppt/slides/slide9.xml><?xml version="1.0" encoding="utf-8"?>
 <p:sld xmlns:a="http://schemas.openxmlformats.org/drawingml/2006/main" xmlns:r="http://schemas.openxmlformats.org/officeDocument/2006/relationships" xmlns:p="http://schemas.openxmlformats.org/presentationml/2006/main">
   <p:cSld>
@@ -13691,40 +13974,373 @@
           <a:chExt cx="0" cy="0"/>
         </a:xfrm>
       </p:grpSpPr>
-      <p:pic>
-        <p:nvPicPr>
-          <p:cNvPr id="2" name="Picture 1">
-            <a:extLst>
-              <a:ext uri="{FF2B5EF4-FFF2-40B4-BE49-F238E27FC236}">
-                <a16:creationId xmlns:a16="http://schemas.microsoft.com/office/drawing/2014/main" id="{1CCBA2CE-FA6D-EF9E-6BCA-0F03852801C6}"/>
-              </a:ext>
-            </a:extLst>
-          </p:cNvPr>
-          <p:cNvPicPr>
-            <a:picLocks noChangeAspect="1"/>
-          </p:cNvPicPr>
+      <p:sp>
+        <p:nvSpPr>
+          <p:cNvPr id="2" name="Title 1"/>
+          <p:cNvSpPr>
+            <a:spLocks noGrp="1"/>
+          </p:cNvSpPr>
+          <p:nvPr>
+            <p:ph type="title"/>
+          </p:nvPr>
+        </p:nvSpPr>
+        <p:spPr/>
+        <p:txBody>
+          <a:bodyPr/>
+          <a:lstStyle/>
+          <a:p>
+            <a:r>
+              <a:rPr lang="en-US" dirty="0"/>
+              <a:t>2. Chem 109 - Class roster </a:t>
+            </a:r>
+          </a:p>
+        </p:txBody>
+      </p:sp>
+      <p:sp>
+        <p:nvSpPr>
+          <p:cNvPr id="5" name="Rectangle 4"/>
+          <p:cNvSpPr/>
           <p:nvPr/>
-        </p:nvPicPr>
-        <p:blipFill>
-          <a:blip r:embed="rId2"/>
-          <a:stretch>
-            <a:fillRect/>
-          </a:stretch>
-        </p:blipFill>
-        <p:spPr>
-          <a:xfrm>
-            <a:off x="3238500" y="0"/>
-            <a:ext cx="6191250" cy="6715428"/>
+        </p:nvSpPr>
+        <p:spPr>
+          <a:xfrm>
+            <a:off x="838199" y="1857132"/>
+            <a:ext cx="4221997" cy="3970318"/>
           </a:xfrm>
           <a:prstGeom prst="rect">
             <a:avLst/>
           </a:prstGeom>
         </p:spPr>
-      </p:pic>
+        <p:txBody>
+          <a:bodyPr wrap="square">
+            <a:spAutoFit/>
+          </a:bodyPr>
+          <a:lstStyle/>
+          <a:p>
+            <a:r>
+              <a:rPr lang="en-US" altLang="en-US" dirty="0">
+                <a:latin typeface="Courier" charset="0"/>
+                <a:ea typeface="Courier" charset="0"/>
+                <a:cs typeface="Courier" charset="0"/>
+                <a:sym typeface="Courier" charset="0"/>
+              </a:rPr>
+              <a:t>Teacher: Lily </a:t>
+            </a:r>
+            <a:r>
+              <a:rPr lang="en-US" altLang="en-US" dirty="0" err="1">
+                <a:latin typeface="Courier" charset="0"/>
+                <a:ea typeface="Courier" charset="0"/>
+                <a:cs typeface="Courier" charset="0"/>
+                <a:sym typeface="Courier" charset="0"/>
+              </a:rPr>
+              <a:t>Tuckrige</a:t>
+            </a:r>
+            <a:endParaRPr lang="en-US" altLang="en-US" dirty="0">
+              <a:latin typeface="Courier" charset="0"/>
+              <a:sym typeface="Courier" charset="0"/>
+            </a:endParaRPr>
+          </a:p>
+          <a:p>
+            <a:endParaRPr lang="en-US" altLang="en-US" dirty="0">
+              <a:latin typeface="Courier" charset="0"/>
+              <a:sym typeface="Courier" charset="0"/>
+            </a:endParaRPr>
+          </a:p>
+          <a:p>
+            <a:r>
+              <a:rPr lang="en-US" altLang="en-US" dirty="0">
+                <a:latin typeface="Courier" charset="0"/>
+                <a:ea typeface="Courier" charset="0"/>
+                <a:cs typeface="Courier" charset="0"/>
+                <a:sym typeface="Courier" charset="0"/>
+              </a:rPr>
+              <a:t>Students:</a:t>
+            </a:r>
+            <a:endParaRPr lang="en-US" altLang="en-US" dirty="0">
+              <a:latin typeface="Courier" charset="0"/>
+              <a:sym typeface="Courier" charset="0"/>
+            </a:endParaRPr>
+          </a:p>
+          <a:p>
+            <a:r>
+              <a:rPr lang="en-US" altLang="en-US" dirty="0">
+                <a:latin typeface="Courier" charset="0"/>
+                <a:sym typeface="Courier" charset="0"/>
+              </a:rPr>
+              <a:t>	</a:t>
+            </a:r>
+            <a:r>
+              <a:rPr lang="en-US" altLang="en-US" dirty="0">
+                <a:latin typeface="Courier" charset="0"/>
+                <a:ea typeface="Courier" charset="0"/>
+                <a:cs typeface="Courier" charset="0"/>
+                <a:sym typeface="Courier" charset="0"/>
+              </a:rPr>
+              <a:t>Amy Smith</a:t>
+            </a:r>
+            <a:endParaRPr lang="en-US" altLang="en-US" dirty="0">
+              <a:latin typeface="Courier" charset="0"/>
+              <a:sym typeface="Courier" charset="0"/>
+            </a:endParaRPr>
+          </a:p>
+          <a:p>
+            <a:r>
+              <a:rPr lang="en-US" altLang="en-US" dirty="0">
+                <a:latin typeface="Courier" charset="0"/>
+                <a:sym typeface="Courier" charset="0"/>
+              </a:rPr>
+              <a:t>	</a:t>
+            </a:r>
+            <a:r>
+              <a:rPr lang="en-US" altLang="en-US" dirty="0">
+                <a:latin typeface="Courier" charset="0"/>
+                <a:ea typeface="Courier" charset="0"/>
+                <a:cs typeface="Courier" charset="0"/>
+                <a:sym typeface="Courier" charset="0"/>
+              </a:rPr>
+              <a:t>Burt </a:t>
+            </a:r>
+            <a:r>
+              <a:rPr lang="en-US" altLang="en-US" dirty="0" err="1">
+                <a:latin typeface="Courier" charset="0"/>
+                <a:ea typeface="Courier" charset="0"/>
+                <a:cs typeface="Courier" charset="0"/>
+                <a:sym typeface="Courier" charset="0"/>
+              </a:rPr>
+              <a:t>Greedom</a:t>
+            </a:r>
+            <a:endParaRPr lang="en-US" altLang="en-US" dirty="0">
+              <a:latin typeface="Courier" charset="0"/>
+              <a:sym typeface="Courier" charset="0"/>
+            </a:endParaRPr>
+          </a:p>
+          <a:p>
+            <a:r>
+              <a:rPr lang="en-US" altLang="en-US" dirty="0">
+                <a:latin typeface="Courier" charset="0"/>
+                <a:sym typeface="Courier" charset="0"/>
+              </a:rPr>
+              <a:t>	</a:t>
+            </a:r>
+            <a:r>
+              <a:rPr lang="en-US" altLang="en-US" dirty="0">
+                <a:latin typeface="Courier" charset="0"/>
+                <a:ea typeface="Courier" charset="0"/>
+                <a:cs typeface="Courier" charset="0"/>
+                <a:sym typeface="Courier" charset="0"/>
+              </a:rPr>
+              <a:t>Tuck Gorge</a:t>
+            </a:r>
+            <a:endParaRPr lang="en-US" altLang="en-US" dirty="0">
+              <a:latin typeface="Courier" charset="0"/>
+              <a:sym typeface="Courier" charset="0"/>
+            </a:endParaRPr>
+          </a:p>
+          <a:p>
+            <a:r>
+              <a:rPr lang="en-US" altLang="en-US" dirty="0">
+                <a:latin typeface="Courier" charset="0"/>
+                <a:sym typeface="Courier" charset="0"/>
+              </a:rPr>
+              <a:t>	</a:t>
+            </a:r>
+            <a:r>
+              <a:rPr lang="en-US" altLang="en-US" dirty="0">
+                <a:latin typeface="Courier" charset="0"/>
+                <a:ea typeface="Courier" charset="0"/>
+                <a:cs typeface="Courier" charset="0"/>
+                <a:sym typeface="Courier" charset="0"/>
+              </a:rPr>
+              <a:t>Ava Book</a:t>
+            </a:r>
+            <a:endParaRPr lang="en-US" altLang="en-US" dirty="0">
+              <a:latin typeface="Courier" charset="0"/>
+              <a:sym typeface="Courier" charset="0"/>
+            </a:endParaRPr>
+          </a:p>
+          <a:p>
+            <a:r>
+              <a:rPr lang="en-US" altLang="en-US" dirty="0">
+                <a:latin typeface="Courier" charset="0"/>
+                <a:sym typeface="Courier" charset="0"/>
+              </a:rPr>
+              <a:t>	Johnny Coach</a:t>
+            </a:r>
+          </a:p>
+          <a:p>
+            <a:r>
+              <a:rPr lang="en-US" altLang="en-US" dirty="0">
+                <a:latin typeface="Courier" charset="0"/>
+                <a:sym typeface="Courier" charset="0"/>
+              </a:rPr>
+              <a:t>	</a:t>
+            </a:r>
+            <a:r>
+              <a:rPr lang="en-US" altLang="en-US" dirty="0">
+                <a:latin typeface="Courier" charset="0"/>
+                <a:ea typeface="Courier" charset="0"/>
+                <a:cs typeface="Courier" charset="0"/>
+                <a:sym typeface="Courier" charset="0"/>
+              </a:rPr>
+              <a:t>Jeremy </a:t>
+            </a:r>
+            <a:r>
+              <a:rPr lang="en-US" altLang="en-US" dirty="0" err="1">
+                <a:latin typeface="Courier" charset="0"/>
+                <a:ea typeface="Courier" charset="0"/>
+                <a:cs typeface="Courier" charset="0"/>
+                <a:sym typeface="Courier" charset="0"/>
+              </a:rPr>
+              <a:t>Ledvkin</a:t>
+            </a:r>
+            <a:endParaRPr lang="en-US" altLang="en-US" dirty="0">
+              <a:latin typeface="Courier" charset="0"/>
+              <a:sym typeface="Courier" charset="0"/>
+            </a:endParaRPr>
+          </a:p>
+          <a:p>
+            <a:r>
+              <a:rPr lang="en-US" altLang="en-US" dirty="0">
+                <a:latin typeface="Courier" charset="0"/>
+                <a:sym typeface="Courier" charset="0"/>
+              </a:rPr>
+              <a:t>	</a:t>
+            </a:r>
+            <a:r>
+              <a:rPr lang="en-US" altLang="en-US" dirty="0">
+                <a:latin typeface="Courier" charset="0"/>
+                <a:ea typeface="Courier" charset="0"/>
+                <a:cs typeface="Courier" charset="0"/>
+                <a:sym typeface="Courier" charset="0"/>
+              </a:rPr>
+              <a:t>Nancy </a:t>
+            </a:r>
+            <a:r>
+              <a:rPr lang="en-US" altLang="en-US" dirty="0" err="1">
+                <a:latin typeface="Courier" charset="0"/>
+                <a:ea typeface="Courier" charset="0"/>
+                <a:cs typeface="Courier" charset="0"/>
+                <a:sym typeface="Courier" charset="0"/>
+              </a:rPr>
+              <a:t>Colburne</a:t>
+            </a:r>
+            <a:endParaRPr lang="en-US" altLang="en-US" dirty="0">
+              <a:latin typeface="Courier" charset="0"/>
+              <a:sym typeface="Courier" charset="0"/>
+            </a:endParaRPr>
+          </a:p>
+          <a:p>
+            <a:r>
+              <a:rPr lang="en-US" altLang="en-US" dirty="0">
+                <a:latin typeface="Courier" charset="0"/>
+                <a:sym typeface="Courier" charset="0"/>
+              </a:rPr>
+              <a:t>	</a:t>
+            </a:r>
+            <a:r>
+              <a:rPr lang="en-US" altLang="en-US" dirty="0">
+                <a:latin typeface="Courier" charset="0"/>
+                <a:ea typeface="Courier" charset="0"/>
+                <a:cs typeface="Courier" charset="0"/>
+                <a:sym typeface="Courier" charset="0"/>
+              </a:rPr>
+              <a:t>Tamara Perkins</a:t>
+            </a:r>
+            <a:endParaRPr lang="en-US" altLang="en-US" dirty="0">
+              <a:latin typeface="Courier" charset="0"/>
+              <a:sym typeface="Courier" charset="0"/>
+            </a:endParaRPr>
+          </a:p>
+          <a:p>
+            <a:r>
+              <a:rPr lang="en-US" altLang="en-US" dirty="0">
+                <a:latin typeface="Courier" charset="0"/>
+                <a:sym typeface="Courier" charset="0"/>
+              </a:rPr>
+              <a:t>	</a:t>
+            </a:r>
+            <a:r>
+              <a:rPr lang="en-US" altLang="en-US" dirty="0">
+                <a:latin typeface="Courier" charset="0"/>
+                <a:ea typeface="Courier" charset="0"/>
+                <a:cs typeface="Courier" charset="0"/>
+                <a:sym typeface="Courier" charset="0"/>
+              </a:rPr>
+              <a:t>Esther Pringle</a:t>
+            </a:r>
+            <a:endParaRPr lang="en-US" altLang="en-US" dirty="0">
+              <a:latin typeface="Courier" charset="0"/>
+              <a:sym typeface="Courier" charset="0"/>
+            </a:endParaRPr>
+          </a:p>
+          <a:p>
+            <a:r>
+              <a:rPr lang="en-US" altLang="en-US" dirty="0">
+                <a:latin typeface="Courier" charset="0"/>
+                <a:sym typeface="Courier" charset="0"/>
+              </a:rPr>
+              <a:t>	</a:t>
+            </a:r>
+            <a:r>
+              <a:rPr lang="en-US" altLang="en-US" dirty="0" err="1">
+                <a:latin typeface="Courier" charset="0"/>
+                <a:ea typeface="Courier" charset="0"/>
+                <a:cs typeface="Courier" charset="0"/>
+                <a:sym typeface="Courier" charset="0"/>
+              </a:rPr>
+              <a:t>Asar</a:t>
+            </a:r>
+            <a:r>
+              <a:rPr lang="en-US" altLang="en-US" dirty="0">
+                <a:latin typeface="Courier" charset="0"/>
+                <a:ea typeface="Courier" charset="0"/>
+                <a:cs typeface="Courier" charset="0"/>
+                <a:sym typeface="Courier" charset="0"/>
+              </a:rPr>
+              <a:t> </a:t>
+            </a:r>
+            <a:r>
+              <a:rPr lang="en-US" altLang="en-US" dirty="0" err="1">
+                <a:latin typeface="Courier" charset="0"/>
+                <a:ea typeface="Courier" charset="0"/>
+                <a:cs typeface="Courier" charset="0"/>
+                <a:sym typeface="Courier" charset="0"/>
+              </a:rPr>
+              <a:t>Misrad</a:t>
+            </a:r>
+            <a:endParaRPr lang="en-US" altLang="en-US" dirty="0">
+              <a:latin typeface="Courier" charset="0"/>
+              <a:sym typeface="Courier" charset="0"/>
+            </a:endParaRPr>
+          </a:p>
+          <a:p>
+            <a:r>
+              <a:rPr lang="en-US" altLang="en-US" dirty="0">
+                <a:latin typeface="Courier" charset="0"/>
+                <a:sym typeface="Courier" charset="0"/>
+              </a:rPr>
+              <a:t>	</a:t>
+            </a:r>
+            <a:r>
+              <a:rPr lang="en-US" altLang="en-US" dirty="0">
+                <a:latin typeface="Courier" charset="0"/>
+                <a:ea typeface="Courier" charset="0"/>
+                <a:cs typeface="Courier" charset="0"/>
+                <a:sym typeface="Courier" charset="0"/>
+              </a:rPr>
+              <a:t>Jenny Kant</a:t>
+            </a:r>
+            <a:endParaRPr lang="en-US" altLang="en-US" dirty="0">
+              <a:latin typeface="Courier" charset="0"/>
+              <a:sym typeface="Courier" charset="0"/>
+            </a:endParaRPr>
+          </a:p>
+        </p:txBody>
+      </p:sp>
     </p:spTree>
     <p:extLst>
       <p:ext uri="{BB962C8B-B14F-4D97-AF65-F5344CB8AC3E}">
-        <p14:creationId xmlns:p14="http://schemas.microsoft.com/office/powerpoint/2010/main" val="3419832590"/>
+        <p14:creationId xmlns:p14="http://schemas.microsoft.com/office/powerpoint/2010/main" val="2740615822"/>
       </p:ext>
     </p:extLst>
   </p:cSld>
